--- a/入門機械学習.pptx
+++ b/入門機械学習.pptx
@@ -7,36 +7,38 @@
   <p:sldIdLst>
     <p:sldId id="256" r:id="rId2"/>
     <p:sldId id="257" r:id="rId3"/>
-    <p:sldId id="258" r:id="rId4"/>
-    <p:sldId id="259" r:id="rId5"/>
-    <p:sldId id="260" r:id="rId6"/>
-    <p:sldId id="261" r:id="rId7"/>
-    <p:sldId id="262" r:id="rId8"/>
-    <p:sldId id="263" r:id="rId9"/>
-    <p:sldId id="264" r:id="rId10"/>
-    <p:sldId id="265" r:id="rId11"/>
-    <p:sldId id="266" r:id="rId12"/>
-    <p:sldId id="267" r:id="rId13"/>
-    <p:sldId id="268" r:id="rId14"/>
-    <p:sldId id="269" r:id="rId15"/>
-    <p:sldId id="270" r:id="rId16"/>
-    <p:sldId id="271" r:id="rId17"/>
-    <p:sldId id="273" r:id="rId18"/>
-    <p:sldId id="274" r:id="rId19"/>
-    <p:sldId id="275" r:id="rId20"/>
-    <p:sldId id="276" r:id="rId21"/>
-    <p:sldId id="277" r:id="rId22"/>
-    <p:sldId id="278" r:id="rId23"/>
-    <p:sldId id="279" r:id="rId24"/>
-    <p:sldId id="280" r:id="rId25"/>
-    <p:sldId id="281" r:id="rId26"/>
-    <p:sldId id="282" r:id="rId27"/>
-    <p:sldId id="283" r:id="rId28"/>
-    <p:sldId id="284" r:id="rId29"/>
-    <p:sldId id="285" r:id="rId30"/>
-    <p:sldId id="286" r:id="rId31"/>
-    <p:sldId id="288" r:id="rId32"/>
-    <p:sldId id="287" r:id="rId33"/>
+    <p:sldId id="289" r:id="rId4"/>
+    <p:sldId id="290" r:id="rId5"/>
+    <p:sldId id="258" r:id="rId6"/>
+    <p:sldId id="259" r:id="rId7"/>
+    <p:sldId id="260" r:id="rId8"/>
+    <p:sldId id="261" r:id="rId9"/>
+    <p:sldId id="262" r:id="rId10"/>
+    <p:sldId id="263" r:id="rId11"/>
+    <p:sldId id="264" r:id="rId12"/>
+    <p:sldId id="265" r:id="rId13"/>
+    <p:sldId id="266" r:id="rId14"/>
+    <p:sldId id="267" r:id="rId15"/>
+    <p:sldId id="268" r:id="rId16"/>
+    <p:sldId id="269" r:id="rId17"/>
+    <p:sldId id="270" r:id="rId18"/>
+    <p:sldId id="271" r:id="rId19"/>
+    <p:sldId id="273" r:id="rId20"/>
+    <p:sldId id="274" r:id="rId21"/>
+    <p:sldId id="275" r:id="rId22"/>
+    <p:sldId id="276" r:id="rId23"/>
+    <p:sldId id="277" r:id="rId24"/>
+    <p:sldId id="278" r:id="rId25"/>
+    <p:sldId id="279" r:id="rId26"/>
+    <p:sldId id="280" r:id="rId27"/>
+    <p:sldId id="281" r:id="rId28"/>
+    <p:sldId id="282" r:id="rId29"/>
+    <p:sldId id="283" r:id="rId30"/>
+    <p:sldId id="284" r:id="rId31"/>
+    <p:sldId id="285" r:id="rId32"/>
+    <p:sldId id="286" r:id="rId33"/>
+    <p:sldId id="288" r:id="rId34"/>
+    <p:sldId id="287" r:id="rId35"/>
   </p:sldIdLst>
   <p:sldSz cx="9144000" cy="6858000" type="screen4x3"/>
   <p:notesSz cx="6858000" cy="9144000"/>
@@ -275,7 +277,7 @@
           <a:p>
             <a:fld id="{E029AA3D-E213-455F-B8CB-3A5F195ACD36}" type="datetimeFigureOut">
               <a:rPr kumimoji="1" lang="ja-JP" altLang="en-US" smtClean="0"/>
-              <a:t>2013/8/23</a:t>
+              <a:t>2013/10/20</a:t>
             </a:fld>
             <a:endParaRPr kumimoji="1" lang="ja-JP" altLang="en-US"/>
           </a:p>
@@ -1176,7 +1178,7 @@
           <a:p>
             <a:fld id="{E029AA3D-E213-455F-B8CB-3A5F195ACD36}" type="datetimeFigureOut">
               <a:rPr kumimoji="1" lang="ja-JP" altLang="en-US" smtClean="0"/>
-              <a:t>2013/8/23</a:t>
+              <a:t>2013/10/20</a:t>
             </a:fld>
             <a:endParaRPr kumimoji="1" lang="ja-JP" altLang="en-US"/>
           </a:p>
@@ -1383,7 +1385,7 @@
           <a:p>
             <a:fld id="{E029AA3D-E213-455F-B8CB-3A5F195ACD36}" type="datetimeFigureOut">
               <a:rPr kumimoji="1" lang="ja-JP" altLang="en-US" smtClean="0"/>
-              <a:t>2013/8/23</a:t>
+              <a:t>2013/10/20</a:t>
             </a:fld>
             <a:endParaRPr kumimoji="1" lang="ja-JP" altLang="en-US"/>
           </a:p>
@@ -1585,7 +1587,7 @@
           <a:p>
             <a:fld id="{E029AA3D-E213-455F-B8CB-3A5F195ACD36}" type="datetimeFigureOut">
               <a:rPr kumimoji="1" lang="ja-JP" altLang="en-US" smtClean="0"/>
-              <a:t>2013/8/23</a:t>
+              <a:t>2013/10/20</a:t>
             </a:fld>
             <a:endParaRPr kumimoji="1" lang="ja-JP" altLang="en-US"/>
           </a:p>
@@ -1795,7 +1797,7 @@
           <a:p>
             <a:fld id="{E029AA3D-E213-455F-B8CB-3A5F195ACD36}" type="datetimeFigureOut">
               <a:rPr kumimoji="1" lang="ja-JP" altLang="en-US" smtClean="0"/>
-              <a:t>2013/8/23</a:t>
+              <a:t>2013/10/20</a:t>
             </a:fld>
             <a:endParaRPr kumimoji="1" lang="ja-JP" altLang="en-US"/>
           </a:p>
@@ -2609,7 +2611,7 @@
           <a:p>
             <a:fld id="{E029AA3D-E213-455F-B8CB-3A5F195ACD36}" type="datetimeFigureOut">
               <a:rPr kumimoji="1" lang="ja-JP" altLang="en-US" smtClean="0"/>
-              <a:t>2013/8/23</a:t>
+              <a:t>2013/10/20</a:t>
             </a:fld>
             <a:endParaRPr kumimoji="1" lang="ja-JP" altLang="en-US"/>
           </a:p>
@@ -2909,7 +2911,7 @@
           <a:p>
             <a:fld id="{E029AA3D-E213-455F-B8CB-3A5F195ACD36}" type="datetimeFigureOut">
               <a:rPr kumimoji="1" lang="ja-JP" altLang="en-US" smtClean="0"/>
-              <a:t>2013/8/23</a:t>
+              <a:t>2013/10/20</a:t>
             </a:fld>
             <a:endParaRPr kumimoji="1" lang="ja-JP" altLang="en-US"/>
           </a:p>
@@ -3296,7 +3298,7 @@
           <a:p>
             <a:fld id="{E029AA3D-E213-455F-B8CB-3A5F195ACD36}" type="datetimeFigureOut">
               <a:rPr kumimoji="1" lang="ja-JP" altLang="en-US" smtClean="0"/>
-              <a:t>2013/8/23</a:t>
+              <a:t>2013/10/20</a:t>
             </a:fld>
             <a:endParaRPr kumimoji="1" lang="ja-JP" altLang="en-US"/>
           </a:p>
@@ -3386,7 +3388,7 @@
           <a:p>
             <a:fld id="{E029AA3D-E213-455F-B8CB-3A5F195ACD36}" type="datetimeFigureOut">
               <a:rPr kumimoji="1" lang="ja-JP" altLang="en-US" smtClean="0"/>
-              <a:t>2013/8/23</a:t>
+              <a:t>2013/10/20</a:t>
             </a:fld>
             <a:endParaRPr kumimoji="1" lang="ja-JP" altLang="en-US"/>
           </a:p>
@@ -3935,7 +3937,7 @@
           <a:p>
             <a:fld id="{E029AA3D-E213-455F-B8CB-3A5F195ACD36}" type="datetimeFigureOut">
               <a:rPr kumimoji="1" lang="ja-JP" altLang="en-US" smtClean="0"/>
-              <a:t>2013/8/23</a:t>
+              <a:t>2013/10/20</a:t>
             </a:fld>
             <a:endParaRPr kumimoji="1" lang="ja-JP" altLang="en-US"/>
           </a:p>
@@ -4446,7 +4448,7 @@
           <a:p>
             <a:fld id="{E029AA3D-E213-455F-B8CB-3A5F195ACD36}" type="datetimeFigureOut">
               <a:rPr kumimoji="1" lang="ja-JP" altLang="en-US" smtClean="0"/>
-              <a:t>2013/8/23</a:t>
+              <a:t>2013/10/20</a:t>
             </a:fld>
             <a:endParaRPr kumimoji="1" lang="ja-JP" altLang="en-US"/>
           </a:p>
@@ -4723,7 +4725,7 @@
           <a:p>
             <a:fld id="{E029AA3D-E213-455F-B8CB-3A5F195ACD36}" type="datetimeFigureOut">
               <a:rPr kumimoji="1" lang="ja-JP" altLang="en-US" smtClean="0"/>
-              <a:t>2013/8/23</a:t>
+              <a:t>2013/10/20</a:t>
             </a:fld>
             <a:endParaRPr kumimoji="1" lang="ja-JP" altLang="en-US"/>
           </a:p>
@@ -5505,10 +5507,1112 @@
   <p:clrMapOvr>
     <a:masterClrMapping/>
   </p:clrMapOvr>
+  <p:timing>
+    <p:tnLst>
+      <p:par>
+        <p:cTn id="1" dur="indefinite" restart="never" nodeType="tmRoot"/>
+      </p:par>
+    </p:tnLst>
+  </p:timing>
 </p:sld>
 </file>
 
 <file path=ppt/slides/slide10.xml><?xml version="1.0" encoding="utf-8"?>
+<p:sld xmlns:a="http://schemas.openxmlformats.org/drawingml/2006/main" xmlns:r="http://schemas.openxmlformats.org/officeDocument/2006/relationships" xmlns:p="http://schemas.openxmlformats.org/presentationml/2006/main">
+  <p:cSld>
+    <p:spTree>
+      <p:nvGrpSpPr>
+        <p:cNvPr id="1" name=""/>
+        <p:cNvGrpSpPr/>
+        <p:nvPr/>
+      </p:nvGrpSpPr>
+      <p:grpSpPr>
+        <a:xfrm>
+          <a:off x="0" y="0"/>
+          <a:ext cx="0" cy="0"/>
+          <a:chOff x="0" y="0"/>
+          <a:chExt cx="0" cy="0"/>
+        </a:xfrm>
+      </p:grpSpPr>
+      <p:sp>
+        <p:nvSpPr>
+          <p:cNvPr id="2" name="タイトル 1"/>
+          <p:cNvSpPr>
+            <a:spLocks noGrp="1"/>
+          </p:cNvSpPr>
+          <p:nvPr>
+            <p:ph type="title"/>
+          </p:nvPr>
+        </p:nvSpPr>
+        <p:spPr/>
+        <p:txBody>
+          <a:bodyPr/>
+          <a:lstStyle/>
+          <a:p>
+            <a:r>
+              <a:rPr lang="ja-JP" altLang="en-US" dirty="0"/>
+              <a:t>株価を取得して</a:t>
+            </a:r>
+            <a:r>
+              <a:rPr lang="ja-JP" altLang="en-US" dirty="0" smtClean="0"/>
+              <a:t>みよう</a:t>
+            </a:r>
+            <a:endParaRPr kumimoji="1" lang="ja-JP" altLang="en-US" dirty="0"/>
+          </a:p>
+        </p:txBody>
+      </p:sp>
+      <p:sp>
+        <p:nvSpPr>
+          <p:cNvPr id="3" name="コンテンツ プレースホルダー 2"/>
+          <p:cNvSpPr>
+            <a:spLocks noGrp="1"/>
+          </p:cNvSpPr>
+          <p:nvPr>
+            <p:ph sz="quarter" idx="1"/>
+          </p:nvPr>
+        </p:nvSpPr>
+        <p:spPr/>
+        <p:txBody>
+          <a:bodyPr>
+            <a:normAutofit fontScale="92500" lnSpcReduction="20000"/>
+          </a:bodyPr>
+          <a:lstStyle/>
+          <a:p>
+            <a:r>
+              <a:rPr lang="en-US" altLang="ja-JP" dirty="0" err="1" smtClean="0"/>
+              <a:t>RFinanceYJ</a:t>
+            </a:r>
+            <a:endParaRPr lang="en-US" altLang="ja-JP" dirty="0" smtClean="0"/>
+          </a:p>
+          <a:p>
+            <a:pPr marL="0" indent="0">
+              <a:buNone/>
+            </a:pPr>
+            <a:r>
+              <a:rPr lang="ja-JP" altLang="en-US" sz="1800" dirty="0" smtClean="0"/>
+              <a:t>ヤフーファイナンス</a:t>
+            </a:r>
+            <a:r>
+              <a:rPr lang="ja-JP" altLang="en-US" sz="1800" dirty="0"/>
+              <a:t>から株価を取得することができる「</a:t>
+            </a:r>
+            <a:r>
+              <a:rPr lang="en-US" altLang="ja-JP" sz="1800" dirty="0" err="1"/>
+              <a:t>RFinanceYJ</a:t>
+            </a:r>
+            <a:r>
+              <a:rPr lang="ja-JP" altLang="en-US" sz="1800" dirty="0"/>
+              <a:t>」を使います</a:t>
+            </a:r>
+            <a:r>
+              <a:rPr lang="ja-JP" altLang="en-US" sz="1800" dirty="0" smtClean="0"/>
+              <a:t>。作者</a:t>
+            </a:r>
+            <a:r>
+              <a:rPr lang="ja-JP" altLang="en-US" sz="1800" dirty="0"/>
+              <a:t>は里 洋平</a:t>
+            </a:r>
+            <a:r>
+              <a:rPr lang="en-US" altLang="ja-JP" sz="1800" dirty="0"/>
+              <a:t>(</a:t>
+            </a:r>
+            <a:r>
+              <a:rPr lang="en-US" altLang="ja-JP" sz="1800" dirty="0" err="1"/>
+              <a:t>yokkuns</a:t>
+            </a:r>
+            <a:r>
+              <a:rPr lang="en-US" altLang="ja-JP" sz="1800" dirty="0"/>
+              <a:t>)</a:t>
+            </a:r>
+            <a:r>
+              <a:rPr lang="ja-JP" altLang="en-US" sz="1800" dirty="0" smtClean="0"/>
+              <a:t>さん。マニュアル</a:t>
+            </a:r>
+            <a:r>
+              <a:rPr lang="ja-JP" altLang="en-US" sz="1800" dirty="0"/>
+              <a:t>は</a:t>
+            </a:r>
+            <a:r>
+              <a:rPr lang="ja-JP" altLang="en-US" sz="1800" dirty="0">
+                <a:hlinkClick r:id="rId2"/>
+              </a:rPr>
+              <a:t>ここ</a:t>
+            </a:r>
+            <a:r>
+              <a:rPr lang="ja-JP" altLang="en-US" sz="1800" dirty="0"/>
+              <a:t>から。</a:t>
+            </a:r>
+            <a:br>
+              <a:rPr lang="ja-JP" altLang="en-US" sz="1800" dirty="0"/>
+            </a:br>
+            <a:endParaRPr lang="en-US" altLang="ja-JP" sz="1800" dirty="0" smtClean="0"/>
+          </a:p>
+          <a:p>
+            <a:pPr marL="0" indent="0">
+              <a:buNone/>
+            </a:pPr>
+            <a:r>
+              <a:rPr lang="en-US" altLang="ja-JP" sz="1800" dirty="0" err="1" smtClean="0"/>
+              <a:t>RStudio</a:t>
+            </a:r>
+            <a:r>
+              <a:rPr lang="ja-JP" altLang="en-US" sz="1800" dirty="0" smtClean="0"/>
+              <a:t>を使います。</a:t>
+            </a:r>
+            <a:endParaRPr lang="en-US" altLang="ja-JP" sz="1800" dirty="0" smtClean="0"/>
+          </a:p>
+          <a:p>
+            <a:pPr marL="0" indent="0">
+              <a:buNone/>
+            </a:pPr>
+            <a:r>
+              <a:rPr lang="en-US" altLang="ja-JP" sz="1800" dirty="0" err="1">
+                <a:solidFill>
+                  <a:srgbClr val="009900"/>
+                </a:solidFill>
+              </a:rPr>
+              <a:t>install.packages</a:t>
+            </a:r>
+            <a:r>
+              <a:rPr lang="en-US" altLang="ja-JP" sz="1800" dirty="0" smtClean="0">
+                <a:solidFill>
+                  <a:srgbClr val="009900"/>
+                </a:solidFill>
+              </a:rPr>
+              <a:t>(“</a:t>
+            </a:r>
+            <a:r>
+              <a:rPr lang="en-US" altLang="ja-JP" sz="1800" dirty="0" err="1" smtClean="0">
+                <a:solidFill>
+                  <a:srgbClr val="009900"/>
+                </a:solidFill>
+              </a:rPr>
+              <a:t>RFinanceYJ</a:t>
+            </a:r>
+            <a:r>
+              <a:rPr lang="en-US" altLang="ja-JP" sz="1800" dirty="0" smtClean="0">
+                <a:solidFill>
+                  <a:srgbClr val="009900"/>
+                </a:solidFill>
+              </a:rPr>
+              <a:t>”)</a:t>
+            </a:r>
+            <a:r>
+              <a:rPr lang="en-US" altLang="ja-JP" sz="1800" dirty="0">
+                <a:solidFill>
+                  <a:srgbClr val="009900"/>
+                </a:solidFill>
+              </a:rPr>
+              <a:t/>
+            </a:r>
+            <a:br>
+              <a:rPr lang="en-US" altLang="ja-JP" sz="1800" dirty="0">
+                <a:solidFill>
+                  <a:srgbClr val="009900"/>
+                </a:solidFill>
+              </a:rPr>
+            </a:br>
+            <a:r>
+              <a:rPr lang="en-US" altLang="ja-JP" sz="1800" dirty="0">
+                <a:solidFill>
+                  <a:srgbClr val="009900"/>
+                </a:solidFill>
+              </a:rPr>
+              <a:t>library(</a:t>
+            </a:r>
+            <a:r>
+              <a:rPr lang="en-US" altLang="ja-JP" sz="1800" dirty="0" err="1">
+                <a:solidFill>
+                  <a:srgbClr val="009900"/>
+                </a:solidFill>
+              </a:rPr>
+              <a:t>RFinanceYJ</a:t>
+            </a:r>
+            <a:r>
+              <a:rPr lang="en-US" altLang="ja-JP" sz="1800" dirty="0">
+                <a:solidFill>
+                  <a:srgbClr val="009900"/>
+                </a:solidFill>
+              </a:rPr>
+              <a:t>)</a:t>
+            </a:r>
+            <a:br>
+              <a:rPr lang="en-US" altLang="ja-JP" sz="1800" dirty="0">
+                <a:solidFill>
+                  <a:srgbClr val="009900"/>
+                </a:solidFill>
+              </a:rPr>
+            </a:br>
+            <a:r>
+              <a:rPr lang="en-US" altLang="ja-JP" sz="1800" dirty="0">
+                <a:solidFill>
+                  <a:srgbClr val="009900"/>
+                </a:solidFill>
+              </a:rPr>
+              <a:t/>
+            </a:r>
+            <a:br>
+              <a:rPr lang="en-US" altLang="ja-JP" sz="1800" dirty="0">
+                <a:solidFill>
+                  <a:srgbClr val="009900"/>
+                </a:solidFill>
+              </a:rPr>
+            </a:br>
+            <a:r>
+              <a:rPr lang="en-US" altLang="ja-JP" sz="1800" dirty="0" err="1">
+                <a:solidFill>
+                  <a:srgbClr val="009900"/>
+                </a:solidFill>
+              </a:rPr>
+              <a:t>sony</a:t>
+            </a:r>
+            <a:r>
+              <a:rPr lang="en-US" altLang="ja-JP" sz="1800" dirty="0">
+                <a:solidFill>
+                  <a:srgbClr val="009900"/>
+                </a:solidFill>
+              </a:rPr>
+              <a:t> &lt;- </a:t>
+            </a:r>
+            <a:r>
+              <a:rPr lang="en-US" altLang="ja-JP" sz="1800" dirty="0" err="1">
+                <a:solidFill>
+                  <a:srgbClr val="009900"/>
+                </a:solidFill>
+              </a:rPr>
+              <a:t>quoteStockTsData</a:t>
+            </a:r>
+            <a:r>
+              <a:rPr lang="en-US" altLang="ja-JP" sz="1800" dirty="0" smtClean="0">
+                <a:solidFill>
+                  <a:srgbClr val="009900"/>
+                </a:solidFill>
+              </a:rPr>
+              <a:t>(‘6758.t’, </a:t>
+            </a:r>
+            <a:r>
+              <a:rPr lang="en-US" altLang="ja-JP" sz="1800" dirty="0">
+                <a:solidFill>
+                  <a:srgbClr val="009900"/>
+                </a:solidFill>
+              </a:rPr>
+              <a:t>since</a:t>
+            </a:r>
+            <a:r>
+              <a:rPr lang="en-US" altLang="ja-JP" sz="1800" dirty="0" smtClean="0">
+                <a:solidFill>
+                  <a:srgbClr val="009900"/>
+                </a:solidFill>
+              </a:rPr>
+              <a:t>=‘2013-01-01’)</a:t>
+            </a:r>
+            <a:r>
+              <a:rPr lang="en-US" altLang="ja-JP" sz="1800" dirty="0">
+                <a:solidFill>
+                  <a:srgbClr val="009900"/>
+                </a:solidFill>
+              </a:rPr>
+              <a:t/>
+            </a:r>
+            <a:br>
+              <a:rPr lang="en-US" altLang="ja-JP" sz="1800" dirty="0">
+                <a:solidFill>
+                  <a:srgbClr val="009900"/>
+                </a:solidFill>
+              </a:rPr>
+            </a:br>
+            <a:r>
+              <a:rPr lang="en-US" altLang="ja-JP" sz="1800" dirty="0" err="1">
+                <a:solidFill>
+                  <a:srgbClr val="009900"/>
+                </a:solidFill>
+              </a:rPr>
+              <a:t>toyota</a:t>
+            </a:r>
+            <a:r>
+              <a:rPr lang="en-US" altLang="ja-JP" sz="1800" dirty="0">
+                <a:solidFill>
+                  <a:srgbClr val="009900"/>
+                </a:solidFill>
+              </a:rPr>
+              <a:t> &lt;- </a:t>
+            </a:r>
+            <a:r>
+              <a:rPr lang="en-US" altLang="ja-JP" sz="1800" dirty="0" err="1">
+                <a:solidFill>
+                  <a:srgbClr val="009900"/>
+                </a:solidFill>
+              </a:rPr>
+              <a:t>quoteStockTsData</a:t>
+            </a:r>
+            <a:r>
+              <a:rPr lang="en-US" altLang="ja-JP" sz="1800" dirty="0" smtClean="0">
+                <a:solidFill>
+                  <a:srgbClr val="009900"/>
+                </a:solidFill>
+              </a:rPr>
+              <a:t>(‘7203.t’, </a:t>
+            </a:r>
+            <a:r>
+              <a:rPr lang="en-US" altLang="ja-JP" sz="1800" dirty="0">
+                <a:solidFill>
+                  <a:srgbClr val="009900"/>
+                </a:solidFill>
+              </a:rPr>
+              <a:t>since</a:t>
+            </a:r>
+            <a:r>
+              <a:rPr lang="en-US" altLang="ja-JP" sz="1800" dirty="0" smtClean="0">
+                <a:solidFill>
+                  <a:srgbClr val="009900"/>
+                </a:solidFill>
+              </a:rPr>
+              <a:t>=‘2013-01-01’)</a:t>
+            </a:r>
+            <a:r>
+              <a:rPr lang="en-US" altLang="ja-JP" sz="1800" dirty="0">
+                <a:solidFill>
+                  <a:srgbClr val="009900"/>
+                </a:solidFill>
+              </a:rPr>
+              <a:t/>
+            </a:r>
+            <a:br>
+              <a:rPr lang="en-US" altLang="ja-JP" sz="1800" dirty="0">
+                <a:solidFill>
+                  <a:srgbClr val="009900"/>
+                </a:solidFill>
+              </a:rPr>
+            </a:br>
+            <a:r>
+              <a:rPr lang="en-US" altLang="ja-JP" sz="1800" dirty="0" err="1">
+                <a:solidFill>
+                  <a:srgbClr val="009900"/>
+                </a:solidFill>
+              </a:rPr>
+              <a:t>nikkei_h</a:t>
+            </a:r>
+            <a:r>
+              <a:rPr lang="en-US" altLang="ja-JP" sz="1800" dirty="0">
+                <a:solidFill>
+                  <a:srgbClr val="009900"/>
+                </a:solidFill>
+              </a:rPr>
+              <a:t> &lt;- </a:t>
+            </a:r>
+            <a:r>
+              <a:rPr lang="en-US" altLang="ja-JP" sz="1800" dirty="0" err="1">
+                <a:solidFill>
+                  <a:srgbClr val="009900"/>
+                </a:solidFill>
+              </a:rPr>
+              <a:t>quoteStockTsData</a:t>
+            </a:r>
+            <a:r>
+              <a:rPr lang="en-US" altLang="ja-JP" sz="1800" dirty="0" smtClean="0">
+                <a:solidFill>
+                  <a:srgbClr val="009900"/>
+                </a:solidFill>
+              </a:rPr>
+              <a:t>(‘998407.O’, </a:t>
+            </a:r>
+            <a:r>
+              <a:rPr lang="en-US" altLang="ja-JP" sz="1800" dirty="0">
+                <a:solidFill>
+                  <a:srgbClr val="009900"/>
+                </a:solidFill>
+              </a:rPr>
+              <a:t>since</a:t>
+            </a:r>
+            <a:r>
+              <a:rPr lang="en-US" altLang="ja-JP" sz="1800" dirty="0" smtClean="0">
+                <a:solidFill>
+                  <a:srgbClr val="009900"/>
+                </a:solidFill>
+              </a:rPr>
+              <a:t>=‘2013-01-01’)</a:t>
+            </a:r>
+            <a:r>
+              <a:rPr lang="en-US" altLang="ja-JP" sz="1800" dirty="0">
+                <a:solidFill>
+                  <a:srgbClr val="009900"/>
+                </a:solidFill>
+              </a:rPr>
+              <a:t/>
+            </a:r>
+            <a:br>
+              <a:rPr lang="en-US" altLang="ja-JP" sz="1800" dirty="0">
+                <a:solidFill>
+                  <a:srgbClr val="009900"/>
+                </a:solidFill>
+              </a:rPr>
+            </a:br>
+            <a:r>
+              <a:rPr lang="en-US" altLang="ja-JP" sz="1800" dirty="0"/>
+              <a:t/>
+            </a:r>
+            <a:br>
+              <a:rPr lang="en-US" altLang="ja-JP" sz="1800" dirty="0"/>
+            </a:br>
+            <a:r>
+              <a:rPr lang="en-US" altLang="ja-JP" sz="1800" dirty="0" smtClean="0">
+                <a:solidFill>
+                  <a:srgbClr val="009900"/>
+                </a:solidFill>
+              </a:rPr>
+              <a:t>head(</a:t>
+            </a:r>
+            <a:r>
+              <a:rPr lang="en-US" altLang="ja-JP" sz="1800" dirty="0" err="1" smtClean="0">
+                <a:solidFill>
+                  <a:srgbClr val="FF0000"/>
+                </a:solidFill>
+              </a:rPr>
+              <a:t>sony</a:t>
+            </a:r>
+            <a:r>
+              <a:rPr lang="en-US" altLang="ja-JP" sz="1800" dirty="0">
+                <a:solidFill>
+                  <a:srgbClr val="009900"/>
+                </a:solidFill>
+              </a:rPr>
+              <a:t>) </a:t>
+            </a:r>
+            <a:r>
+              <a:rPr lang="ja-JP" altLang="en-US" sz="1800" dirty="0" smtClean="0">
+                <a:solidFill>
+                  <a:srgbClr val="009900"/>
+                </a:solidFill>
+              </a:rPr>
+              <a:t>　</a:t>
+            </a:r>
+            <a:r>
+              <a:rPr lang="en-US" altLang="ja-JP" sz="1800" dirty="0" smtClean="0"/>
+              <a:t>#</a:t>
+            </a:r>
+            <a:r>
+              <a:rPr lang="ja-JP" altLang="en-US" sz="1800" dirty="0"/>
+              <a:t>データの最初の１５行くらいを出力することができる。</a:t>
+            </a:r>
+            <a:br>
+              <a:rPr lang="ja-JP" altLang="en-US" sz="1800" dirty="0"/>
+            </a:br>
+            <a:r>
+              <a:rPr lang="ja-JP" altLang="en-US" sz="1800" dirty="0"/>
+              <a:t/>
+            </a:r>
+            <a:br>
+              <a:rPr lang="ja-JP" altLang="en-US" sz="1800" dirty="0"/>
+            </a:br>
+            <a:r>
+              <a:rPr lang="ja-JP" altLang="en-US" sz="1800" dirty="0"/>
+              <a:t>データの定義は</a:t>
+            </a:r>
+            <a:r>
+              <a:rPr lang="ja-JP" altLang="en-US" sz="1800" dirty="0" smtClean="0"/>
+              <a:t>下記</a:t>
+            </a:r>
+            <a:r>
+              <a:rPr lang="ja-JP" altLang="en-US" sz="1800" dirty="0"/>
+              <a:t/>
+            </a:r>
+            <a:br>
+              <a:rPr lang="ja-JP" altLang="en-US" sz="1800" dirty="0"/>
+            </a:br>
+            <a:r>
+              <a:rPr lang="en-US" altLang="ja-JP" sz="1800" dirty="0"/>
+              <a:t>date:</a:t>
+            </a:r>
+            <a:r>
+              <a:rPr lang="ja-JP" altLang="en-US" sz="1800" dirty="0"/>
+              <a:t>日付 </a:t>
+            </a:r>
+            <a:r>
+              <a:rPr lang="en-US" altLang="ja-JP" sz="1800" dirty="0"/>
+              <a:t>open</a:t>
+            </a:r>
+            <a:r>
+              <a:rPr lang="ja-JP" altLang="en-US" sz="1800" dirty="0"/>
+              <a:t>：始値 </a:t>
+            </a:r>
+            <a:r>
+              <a:rPr lang="en-US" altLang="ja-JP" sz="1800" dirty="0"/>
+              <a:t>height</a:t>
+            </a:r>
+            <a:r>
+              <a:rPr lang="ja-JP" altLang="en-US" sz="1800" dirty="0"/>
+              <a:t>：高値 </a:t>
+            </a:r>
+            <a:r>
+              <a:rPr lang="en-US" altLang="ja-JP" sz="1800" dirty="0"/>
+              <a:t>low</a:t>
+            </a:r>
+            <a:r>
+              <a:rPr lang="ja-JP" altLang="en-US" sz="1800" dirty="0"/>
+              <a:t>：低値 </a:t>
+            </a:r>
+            <a:r>
+              <a:rPr lang="en-US" altLang="ja-JP" sz="1800" dirty="0"/>
+              <a:t>close</a:t>
+            </a:r>
+            <a:r>
+              <a:rPr lang="ja-JP" altLang="en-US" sz="1800" dirty="0"/>
+              <a:t>：終値 </a:t>
+            </a:r>
+            <a:r>
+              <a:rPr lang="en-US" altLang="ja-JP" sz="1800" dirty="0"/>
+              <a:t>volume</a:t>
+            </a:r>
+            <a:r>
+              <a:rPr lang="ja-JP" altLang="en-US" sz="1800" dirty="0"/>
+              <a:t>：出来高 </a:t>
+            </a:r>
+            <a:r>
+              <a:rPr lang="en-US" altLang="ja-JP" sz="1800" dirty="0" err="1"/>
+              <a:t>adj_close</a:t>
+            </a:r>
+            <a:r>
+              <a:rPr lang="ja-JP" altLang="en-US" sz="1800" dirty="0"/>
+              <a:t>：調整後終値</a:t>
+            </a:r>
+            <a:br>
+              <a:rPr lang="ja-JP" altLang="en-US" sz="1800" dirty="0"/>
+            </a:br>
+            <a:endParaRPr lang="en-US" altLang="ja-JP" sz="1800" dirty="0" smtClean="0"/>
+          </a:p>
+          <a:p>
+            <a:pPr marL="0" indent="0">
+              <a:buNone/>
+            </a:pPr>
+            <a:r>
+              <a:rPr lang="en-US" altLang="ja-JP" sz="1800" dirty="0" smtClean="0"/>
+              <a:t>plot</a:t>
+            </a:r>
+            <a:r>
+              <a:rPr lang="en-US" altLang="ja-JP" sz="1800" dirty="0"/>
+              <a:t>()</a:t>
+            </a:r>
+            <a:r>
+              <a:rPr lang="ja-JP" altLang="en-US" sz="1800" dirty="0"/>
+              <a:t>関数</a:t>
+            </a:r>
+            <a:r>
+              <a:rPr lang="ja-JP" altLang="en-US" sz="1800" dirty="0" smtClean="0"/>
+              <a:t>でグラフを作成</a:t>
+            </a:r>
+            <a:r>
+              <a:rPr lang="ja-JP" altLang="en-US" sz="1800" dirty="0"/>
+              <a:t/>
+            </a:r>
+            <a:br>
+              <a:rPr lang="ja-JP" altLang="en-US" sz="1800" dirty="0"/>
+            </a:br>
+            <a:r>
+              <a:rPr lang="en-US" altLang="ja-JP" sz="1800" dirty="0" smtClean="0">
+                <a:solidFill>
+                  <a:srgbClr val="009900"/>
+                </a:solidFill>
+              </a:rPr>
+              <a:t>plot(</a:t>
+            </a:r>
+            <a:r>
+              <a:rPr lang="en-US" altLang="ja-JP" sz="1800" dirty="0" err="1" smtClean="0">
+                <a:solidFill>
+                  <a:srgbClr val="FF0000"/>
+                </a:solidFill>
+              </a:rPr>
+              <a:t>sony</a:t>
+            </a:r>
+            <a:r>
+              <a:rPr lang="en-US" altLang="ja-JP" sz="1800" dirty="0">
+                <a:solidFill>
+                  <a:srgbClr val="009900"/>
+                </a:solidFill>
+              </a:rPr>
+              <a:t>[,1],</a:t>
+            </a:r>
+            <a:r>
+              <a:rPr lang="en-US" altLang="ja-JP" sz="1800" dirty="0" err="1">
+                <a:solidFill>
+                  <a:srgbClr val="FF0000"/>
+                </a:solidFill>
+              </a:rPr>
+              <a:t>sony</a:t>
+            </a:r>
+            <a:r>
+              <a:rPr lang="en-US" altLang="ja-JP" sz="1800" dirty="0">
+                <a:solidFill>
+                  <a:srgbClr val="009900"/>
+                </a:solidFill>
+              </a:rPr>
+              <a:t>[,5],type="l",</a:t>
+            </a:r>
+            <a:r>
+              <a:rPr lang="en-US" altLang="ja-JP" sz="1800" dirty="0" err="1">
+                <a:solidFill>
+                  <a:srgbClr val="009900"/>
+                </a:solidFill>
+              </a:rPr>
+              <a:t>xlab</a:t>
+            </a:r>
+            <a:r>
+              <a:rPr lang="en-US" altLang="ja-JP" sz="1800" dirty="0">
+                <a:solidFill>
+                  <a:srgbClr val="009900"/>
+                </a:solidFill>
+              </a:rPr>
+              <a:t>="</a:t>
+            </a:r>
+            <a:r>
+              <a:rPr lang="ja-JP" altLang="en-US" sz="1800" dirty="0">
+                <a:solidFill>
+                  <a:srgbClr val="009900"/>
+                </a:solidFill>
+              </a:rPr>
+              <a:t>月</a:t>
+            </a:r>
+            <a:r>
+              <a:rPr lang="en-US" altLang="ja-JP" sz="1800" dirty="0">
+                <a:solidFill>
+                  <a:srgbClr val="009900"/>
+                </a:solidFill>
+              </a:rPr>
+              <a:t>",</a:t>
+            </a:r>
+            <a:r>
+              <a:rPr lang="en-US" altLang="ja-JP" sz="1800" dirty="0" err="1">
+                <a:solidFill>
+                  <a:srgbClr val="009900"/>
+                </a:solidFill>
+              </a:rPr>
+              <a:t>ylab</a:t>
+            </a:r>
+            <a:r>
+              <a:rPr lang="en-US" altLang="ja-JP" sz="1800" dirty="0">
+                <a:solidFill>
+                  <a:srgbClr val="009900"/>
+                </a:solidFill>
+              </a:rPr>
+              <a:t>="</a:t>
+            </a:r>
+            <a:r>
+              <a:rPr lang="ja-JP" altLang="en-US" sz="1800" dirty="0">
+                <a:solidFill>
+                  <a:srgbClr val="009900"/>
+                </a:solidFill>
+              </a:rPr>
+              <a:t>終値</a:t>
+            </a:r>
+            <a:r>
+              <a:rPr lang="en-US" altLang="ja-JP" sz="1800" dirty="0" smtClean="0">
+                <a:solidFill>
+                  <a:srgbClr val="009900"/>
+                </a:solidFill>
+              </a:rPr>
+              <a:t>")</a:t>
+            </a:r>
+            <a:endParaRPr kumimoji="1" lang="ja-JP" altLang="en-US" dirty="0">
+              <a:solidFill>
+                <a:srgbClr val="009900"/>
+              </a:solidFill>
+            </a:endParaRPr>
+          </a:p>
+        </p:txBody>
+      </p:sp>
+    </p:spTree>
+    <p:extLst>
+      <p:ext uri="{BB962C8B-B14F-4D97-AF65-F5344CB8AC3E}">
+        <p14:creationId xmlns:p14="http://schemas.microsoft.com/office/powerpoint/2010/main" val="192822024"/>
+      </p:ext>
+    </p:extLst>
+  </p:cSld>
+  <p:clrMapOvr>
+    <a:masterClrMapping/>
+  </p:clrMapOvr>
+  <p:timing>
+    <p:tnLst>
+      <p:par>
+        <p:cTn id="1" dur="indefinite" restart="never" nodeType="tmRoot"/>
+      </p:par>
+    </p:tnLst>
+  </p:timing>
+</p:sld>
+</file>
+
+<file path=ppt/slides/slide11.xml><?xml version="1.0" encoding="utf-8"?>
+<p:sld xmlns:a="http://schemas.openxmlformats.org/drawingml/2006/main" xmlns:r="http://schemas.openxmlformats.org/officeDocument/2006/relationships" xmlns:p="http://schemas.openxmlformats.org/presentationml/2006/main">
+  <p:cSld>
+    <p:spTree>
+      <p:nvGrpSpPr>
+        <p:cNvPr id="1" name=""/>
+        <p:cNvGrpSpPr/>
+        <p:nvPr/>
+      </p:nvGrpSpPr>
+      <p:grpSpPr>
+        <a:xfrm>
+          <a:off x="0" y="0"/>
+          <a:ext cx="0" cy="0"/>
+          <a:chOff x="0" y="0"/>
+          <a:chExt cx="0" cy="0"/>
+        </a:xfrm>
+      </p:grpSpPr>
+      <p:sp>
+        <p:nvSpPr>
+          <p:cNvPr id="2" name="タイトル 1"/>
+          <p:cNvSpPr>
+            <a:spLocks noGrp="1"/>
+          </p:cNvSpPr>
+          <p:nvPr>
+            <p:ph type="title"/>
+          </p:nvPr>
+        </p:nvSpPr>
+        <p:spPr/>
+        <p:txBody>
+          <a:bodyPr/>
+          <a:lstStyle/>
+          <a:p>
+            <a:r>
+              <a:rPr kumimoji="1" lang="ja-JP" altLang="en-US" dirty="0" smtClean="0"/>
+              <a:t>相関係数について</a:t>
+            </a:r>
+            <a:endParaRPr kumimoji="1" lang="ja-JP" altLang="en-US" dirty="0"/>
+          </a:p>
+        </p:txBody>
+      </p:sp>
+      <p:sp>
+        <p:nvSpPr>
+          <p:cNvPr id="3" name="コンテンツ プレースホルダー 2"/>
+          <p:cNvSpPr>
+            <a:spLocks noGrp="1"/>
+          </p:cNvSpPr>
+          <p:nvPr>
+            <p:ph sz="quarter" idx="1"/>
+          </p:nvPr>
+        </p:nvSpPr>
+        <p:spPr/>
+        <p:txBody>
+          <a:bodyPr/>
+          <a:lstStyle/>
+          <a:p>
+            <a:r>
+              <a:rPr lang="ja-JP" altLang="en-US" dirty="0"/>
+              <a:t>相関係数の概念</a:t>
+            </a:r>
+          </a:p>
+          <a:p>
+            <a:pPr marL="0" indent="0">
+              <a:buNone/>
+            </a:pPr>
+            <a:r>
+              <a:rPr lang="ja-JP" altLang="en-US" sz="1800" dirty="0"/>
+              <a:t>２つの要因についてどれくらい関係が強いか？</a:t>
+            </a:r>
+            <a:br>
+              <a:rPr lang="ja-JP" altLang="en-US" sz="1800" dirty="0"/>
+            </a:br>
+            <a:r>
+              <a:rPr lang="ja-JP" altLang="en-US" sz="1800" dirty="0"/>
+              <a:t>というものを示す１つの数値データになります。</a:t>
+            </a:r>
+            <a:r>
+              <a:rPr lang="ja-JP" altLang="en-US" dirty="0"/>
+              <a:t/>
+            </a:r>
+            <a:br>
+              <a:rPr lang="ja-JP" altLang="en-US" dirty="0"/>
+            </a:br>
+            <a:r>
+              <a:rPr lang="ja-JP" altLang="en-US" dirty="0"/>
+              <a:t/>
+            </a:r>
+            <a:br>
+              <a:rPr lang="ja-JP" altLang="en-US" dirty="0"/>
+            </a:br>
+            <a:endParaRPr kumimoji="1" lang="ja-JP" altLang="en-US" dirty="0"/>
+          </a:p>
+        </p:txBody>
+      </p:sp>
+      <p:graphicFrame>
+        <p:nvGraphicFramePr>
+          <p:cNvPr id="4" name="表 3"/>
+          <p:cNvGraphicFramePr>
+            <a:graphicFrameLocks noGrp="1"/>
+          </p:cNvGraphicFramePr>
+          <p:nvPr>
+            <p:extLst>
+              <p:ext uri="{D42A27DB-BD31-4B8C-83A1-F6EECF244321}">
+                <p14:modId xmlns:p14="http://schemas.microsoft.com/office/powerpoint/2010/main" val="3302262850"/>
+              </p:ext>
+            </p:extLst>
+          </p:nvPr>
+        </p:nvGraphicFramePr>
+        <p:xfrm>
+          <a:off x="539552" y="2924944"/>
+          <a:ext cx="4968552" cy="2194560"/>
+        </p:xfrm>
+        <a:graphic>
+          <a:graphicData uri="http://schemas.openxmlformats.org/drawingml/2006/table">
+            <a:tbl>
+              <a:tblPr firstRow="1" bandRow="1">
+                <a:tableStyleId>{5C22544A-7EE6-4342-B048-85BDC9FD1C3A}</a:tableStyleId>
+              </a:tblPr>
+              <a:tblGrid>
+                <a:gridCol w="1728192"/>
+                <a:gridCol w="3240360"/>
+              </a:tblGrid>
+              <a:tr h="238825">
+                <a:tc>
+                  <a:txBody>
+                    <a:bodyPr/>
+                    <a:lstStyle/>
+                    <a:p>
+                      <a:r>
+                        <a:rPr kumimoji="1" lang="ja-JP" altLang="en-US" dirty="0" smtClean="0"/>
+                        <a:t>相関係数</a:t>
+                      </a:r>
+                      <a:endParaRPr kumimoji="1" lang="ja-JP" altLang="en-US" dirty="0"/>
+                    </a:p>
+                  </a:txBody>
+                  <a:tcPr/>
+                </a:tc>
+                <a:tc>
+                  <a:txBody>
+                    <a:bodyPr/>
+                    <a:lstStyle/>
+                    <a:p>
+                      <a:r>
+                        <a:rPr kumimoji="1" lang="ja-JP" altLang="en-US" dirty="0" smtClean="0"/>
+                        <a:t>相関関係</a:t>
+                      </a:r>
+                      <a:endParaRPr kumimoji="1" lang="ja-JP" altLang="en-US" dirty="0"/>
+                    </a:p>
+                  </a:txBody>
+                  <a:tcPr/>
+                </a:tc>
+              </a:tr>
+              <a:tr h="238825">
+                <a:tc>
+                  <a:txBody>
+                    <a:bodyPr/>
+                    <a:lstStyle/>
+                    <a:p>
+                      <a:r>
+                        <a:rPr kumimoji="1" lang="ja-JP" altLang="en-US" dirty="0" smtClean="0"/>
+                        <a:t>　</a:t>
+                      </a:r>
+                      <a:r>
+                        <a:rPr kumimoji="1" lang="ja-JP" altLang="en-US" baseline="0" dirty="0" smtClean="0"/>
+                        <a:t> </a:t>
+                      </a:r>
+                      <a:r>
+                        <a:rPr kumimoji="1" lang="en-US" altLang="ja-JP" dirty="0" smtClean="0"/>
+                        <a:t>0.0</a:t>
+                      </a:r>
+                      <a:r>
+                        <a:rPr kumimoji="1" lang="ja-JP" altLang="en-US" dirty="0" smtClean="0"/>
+                        <a:t>～</a:t>
+                      </a:r>
+                      <a:r>
+                        <a:rPr kumimoji="1" lang="en-US" altLang="ja-JP" dirty="0" smtClean="0"/>
+                        <a:t>±0.2</a:t>
+                      </a:r>
+                      <a:endParaRPr kumimoji="1" lang="ja-JP" altLang="en-US" dirty="0"/>
+                    </a:p>
+                  </a:txBody>
+                  <a:tcPr/>
+                </a:tc>
+                <a:tc>
+                  <a:txBody>
+                    <a:bodyPr/>
+                    <a:lstStyle/>
+                    <a:p>
+                      <a:r>
+                        <a:rPr kumimoji="1" lang="ja-JP" altLang="en-US" dirty="0" smtClean="0"/>
+                        <a:t>ほとんど相関がない</a:t>
+                      </a:r>
+                      <a:endParaRPr kumimoji="1" lang="ja-JP" altLang="en-US" dirty="0"/>
+                    </a:p>
+                  </a:txBody>
+                  <a:tcPr/>
+                </a:tc>
+              </a:tr>
+              <a:tr h="238825">
+                <a:tc>
+                  <a:txBody>
+                    <a:bodyPr/>
+                    <a:lstStyle/>
+                    <a:p>
+                      <a:r>
+                        <a:rPr kumimoji="1" lang="en-US" altLang="ja-JP" dirty="0" smtClean="0"/>
+                        <a:t>±0.2</a:t>
+                      </a:r>
+                      <a:r>
+                        <a:rPr kumimoji="1" lang="ja-JP" altLang="en-US" dirty="0" smtClean="0"/>
+                        <a:t>～</a:t>
+                      </a:r>
+                      <a:r>
+                        <a:rPr kumimoji="1" lang="en-US" altLang="ja-JP" dirty="0" smtClean="0"/>
+                        <a:t>±0.4</a:t>
+                      </a:r>
+                      <a:endParaRPr kumimoji="1" lang="ja-JP" altLang="en-US" dirty="0"/>
+                    </a:p>
+                  </a:txBody>
+                  <a:tcPr/>
+                </a:tc>
+                <a:tc>
+                  <a:txBody>
+                    <a:bodyPr/>
+                    <a:lstStyle/>
+                    <a:p>
+                      <a:r>
+                        <a:rPr kumimoji="1" lang="ja-JP" altLang="en-US" dirty="0" smtClean="0"/>
+                        <a:t>やや相関がある</a:t>
+                      </a:r>
+                      <a:endParaRPr kumimoji="1" lang="ja-JP" altLang="en-US" dirty="0"/>
+                    </a:p>
+                  </a:txBody>
+                  <a:tcPr/>
+                </a:tc>
+              </a:tr>
+              <a:tr h="238825">
+                <a:tc>
+                  <a:txBody>
+                    <a:bodyPr/>
+                    <a:lstStyle/>
+                    <a:p>
+                      <a:r>
+                        <a:rPr kumimoji="1" lang="en-US" altLang="ja-JP" dirty="0" smtClean="0"/>
+                        <a:t>±0.4</a:t>
+                      </a:r>
+                      <a:r>
+                        <a:rPr kumimoji="1" lang="ja-JP" altLang="en-US" dirty="0" smtClean="0"/>
+                        <a:t>～</a:t>
+                      </a:r>
+                      <a:r>
+                        <a:rPr kumimoji="1" lang="en-US" altLang="ja-JP" dirty="0" smtClean="0"/>
+                        <a:t>±0.7</a:t>
+                      </a:r>
+                      <a:endParaRPr kumimoji="1" lang="ja-JP" altLang="en-US" dirty="0"/>
+                    </a:p>
+                  </a:txBody>
+                  <a:tcPr/>
+                </a:tc>
+                <a:tc>
+                  <a:txBody>
+                    <a:bodyPr/>
+                    <a:lstStyle/>
+                    <a:p>
+                      <a:r>
+                        <a:rPr kumimoji="1" lang="ja-JP" altLang="en-US" dirty="0" smtClean="0"/>
+                        <a:t>相関がある</a:t>
+                      </a:r>
+                      <a:endParaRPr kumimoji="1" lang="ja-JP" altLang="en-US" dirty="0"/>
+                    </a:p>
+                  </a:txBody>
+                  <a:tcPr/>
+                </a:tc>
+              </a:tr>
+              <a:tr h="238825">
+                <a:tc>
+                  <a:txBody>
+                    <a:bodyPr/>
+                    <a:lstStyle/>
+                    <a:p>
+                      <a:r>
+                        <a:rPr kumimoji="1" lang="en-US" altLang="ja-JP" dirty="0" smtClean="0"/>
+                        <a:t>±0.7</a:t>
+                      </a:r>
+                      <a:r>
+                        <a:rPr kumimoji="1" lang="ja-JP" altLang="en-US" dirty="0" smtClean="0"/>
+                        <a:t>～</a:t>
+                      </a:r>
+                      <a:r>
+                        <a:rPr kumimoji="1" lang="en-US" altLang="ja-JP" dirty="0" smtClean="0"/>
+                        <a:t>±0.9</a:t>
+                      </a:r>
+                      <a:endParaRPr kumimoji="1" lang="ja-JP" altLang="en-US" dirty="0"/>
+                    </a:p>
+                  </a:txBody>
+                  <a:tcPr/>
+                </a:tc>
+                <a:tc>
+                  <a:txBody>
+                    <a:bodyPr/>
+                    <a:lstStyle/>
+                    <a:p>
+                      <a:r>
+                        <a:rPr kumimoji="1" lang="ja-JP" altLang="en-US" dirty="0" smtClean="0"/>
+                        <a:t>強い相関がある</a:t>
+                      </a:r>
+                      <a:endParaRPr kumimoji="1" lang="ja-JP" altLang="en-US" dirty="0"/>
+                    </a:p>
+                  </a:txBody>
+                  <a:tcPr/>
+                </a:tc>
+              </a:tr>
+              <a:tr h="238825">
+                <a:tc>
+                  <a:txBody>
+                    <a:bodyPr/>
+                    <a:lstStyle/>
+                    <a:p>
+                      <a:r>
+                        <a:rPr kumimoji="1" lang="en-US" altLang="ja-JP" dirty="0" smtClean="0"/>
+                        <a:t>±0.9</a:t>
+                      </a:r>
+                      <a:r>
+                        <a:rPr kumimoji="1" lang="ja-JP" altLang="en-US" dirty="0" smtClean="0"/>
+                        <a:t>～</a:t>
+                      </a:r>
+                      <a:r>
+                        <a:rPr kumimoji="1" lang="en-US" altLang="ja-JP" dirty="0" smtClean="0"/>
+                        <a:t>±1.0</a:t>
+                      </a:r>
+                      <a:endParaRPr kumimoji="1" lang="ja-JP" altLang="en-US" dirty="0"/>
+                    </a:p>
+                  </a:txBody>
+                  <a:tcPr/>
+                </a:tc>
+                <a:tc>
+                  <a:txBody>
+                    <a:bodyPr/>
+                    <a:lstStyle/>
+                    <a:p>
+                      <a:r>
+                        <a:rPr kumimoji="1" lang="ja-JP" altLang="en-US" dirty="0" smtClean="0"/>
+                        <a:t>きわめて強い相関がある</a:t>
+                      </a:r>
+                      <a:endParaRPr kumimoji="1" lang="ja-JP" altLang="en-US" dirty="0"/>
+                    </a:p>
+                  </a:txBody>
+                  <a:tcPr/>
+                </a:tc>
+              </a:tr>
+            </a:tbl>
+          </a:graphicData>
+        </a:graphic>
+      </p:graphicFrame>
+    </p:spTree>
+    <p:extLst>
+      <p:ext uri="{BB962C8B-B14F-4D97-AF65-F5344CB8AC3E}">
+        <p14:creationId xmlns:p14="http://schemas.microsoft.com/office/powerpoint/2010/main" val="2528192187"/>
+      </p:ext>
+    </p:extLst>
+  </p:cSld>
+  <p:clrMapOvr>
+    <a:masterClrMapping/>
+  </p:clrMapOvr>
+  <p:timing>
+    <p:tnLst>
+      <p:par>
+        <p:cTn id="1" dur="indefinite" restart="never" nodeType="tmRoot"/>
+      </p:par>
+    </p:tnLst>
+  </p:timing>
+</p:sld>
+</file>
+
+<file path=ppt/slides/slide12.xml><?xml version="1.0" encoding="utf-8"?>
 <p:sld xmlns:a="http://schemas.openxmlformats.org/drawingml/2006/main" xmlns:r="http://schemas.openxmlformats.org/officeDocument/2006/relationships" xmlns:p="http://schemas.openxmlformats.org/presentationml/2006/main">
   <p:cSld>
     <p:spTree>
@@ -5565,10 +6669,6 @@
               <a:rPr lang="ja-JP" altLang="en-US" sz="1800" dirty="0"/>
               <a:t>トヨタ自動車とトヨタグループであるデンソーの株価を見てみましょう。</a:t>
             </a:r>
-            <a:r>
-              <a:rPr lang="ja-JP" altLang="en-US" sz="1800" dirty="0"/>
-              <a:t/>
-            </a:r>
             <a:br>
               <a:rPr lang="ja-JP" altLang="en-US" sz="1800" dirty="0"/>
             </a:br>
@@ -5576,10 +6676,6 @@
               <a:rPr lang="ja-JP" altLang="en-US" sz="1800" dirty="0"/>
               <a:t>すると、ほぼ同じ株価の動きをしていることが分かります。</a:t>
             </a:r>
-            <a:r>
-              <a:rPr lang="ja-JP" altLang="en-US" sz="1800" dirty="0"/>
-              <a:t/>
-            </a:r>
             <a:br>
               <a:rPr lang="ja-JP" altLang="en-US" sz="1800" dirty="0"/>
             </a:br>
@@ -5591,8 +6687,8 @@
               <a:rPr lang="en-US" altLang="ja-JP" sz="1800" dirty="0" smtClean="0"/>
             </a:br>
             <a:r>
-              <a:rPr lang="en-US" altLang="ja-JP" sz="1800" dirty="0" err="1"/>
-              <a:t>Rstudio</a:t>
+              <a:rPr lang="en-US" altLang="ja-JP" sz="1800" dirty="0" err="1" smtClean="0"/>
+              <a:t>RStudio</a:t>
             </a:r>
             <a:r>
               <a:rPr lang="ja-JP" altLang="en-US" sz="1800" dirty="0"/>
@@ -5660,14 +6756,6 @@
               </a:rPr>
               <a:t>',time.interval="weekly")</a:t>
             </a:r>
-            <a:r>
-              <a:rPr lang="en-US" altLang="ja-JP" sz="1400" dirty="0">
-                <a:solidFill>
-                  <a:srgbClr val="009900"/>
-                </a:solidFill>
-              </a:rPr>
-              <a:t/>
-            </a:r>
             <a:br>
               <a:rPr lang="en-US" altLang="ja-JP" sz="1400" dirty="0">
                 <a:solidFill>
@@ -5723,14 +6811,6 @@
               </a:rPr>
               <a:t>[,-1])</a:t>
             </a:r>
-            <a:r>
-              <a:rPr lang="en-US" altLang="ja-JP" sz="1400" dirty="0">
-                <a:solidFill>
-                  <a:srgbClr val="009900"/>
-                </a:solidFill>
-              </a:rPr>
-              <a:t/>
-            </a:r>
             <a:br>
               <a:rPr lang="en-US" altLang="ja-JP" sz="1400" dirty="0">
                 <a:solidFill>
@@ -5770,14 +6850,6 @@
               </a:rPr>
               <a:t>('6902.t', since='2013-01-01',time.interval="weekly")</a:t>
             </a:r>
-            <a:r>
-              <a:rPr lang="en-US" altLang="ja-JP" sz="1400" dirty="0">
-                <a:solidFill>
-                  <a:srgbClr val="009900"/>
-                </a:solidFill>
-              </a:rPr>
-              <a:t/>
-            </a:r>
             <a:br>
               <a:rPr lang="en-US" altLang="ja-JP" sz="1400" dirty="0">
                 <a:solidFill>
@@ -5833,11 +6905,6 @@
               </a:rPr>
               <a:t>[,-1])</a:t>
             </a:r>
-            <a:endParaRPr lang="en-US" altLang="ja-JP" sz="1400" dirty="0">
-              <a:solidFill>
-                <a:srgbClr val="009900"/>
-              </a:solidFill>
-            </a:endParaRPr>
           </a:p>
           <a:p>
             <a:pPr marL="0" indent="0">
@@ -5904,14 +6971,6 @@
                 </a:solidFill>
               </a:rPr>
               <a:t>=2,ylim=c(0,7000),col=1);par(new=T)</a:t>
-            </a:r>
-            <a:r>
-              <a:rPr lang="en-US" altLang="ja-JP" sz="1400" dirty="0">
-                <a:solidFill>
-                  <a:srgbClr val="009900"/>
-                </a:solidFill>
-              </a:rPr>
-              <a:t/>
             </a:r>
             <a:br>
               <a:rPr lang="en-US" altLang="ja-JP" sz="1400" dirty="0">
@@ -5976,14 +7035,6 @@
               </a:rPr>
               <a:t>=2,ylim=c(0,7000),col=2);par(new=T)</a:t>
             </a:r>
-            <a:r>
-              <a:rPr lang="en-US" altLang="ja-JP" sz="1400" dirty="0">
-                <a:solidFill>
-                  <a:srgbClr val="009900"/>
-                </a:solidFill>
-              </a:rPr>
-              <a:t/>
-            </a:r>
             <a:br>
               <a:rPr lang="en-US" altLang="ja-JP" sz="1400" dirty="0">
                 <a:solidFill>
@@ -6071,11 +7122,6 @@
               </a:rPr>
               <a:t>=1, merge = TRUE)</a:t>
             </a:r>
-            <a:endParaRPr lang="en-US" altLang="ja-JP" sz="1400" dirty="0">
-              <a:solidFill>
-                <a:srgbClr val="009900"/>
-              </a:solidFill>
-            </a:endParaRPr>
           </a:p>
           <a:p>
             <a:pPr marL="0" indent="0">
@@ -6118,14 +7164,6 @@
               </a:rPr>
               <a:t>トヨタとデンソーの相関係数</a:t>
             </a:r>
-            <a:r>
-              <a:rPr lang="ja-JP" altLang="en-US" sz="1400" dirty="0">
-                <a:solidFill>
-                  <a:srgbClr val="009900"/>
-                </a:solidFill>
-              </a:rPr>
-              <a:t/>
-            </a:r>
             <a:br>
               <a:rPr lang="ja-JP" altLang="en-US" sz="1400" dirty="0">
                 <a:solidFill>
@@ -6181,11 +7219,6 @@
               </a:rPr>
               <a:t>[,"close"])</a:t>
             </a:r>
-            <a:endParaRPr lang="en-US" altLang="ja-JP" sz="1400" dirty="0">
-              <a:solidFill>
-                <a:srgbClr val="009900"/>
-              </a:solidFill>
-            </a:endParaRPr>
           </a:p>
           <a:p>
             <a:pPr marL="0" indent="0">
@@ -6299,10 +7332,17 @@
   <p:clrMapOvr>
     <a:masterClrMapping/>
   </p:clrMapOvr>
+  <p:timing>
+    <p:tnLst>
+      <p:par>
+        <p:cTn id="1" dur="indefinite" restart="never" nodeType="tmRoot"/>
+      </p:par>
+    </p:tnLst>
+  </p:timing>
 </p:sld>
 </file>
 
-<file path=ppt/slides/slide11.xml><?xml version="1.0" encoding="utf-8"?>
+<file path=ppt/slides/slide13.xml><?xml version="1.0" encoding="utf-8"?>
 <p:sld xmlns:a="http://schemas.openxmlformats.org/drawingml/2006/main" xmlns:r="http://schemas.openxmlformats.org/officeDocument/2006/relationships" xmlns:p="http://schemas.openxmlformats.org/presentationml/2006/main">
   <p:cSld>
     <p:spTree>
@@ -6581,10 +7621,17 @@
   <p:clrMapOvr>
     <a:masterClrMapping/>
   </p:clrMapOvr>
+  <p:timing>
+    <p:tnLst>
+      <p:par>
+        <p:cTn id="1" dur="indefinite" restart="never" nodeType="tmRoot"/>
+      </p:par>
+    </p:tnLst>
+  </p:timing>
 </p:sld>
 </file>
 
-<file path=ppt/slides/slide12.xml><?xml version="1.0" encoding="utf-8"?>
+<file path=ppt/slides/slide14.xml><?xml version="1.0" encoding="utf-8"?>
 <p:sld xmlns:a="http://schemas.openxmlformats.org/drawingml/2006/main" xmlns:r="http://schemas.openxmlformats.org/officeDocument/2006/relationships" xmlns:p="http://schemas.openxmlformats.org/presentationml/2006/main">
   <p:cSld>
     <p:spTree>
@@ -6636,10 +7683,6 @@
             <a:r>
               <a:rPr lang="ja-JP" altLang="en-US" sz="1800" dirty="0"/>
               <a:t>気温とアイスクリームの売り上げのデータから見ると相関関係があります。</a:t>
-            </a:r>
-            <a:r>
-              <a:rPr lang="ja-JP" altLang="en-US" sz="1800" dirty="0"/>
-              <a:t/>
             </a:r>
             <a:br>
               <a:rPr lang="ja-JP" altLang="en-US" sz="1800" dirty="0"/>
@@ -7475,10 +8518,17 @@
   <p:clrMapOvr>
     <a:masterClrMapping/>
   </p:clrMapOvr>
+  <p:timing>
+    <p:tnLst>
+      <p:par>
+        <p:cTn id="1" dur="indefinite" restart="never" nodeType="tmRoot"/>
+      </p:par>
+    </p:tnLst>
+  </p:timing>
 </p:sld>
 </file>
 
-<file path=ppt/slides/slide13.xml><?xml version="1.0" encoding="utf-8"?>
+<file path=ppt/slides/slide15.xml><?xml version="1.0" encoding="utf-8"?>
 <p:sld xmlns:a="http://schemas.openxmlformats.org/drawingml/2006/main" xmlns:r="http://schemas.openxmlformats.org/officeDocument/2006/relationships" xmlns:p="http://schemas.openxmlformats.org/presentationml/2006/main">
   <p:cSld>
     <p:spTree>
@@ -8225,10 +9275,17 @@
   <p:clrMapOvr>
     <a:masterClrMapping/>
   </p:clrMapOvr>
+  <p:timing>
+    <p:tnLst>
+      <p:par>
+        <p:cTn id="1" dur="indefinite" restart="never" nodeType="tmRoot"/>
+      </p:par>
+    </p:tnLst>
+  </p:timing>
 </p:sld>
 </file>
 
-<file path=ppt/slides/slide14.xml><?xml version="1.0" encoding="utf-8"?>
+<file path=ppt/slides/slide16.xml><?xml version="1.0" encoding="utf-8"?>
 <p:sld xmlns:a="http://schemas.openxmlformats.org/drawingml/2006/main" xmlns:r="http://schemas.openxmlformats.org/officeDocument/2006/relationships" xmlns:p="http://schemas.openxmlformats.org/presentationml/2006/main">
   <p:cSld>
     <p:spTree>
@@ -8533,10 +9590,17 @@
   <p:clrMapOvr>
     <a:masterClrMapping/>
   </p:clrMapOvr>
+  <p:timing>
+    <p:tnLst>
+      <p:par>
+        <p:cTn id="1" dur="indefinite" restart="never" nodeType="tmRoot"/>
+      </p:par>
+    </p:tnLst>
+  </p:timing>
 </p:sld>
 </file>
 
-<file path=ppt/slides/slide15.xml><?xml version="1.0" encoding="utf-8"?>
+<file path=ppt/slides/slide17.xml><?xml version="1.0" encoding="utf-8"?>
 <p:sld xmlns:a="http://schemas.openxmlformats.org/drawingml/2006/main" xmlns:r="http://schemas.openxmlformats.org/officeDocument/2006/relationships" xmlns:p="http://schemas.openxmlformats.org/presentationml/2006/main">
   <p:cSld>
     <p:spTree>
@@ -8841,10 +9905,17 @@
   <p:clrMapOvr>
     <a:masterClrMapping/>
   </p:clrMapOvr>
+  <p:timing>
+    <p:tnLst>
+      <p:par>
+        <p:cTn id="1" dur="indefinite" restart="never" nodeType="tmRoot"/>
+      </p:par>
+    </p:tnLst>
+  </p:timing>
 </p:sld>
 </file>
 
-<file path=ppt/slides/slide16.xml><?xml version="1.0" encoding="utf-8"?>
+<file path=ppt/slides/slide18.xml><?xml version="1.0" encoding="utf-8"?>
 <p:sld xmlns:a="http://schemas.openxmlformats.org/drawingml/2006/main" xmlns:r="http://schemas.openxmlformats.org/officeDocument/2006/relationships" xmlns:p="http://schemas.openxmlformats.org/presentationml/2006/main">
   <p:cSld>
     <p:spTree>
@@ -9207,10 +10278,17 @@
   <p:clrMapOvr>
     <a:masterClrMapping/>
   </p:clrMapOvr>
+  <p:timing>
+    <p:tnLst>
+      <p:par>
+        <p:cTn id="1" dur="indefinite" restart="never" nodeType="tmRoot"/>
+      </p:par>
+    </p:tnLst>
+  </p:timing>
 </p:sld>
 </file>
 
-<file path=ppt/slides/slide17.xml><?xml version="1.0" encoding="utf-8"?>
+<file path=ppt/slides/slide19.xml><?xml version="1.0" encoding="utf-8"?>
 <p:sld xmlns:a="http://schemas.openxmlformats.org/drawingml/2006/main" xmlns:r="http://schemas.openxmlformats.org/officeDocument/2006/relationships" xmlns:p="http://schemas.openxmlformats.org/presentationml/2006/main">
   <p:cSld>
     <p:spTree>
@@ -9798,10 +10876,419 @@
   <p:clrMapOvr>
     <a:masterClrMapping/>
   </p:clrMapOvr>
+  <p:timing>
+    <p:tnLst>
+      <p:par>
+        <p:cTn id="1" dur="indefinite" restart="never" nodeType="tmRoot"/>
+      </p:par>
+    </p:tnLst>
+  </p:timing>
 </p:sld>
 </file>
 
-<file path=ppt/slides/slide18.xml><?xml version="1.0" encoding="utf-8"?>
+<file path=ppt/slides/slide2.xml><?xml version="1.0" encoding="utf-8"?>
+<p:sld xmlns:a="http://schemas.openxmlformats.org/drawingml/2006/main" xmlns:r="http://schemas.openxmlformats.org/officeDocument/2006/relationships" xmlns:p="http://schemas.openxmlformats.org/presentationml/2006/main">
+  <p:cSld>
+    <p:spTree>
+      <p:nvGrpSpPr>
+        <p:cNvPr id="1" name=""/>
+        <p:cNvGrpSpPr/>
+        <p:nvPr/>
+      </p:nvGrpSpPr>
+      <p:grpSpPr>
+        <a:xfrm>
+          <a:off x="0" y="0"/>
+          <a:ext cx="0" cy="0"/>
+          <a:chOff x="0" y="0"/>
+          <a:chExt cx="0" cy="0"/>
+        </a:xfrm>
+      </p:grpSpPr>
+      <p:sp>
+        <p:nvSpPr>
+          <p:cNvPr id="2" name="タイトル 1"/>
+          <p:cNvSpPr>
+            <a:spLocks noGrp="1"/>
+          </p:cNvSpPr>
+          <p:nvPr>
+            <p:ph type="title"/>
+          </p:nvPr>
+        </p:nvSpPr>
+        <p:spPr/>
+        <p:txBody>
+          <a:bodyPr/>
+          <a:lstStyle/>
+          <a:p>
+            <a:r>
+              <a:rPr kumimoji="1" lang="ja-JP" altLang="en-US" dirty="0" smtClean="0"/>
+              <a:t>はじめに</a:t>
+            </a:r>
+            <a:endParaRPr kumimoji="1" lang="ja-JP" altLang="en-US" dirty="0"/>
+          </a:p>
+        </p:txBody>
+      </p:sp>
+      <p:sp>
+        <p:nvSpPr>
+          <p:cNvPr id="3" name="コンテンツ プレースホルダー 2"/>
+          <p:cNvSpPr>
+            <a:spLocks noGrp="1"/>
+          </p:cNvSpPr>
+          <p:nvPr>
+            <p:ph sz="quarter" idx="1"/>
+          </p:nvPr>
+        </p:nvSpPr>
+        <p:spPr/>
+        <p:txBody>
+          <a:bodyPr>
+            <a:normAutofit fontScale="77500" lnSpcReduction="20000"/>
+          </a:bodyPr>
+          <a:lstStyle/>
+          <a:p>
+            <a:r>
+              <a:rPr lang="ja-JP" altLang="en-US" dirty="0" smtClean="0"/>
+              <a:t>今回の資料について</a:t>
+            </a:r>
+            <a:endParaRPr lang="en-US" altLang="ja-JP" dirty="0" smtClean="0"/>
+          </a:p>
+          <a:p>
+            <a:pPr marL="0" indent="0">
+              <a:buNone/>
+            </a:pPr>
+            <a:r>
+              <a:rPr lang="ja-JP" altLang="en-US" dirty="0"/>
+              <a:t>静岡</a:t>
+            </a:r>
+            <a:r>
+              <a:rPr lang="en-US" altLang="ja-JP" dirty="0"/>
+              <a:t>Developers</a:t>
+            </a:r>
+            <a:r>
+              <a:rPr lang="ja-JP" altLang="en-US" dirty="0" smtClean="0"/>
+              <a:t>勉強会で</a:t>
+            </a:r>
+            <a:r>
+              <a:rPr lang="ja-JP" altLang="en-US" dirty="0"/>
+              <a:t>は、</a:t>
+            </a:r>
+            <a:r>
+              <a:rPr lang="ja-JP" altLang="en-US" dirty="0" smtClean="0"/>
+              <a:t>オライリー「</a:t>
+            </a:r>
+            <a:r>
+              <a:rPr lang="ja-JP" altLang="en-US" dirty="0"/>
+              <a:t>入門機械学習</a:t>
+            </a:r>
+            <a:r>
+              <a:rPr lang="ja-JP" altLang="en-US" dirty="0" smtClean="0"/>
+              <a:t>」を</a:t>
+            </a:r>
+            <a:endParaRPr lang="en-US" altLang="ja-JP" dirty="0" smtClean="0"/>
+          </a:p>
+          <a:p>
+            <a:pPr marL="0" indent="0">
+              <a:buNone/>
+            </a:pPr>
+            <a:r>
+              <a:rPr kumimoji="1" lang="ja-JP" altLang="en-US" dirty="0" smtClean="0"/>
+              <a:t>読書会形式で勉強会をしています。今回、私が</a:t>
+            </a:r>
+            <a:r>
+              <a:rPr kumimoji="1" lang="en-US" altLang="ja-JP" dirty="0" smtClean="0"/>
+              <a:t>8</a:t>
+            </a:r>
+            <a:r>
+              <a:rPr kumimoji="1" lang="ja-JP" altLang="en-US" dirty="0" smtClean="0"/>
+              <a:t>章を担当。</a:t>
+            </a:r>
+            <a:endParaRPr kumimoji="1" lang="en-US" altLang="ja-JP" dirty="0" smtClean="0"/>
+          </a:p>
+          <a:p>
+            <a:pPr marL="0" indent="0">
+              <a:buNone/>
+            </a:pPr>
+            <a:r>
+              <a:rPr kumimoji="1" lang="ja-JP" altLang="en-US" dirty="0" smtClean="0"/>
+              <a:t>Ｒ言語を使用しています。</a:t>
+            </a:r>
+            <a:endParaRPr kumimoji="1" lang="en-US" altLang="ja-JP" dirty="0" smtClean="0"/>
+          </a:p>
+          <a:p>
+            <a:pPr marL="0" indent="0">
+              <a:buNone/>
+            </a:pPr>
+            <a:endParaRPr kumimoji="1" lang="en-US" altLang="ja-JP" dirty="0" smtClean="0"/>
+          </a:p>
+          <a:p>
+            <a:r>
+              <a:rPr kumimoji="1" lang="ja-JP" altLang="en-US" dirty="0" smtClean="0"/>
+              <a:t>おわび </a:t>
+            </a:r>
+            <a:r>
+              <a:rPr kumimoji="1" lang="en-US" altLang="ja-JP" dirty="0" smtClean="0"/>
+              <a:t>m(_ _)m</a:t>
+            </a:r>
+          </a:p>
+          <a:p>
+            <a:pPr marL="0" indent="0">
+              <a:buNone/>
+            </a:pPr>
+            <a:r>
+              <a:rPr lang="en-US" altLang="ja-JP" dirty="0"/>
+              <a:t>8</a:t>
+            </a:r>
+            <a:r>
+              <a:rPr lang="ja-JP" altLang="en-US" dirty="0"/>
+              <a:t>章の「</a:t>
+            </a:r>
+            <a:r>
+              <a:rPr lang="en-US" altLang="ja-JP" dirty="0"/>
+              <a:t>PCA</a:t>
+            </a:r>
+            <a:r>
+              <a:rPr lang="ja-JP" altLang="en-US" dirty="0"/>
+              <a:t>：株式市場指標の作成」を一通りやってみたのですが、説明する上では難しく、本書に沿って進行するのは、今回あきらめました</a:t>
+            </a:r>
+            <a:r>
+              <a:rPr lang="ja-JP" altLang="en-US" dirty="0" smtClean="0"/>
+              <a:t>。</a:t>
+            </a:r>
+            <a:r>
+              <a:rPr lang="en-US" altLang="ja-JP" dirty="0" smtClean="0"/>
+              <a:t/>
+            </a:r>
+            <a:br>
+              <a:rPr lang="en-US" altLang="ja-JP" dirty="0" smtClean="0"/>
+            </a:br>
+            <a:r>
+              <a:rPr lang="ja-JP" altLang="en-US" dirty="0" smtClean="0"/>
+              <a:t>テーマ</a:t>
+            </a:r>
+            <a:r>
+              <a:rPr lang="ja-JP" altLang="en-US" dirty="0"/>
+              <a:t>だけ頂いて、オリジナルで進行させて頂きます。</a:t>
+            </a:r>
+            <a:endParaRPr lang="en-US" altLang="ja-JP" dirty="0"/>
+          </a:p>
+          <a:p>
+            <a:pPr marL="0" indent="0">
+              <a:buNone/>
+            </a:pPr>
+            <a:r>
+              <a:rPr lang="ja-JP" altLang="en-US" dirty="0"/>
+              <a:t>「相関」は</a:t>
+            </a:r>
+            <a:r>
+              <a:rPr lang="en-US" altLang="ja-JP" dirty="0"/>
+              <a:t>5</a:t>
+            </a:r>
+            <a:r>
+              <a:rPr lang="ja-JP" altLang="en-US" dirty="0"/>
+              <a:t>章でやっているけど、再度復習ってことで。</a:t>
+            </a:r>
+            <a:endParaRPr lang="en-US" altLang="ja-JP" dirty="0"/>
+          </a:p>
+          <a:p>
+            <a:pPr marL="0" indent="0">
+              <a:buNone/>
+            </a:pPr>
+            <a:endParaRPr kumimoji="1" lang="en-US" altLang="ja-JP" dirty="0" smtClean="0"/>
+          </a:p>
+          <a:p>
+            <a:r>
+              <a:rPr lang="en-US" altLang="ja-JP" dirty="0" smtClean="0"/>
+              <a:t>8</a:t>
+            </a:r>
+            <a:r>
+              <a:rPr lang="ja-JP" altLang="en-US" dirty="0" smtClean="0"/>
+              <a:t>章を実行する方への注意</a:t>
+            </a:r>
+            <a:endParaRPr lang="en-US" altLang="ja-JP" dirty="0" smtClean="0"/>
+          </a:p>
+          <a:p>
+            <a:pPr marL="0" indent="0">
+              <a:buNone/>
+            </a:pPr>
+            <a:r>
+              <a:rPr lang="en-US" altLang="ja-JP" dirty="0" err="1" smtClean="0"/>
+              <a:t>ymd</a:t>
+            </a:r>
+            <a:r>
+              <a:rPr lang="en-US" altLang="ja-JP" dirty="0" smtClean="0"/>
+              <a:t>(Date)</a:t>
+            </a:r>
+            <a:r>
+              <a:rPr lang="ja-JP" altLang="en-US" dirty="0" smtClean="0"/>
+              <a:t>では、下記のエラー</a:t>
+            </a:r>
+            <a:r>
+              <a:rPr lang="ja-JP" altLang="en-US" dirty="0"/>
+              <a:t>となる。</a:t>
+            </a:r>
+            <a:endParaRPr lang="en-US" altLang="ja-JP" dirty="0" smtClean="0"/>
+          </a:p>
+          <a:p>
+            <a:pPr marL="0" indent="0">
+              <a:buNone/>
+            </a:pPr>
+            <a:r>
+              <a:rPr lang="en-US" altLang="ja-JP" dirty="0" smtClean="0"/>
+              <a:t> ‘</a:t>
+            </a:r>
+            <a:r>
+              <a:rPr lang="en-US" altLang="ja-JP" dirty="0" err="1" smtClean="0"/>
+              <a:t>nzchar</a:t>
+            </a:r>
+            <a:r>
+              <a:rPr lang="en-US" altLang="ja-JP" dirty="0" smtClean="0"/>
+              <a:t>()’ </a:t>
+            </a:r>
+            <a:r>
+              <a:rPr lang="en-US" altLang="ja-JP" dirty="0"/>
+              <a:t>requires a character </a:t>
+            </a:r>
+            <a:r>
+              <a:rPr lang="en-US" altLang="ja-JP" dirty="0" smtClean="0"/>
+              <a:t>vector</a:t>
+            </a:r>
+            <a:r>
+              <a:rPr lang="ja-JP" altLang="en-US" dirty="0"/>
+              <a:t/>
+            </a:r>
+            <a:br>
+              <a:rPr lang="ja-JP" altLang="en-US" dirty="0"/>
+            </a:br>
+            <a:r>
+              <a:rPr lang="en-US" altLang="ja-JP" dirty="0" smtClean="0"/>
+              <a:t/>
+            </a:r>
+            <a:br>
+              <a:rPr lang="en-US" altLang="ja-JP" dirty="0" smtClean="0"/>
+            </a:br>
+            <a:r>
+              <a:rPr lang="en-US" altLang="ja-JP" dirty="0" smtClean="0"/>
+              <a:t>Date </a:t>
+            </a:r>
+            <a:r>
+              <a:rPr lang="en-US" altLang="ja-JP" dirty="0"/>
+              <a:t>= </a:t>
+            </a:r>
+            <a:r>
+              <a:rPr lang="en-US" altLang="ja-JP" dirty="0" err="1">
+                <a:solidFill>
+                  <a:srgbClr val="FF0000"/>
+                </a:solidFill>
+              </a:rPr>
+              <a:t>as.Date</a:t>
+            </a:r>
+            <a:r>
+              <a:rPr lang="en-US" altLang="ja-JP" dirty="0">
+                <a:solidFill>
+                  <a:srgbClr val="FF0000"/>
+                </a:solidFill>
+              </a:rPr>
+              <a:t>(</a:t>
+            </a:r>
+            <a:r>
+              <a:rPr lang="en-US" altLang="ja-JP" dirty="0"/>
+              <a:t>Date, </a:t>
+            </a:r>
+            <a:r>
+              <a:rPr lang="en-US" altLang="ja-JP" dirty="0" smtClean="0">
+                <a:solidFill>
+                  <a:srgbClr val="FF0000"/>
+                </a:solidFill>
+              </a:rPr>
+              <a:t>“%</a:t>
+            </a:r>
+            <a:r>
+              <a:rPr lang="en-US" altLang="ja-JP" dirty="0">
+                <a:solidFill>
+                  <a:srgbClr val="FF0000"/>
+                </a:solidFill>
+              </a:rPr>
+              <a:t>Y-%m-%</a:t>
+            </a:r>
+            <a:r>
+              <a:rPr lang="en-US" altLang="ja-JP" dirty="0" smtClean="0">
+                <a:solidFill>
+                  <a:srgbClr val="FF0000"/>
+                </a:solidFill>
+              </a:rPr>
+              <a:t>d”)</a:t>
+            </a:r>
+            <a:r>
+              <a:rPr lang="ja-JP" altLang="en-US" dirty="0"/>
+              <a:t>　</a:t>
+            </a:r>
+            <a:r>
+              <a:rPr lang="ja-JP" altLang="en-US" dirty="0" smtClean="0"/>
+              <a:t>とする。</a:t>
+            </a:r>
+            <a:endParaRPr kumimoji="1" lang="ja-JP" altLang="en-US" dirty="0"/>
+          </a:p>
+        </p:txBody>
+      </p:sp>
+      <p:pic>
+        <p:nvPicPr>
+          <p:cNvPr id="1026" name="Picture 2" descr="[cover photo]"/>
+          <p:cNvPicPr>
+            <a:picLocks noChangeAspect="1" noChangeArrowheads="1"/>
+          </p:cNvPicPr>
+          <p:nvPr/>
+        </p:nvPicPr>
+        <p:blipFill>
+          <a:blip r:embed="rId2">
+            <a:extLst>
+              <a:ext uri="{28A0092B-C50C-407E-A947-70E740481C1C}">
+                <a14:useLocalDpi xmlns:a14="http://schemas.microsoft.com/office/drawing/2010/main" val="0"/>
+              </a:ext>
+            </a:extLst>
+          </a:blip>
+          <a:srcRect/>
+          <a:stretch>
+            <a:fillRect/>
+          </a:stretch>
+        </p:blipFill>
+        <p:spPr bwMode="auto">
+          <a:xfrm>
+            <a:off x="7020272" y="1824945"/>
+            <a:ext cx="729758" cy="936104"/>
+          </a:xfrm>
+          <a:prstGeom prst="rect">
+            <a:avLst/>
+          </a:prstGeom>
+          <a:noFill/>
+          <a:extLst>
+            <a:ext uri="{909E8E84-426E-40DD-AFC4-6F175D3DCCD1}">
+              <a14:hiddenFill xmlns:a14="http://schemas.microsoft.com/office/drawing/2010/main">
+                <a:solidFill>
+                  <a:srgbClr val="FFFFFF"/>
+                </a:solidFill>
+              </a14:hiddenFill>
+            </a:ext>
+          </a:extLst>
+        </p:spPr>
+      </p:pic>
+    </p:spTree>
+    <p:extLst>
+      <p:ext uri="{BB962C8B-B14F-4D97-AF65-F5344CB8AC3E}">
+        <p14:creationId xmlns:p14="http://schemas.microsoft.com/office/powerpoint/2010/main" val="1464154050"/>
+      </p:ext>
+    </p:extLst>
+  </p:cSld>
+  <p:clrMapOvr>
+    <a:masterClrMapping/>
+  </p:clrMapOvr>
+  <p:timing>
+    <p:tnLst>
+      <p:par>
+        <p:cTn id="1" dur="indefinite" restart="never" nodeType="tmRoot"/>
+      </p:par>
+    </p:tnLst>
+  </p:timing>
+</p:sld>
+</file>
+
+<file path=ppt/slides/slide20.xml><?xml version="1.0" encoding="utf-8"?>
 <p:sld xmlns:a="http://schemas.openxmlformats.org/drawingml/2006/main" xmlns:r="http://schemas.openxmlformats.org/officeDocument/2006/relationships" xmlns:p="http://schemas.openxmlformats.org/presentationml/2006/main">
   <p:cSld>
     <p:spTree>
@@ -10354,10 +11841,17 @@
   <p:clrMapOvr>
     <a:masterClrMapping/>
   </p:clrMapOvr>
+  <p:timing>
+    <p:tnLst>
+      <p:par>
+        <p:cTn id="1" dur="indefinite" restart="never" nodeType="tmRoot"/>
+      </p:par>
+    </p:tnLst>
+  </p:timing>
 </p:sld>
 </file>
 
-<file path=ppt/slides/slide19.xml><?xml version="1.0" encoding="utf-8"?>
+<file path=ppt/slides/slide21.xml><?xml version="1.0" encoding="utf-8"?>
 <p:sld xmlns:a="http://schemas.openxmlformats.org/drawingml/2006/main" xmlns:r="http://schemas.openxmlformats.org/officeDocument/2006/relationships" xmlns:p="http://schemas.openxmlformats.org/presentationml/2006/main">
   <p:cSld>
     <p:spTree>
@@ -10480,321 +11974,17 @@
   <p:clrMapOvr>
     <a:masterClrMapping/>
   </p:clrMapOvr>
+  <p:timing>
+    <p:tnLst>
+      <p:par>
+        <p:cTn id="1" dur="indefinite" restart="never" nodeType="tmRoot"/>
+      </p:par>
+    </p:tnLst>
+  </p:timing>
 </p:sld>
 </file>
 
-<file path=ppt/slides/slide2.xml><?xml version="1.0" encoding="utf-8"?>
-<p:sld xmlns:a="http://schemas.openxmlformats.org/drawingml/2006/main" xmlns:r="http://schemas.openxmlformats.org/officeDocument/2006/relationships" xmlns:p="http://schemas.openxmlformats.org/presentationml/2006/main">
-  <p:cSld>
-    <p:spTree>
-      <p:nvGrpSpPr>
-        <p:cNvPr id="1" name=""/>
-        <p:cNvGrpSpPr/>
-        <p:nvPr/>
-      </p:nvGrpSpPr>
-      <p:grpSpPr>
-        <a:xfrm>
-          <a:off x="0" y="0"/>
-          <a:ext cx="0" cy="0"/>
-          <a:chOff x="0" y="0"/>
-          <a:chExt cx="0" cy="0"/>
-        </a:xfrm>
-      </p:grpSpPr>
-      <p:sp>
-        <p:nvSpPr>
-          <p:cNvPr id="2" name="タイトル 1"/>
-          <p:cNvSpPr>
-            <a:spLocks noGrp="1"/>
-          </p:cNvSpPr>
-          <p:nvPr>
-            <p:ph type="title"/>
-          </p:nvPr>
-        </p:nvSpPr>
-        <p:spPr/>
-        <p:txBody>
-          <a:bodyPr/>
-          <a:lstStyle/>
-          <a:p>
-            <a:r>
-              <a:rPr kumimoji="1" lang="ja-JP" altLang="en-US" dirty="0" smtClean="0"/>
-              <a:t>はじめに</a:t>
-            </a:r>
-            <a:endParaRPr kumimoji="1" lang="ja-JP" altLang="en-US" dirty="0"/>
-          </a:p>
-        </p:txBody>
-      </p:sp>
-      <p:sp>
-        <p:nvSpPr>
-          <p:cNvPr id="3" name="コンテンツ プレースホルダー 2"/>
-          <p:cNvSpPr>
-            <a:spLocks noGrp="1"/>
-          </p:cNvSpPr>
-          <p:nvPr>
-            <p:ph sz="quarter" idx="1"/>
-          </p:nvPr>
-        </p:nvSpPr>
-        <p:spPr/>
-        <p:txBody>
-          <a:bodyPr>
-            <a:normAutofit fontScale="85000" lnSpcReduction="20000"/>
-          </a:bodyPr>
-          <a:lstStyle/>
-          <a:p>
-            <a:r>
-              <a:rPr kumimoji="1" lang="ja-JP" altLang="en-US" dirty="0" smtClean="0"/>
-              <a:t>おわび </a:t>
-            </a:r>
-            <a:r>
-              <a:rPr kumimoji="1" lang="en-US" altLang="ja-JP" dirty="0" smtClean="0"/>
-              <a:t>m(_ _)m</a:t>
-            </a:r>
-          </a:p>
-          <a:p>
-            <a:pPr marL="0" indent="0">
-              <a:buNone/>
-            </a:pPr>
-            <a:r>
-              <a:rPr lang="en-US" altLang="ja-JP" dirty="0"/>
-              <a:t>8</a:t>
-            </a:r>
-            <a:r>
-              <a:rPr lang="ja-JP" altLang="en-US" dirty="0"/>
-              <a:t>章の「</a:t>
-            </a:r>
-            <a:r>
-              <a:rPr lang="en-US" altLang="ja-JP" dirty="0"/>
-              <a:t>PCA</a:t>
-            </a:r>
-            <a:r>
-              <a:rPr lang="ja-JP" altLang="en-US" dirty="0"/>
-              <a:t>：株式市場指標の作成」を一通りやってみたのですが、説明する上では難しく、本書に沿って進行するのは、今回あきらめました</a:t>
-            </a:r>
-            <a:r>
-              <a:rPr lang="ja-JP" altLang="en-US" dirty="0" smtClean="0"/>
-              <a:t>。</a:t>
-            </a:r>
-            <a:r>
-              <a:rPr lang="en-US" altLang="ja-JP" dirty="0" smtClean="0"/>
-              <a:t/>
-            </a:r>
-            <a:br>
-              <a:rPr lang="en-US" altLang="ja-JP" dirty="0" smtClean="0"/>
-            </a:br>
-            <a:endParaRPr lang="en-US" altLang="ja-JP" dirty="0"/>
-          </a:p>
-          <a:p>
-            <a:pPr marL="0" indent="0">
-              <a:buNone/>
-            </a:pPr>
-            <a:r>
-              <a:rPr lang="ja-JP" altLang="en-US" dirty="0" smtClean="0"/>
-              <a:t>テーマ</a:t>
-            </a:r>
-            <a:r>
-              <a:rPr lang="ja-JP" altLang="en-US" dirty="0"/>
-              <a:t>だけ頂いて、オリジナルで進行させて頂きます。</a:t>
-            </a:r>
-            <a:endParaRPr lang="en-US" altLang="ja-JP" dirty="0"/>
-          </a:p>
-          <a:p>
-            <a:pPr marL="0" indent="0">
-              <a:buNone/>
-            </a:pPr>
-            <a:r>
-              <a:rPr lang="ja-JP" altLang="en-US" dirty="0"/>
-              <a:t>「相関」は</a:t>
-            </a:r>
-            <a:r>
-              <a:rPr lang="en-US" altLang="ja-JP" dirty="0"/>
-              <a:t>5</a:t>
-            </a:r>
-            <a:r>
-              <a:rPr lang="ja-JP" altLang="en-US" dirty="0"/>
-              <a:t>章でやっているけど、再度復習ってことで。</a:t>
-            </a:r>
-            <a:endParaRPr lang="en-US" altLang="ja-JP" dirty="0"/>
-          </a:p>
-          <a:p>
-            <a:pPr marL="0" indent="0">
-              <a:buNone/>
-            </a:pPr>
-            <a:endParaRPr kumimoji="1" lang="en-US" altLang="ja-JP" dirty="0" smtClean="0"/>
-          </a:p>
-          <a:p>
-            <a:r>
-              <a:rPr lang="ja-JP" altLang="en-US" dirty="0" smtClean="0"/>
-              <a:t>資料場所</a:t>
-            </a:r>
-            <a:endParaRPr kumimoji="1" lang="en-US" altLang="ja-JP" dirty="0" smtClean="0"/>
-          </a:p>
-          <a:p>
-            <a:pPr marL="0" indent="0">
-              <a:buNone/>
-            </a:pPr>
-            <a:r>
-              <a:rPr lang="en-US" altLang="ja-JP" dirty="0">
-                <a:hlinkClick r:id="rId2"/>
-              </a:rPr>
-              <a:t>https://github.com/yaju/ShizuDev_R</a:t>
-            </a:r>
-            <a:r>
-              <a:rPr kumimoji="1" lang="en-US" altLang="ja-JP" dirty="0" smtClean="0"/>
-              <a:t/>
-            </a:r>
-            <a:br>
-              <a:rPr kumimoji="1" lang="en-US" altLang="ja-JP" dirty="0" smtClean="0"/>
-            </a:br>
-            <a:endParaRPr kumimoji="1" lang="en-US" altLang="ja-JP" dirty="0" smtClean="0"/>
-          </a:p>
-          <a:p>
-            <a:r>
-              <a:rPr lang="en-US" altLang="ja-JP" dirty="0"/>
-              <a:t>8</a:t>
-            </a:r>
-            <a:r>
-              <a:rPr lang="ja-JP" altLang="en-US" dirty="0" smtClean="0"/>
-              <a:t>章を実行する方への注意</a:t>
-            </a:r>
-            <a:endParaRPr lang="en-US" altLang="ja-JP" dirty="0" smtClean="0"/>
-          </a:p>
-          <a:p>
-            <a:pPr marL="0" indent="0">
-              <a:buNone/>
-            </a:pPr>
-            <a:r>
-              <a:rPr lang="en-US" altLang="ja-JP" dirty="0" err="1" smtClean="0"/>
-              <a:t>ymd</a:t>
-            </a:r>
-            <a:r>
-              <a:rPr lang="en-US" altLang="ja-JP" dirty="0" smtClean="0"/>
-              <a:t>(Date)</a:t>
-            </a:r>
-            <a:r>
-              <a:rPr lang="ja-JP" altLang="en-US" dirty="0" smtClean="0"/>
-              <a:t>では、下記のエラー</a:t>
-            </a:r>
-            <a:r>
-              <a:rPr lang="ja-JP" altLang="en-US" dirty="0"/>
-              <a:t>となる。</a:t>
-            </a:r>
-            <a:endParaRPr lang="en-US" altLang="ja-JP" dirty="0" smtClean="0"/>
-          </a:p>
-          <a:p>
-            <a:pPr marL="0" indent="0">
-              <a:buNone/>
-            </a:pPr>
-            <a:r>
-              <a:rPr lang="en-US" altLang="ja-JP" dirty="0" smtClean="0"/>
-              <a:t> ‘</a:t>
-            </a:r>
-            <a:r>
-              <a:rPr lang="en-US" altLang="ja-JP" dirty="0" err="1" smtClean="0"/>
-              <a:t>nzchar</a:t>
-            </a:r>
-            <a:r>
-              <a:rPr lang="en-US" altLang="ja-JP" dirty="0" smtClean="0"/>
-              <a:t>()’ </a:t>
-            </a:r>
-            <a:r>
-              <a:rPr lang="en-US" altLang="ja-JP" dirty="0"/>
-              <a:t>requires a character </a:t>
-            </a:r>
-            <a:r>
-              <a:rPr lang="en-US" altLang="ja-JP" dirty="0" smtClean="0"/>
-              <a:t>vector</a:t>
-            </a:r>
-            <a:r>
-              <a:rPr lang="ja-JP" altLang="en-US" dirty="0"/>
-              <a:t/>
-            </a:r>
-            <a:br>
-              <a:rPr lang="ja-JP" altLang="en-US" dirty="0"/>
-            </a:br>
-            <a:r>
-              <a:rPr lang="en-US" altLang="ja-JP" dirty="0" smtClean="0"/>
-              <a:t/>
-            </a:r>
-            <a:br>
-              <a:rPr lang="en-US" altLang="ja-JP" dirty="0" smtClean="0"/>
-            </a:br>
-            <a:r>
-              <a:rPr lang="en-US" altLang="ja-JP" dirty="0" smtClean="0"/>
-              <a:t>Date </a:t>
-            </a:r>
-            <a:r>
-              <a:rPr lang="en-US" altLang="ja-JP" dirty="0"/>
-              <a:t>= </a:t>
-            </a:r>
-            <a:r>
-              <a:rPr lang="en-US" altLang="ja-JP" dirty="0" err="1">
-                <a:solidFill>
-                  <a:srgbClr val="FF0000"/>
-                </a:solidFill>
-              </a:rPr>
-              <a:t>as.Date</a:t>
-            </a:r>
-            <a:r>
-              <a:rPr lang="en-US" altLang="ja-JP" dirty="0">
-                <a:solidFill>
-                  <a:srgbClr val="FF0000"/>
-                </a:solidFill>
-              </a:rPr>
-              <a:t>(</a:t>
-            </a:r>
-            <a:r>
-              <a:rPr lang="en-US" altLang="ja-JP" dirty="0"/>
-              <a:t>Date, </a:t>
-            </a:r>
-            <a:r>
-              <a:rPr lang="en-US" altLang="ja-JP" dirty="0" smtClean="0">
-                <a:solidFill>
-                  <a:srgbClr val="FF0000"/>
-                </a:solidFill>
-              </a:rPr>
-              <a:t>“%</a:t>
-            </a:r>
-            <a:r>
-              <a:rPr lang="en-US" altLang="ja-JP" dirty="0">
-                <a:solidFill>
-                  <a:srgbClr val="FF0000"/>
-                </a:solidFill>
-              </a:rPr>
-              <a:t>Y-%m-%</a:t>
-            </a:r>
-            <a:r>
-              <a:rPr lang="en-US" altLang="ja-JP" dirty="0" smtClean="0">
-                <a:solidFill>
-                  <a:srgbClr val="FF0000"/>
-                </a:solidFill>
-              </a:rPr>
-              <a:t>d”)</a:t>
-            </a:r>
-            <a:r>
-              <a:rPr lang="ja-JP" altLang="en-US" dirty="0"/>
-              <a:t>　</a:t>
-            </a:r>
-            <a:r>
-              <a:rPr lang="ja-JP" altLang="en-US" dirty="0" smtClean="0"/>
-              <a:t>とする。</a:t>
-            </a:r>
-            <a:endParaRPr kumimoji="1" lang="ja-JP" altLang="en-US" dirty="0"/>
-          </a:p>
-        </p:txBody>
-      </p:sp>
-    </p:spTree>
-    <p:extLst>
-      <p:ext uri="{BB962C8B-B14F-4D97-AF65-F5344CB8AC3E}">
-        <p14:creationId xmlns:p14="http://schemas.microsoft.com/office/powerpoint/2010/main" val="1464154050"/>
-      </p:ext>
-    </p:extLst>
-  </p:cSld>
-  <p:clrMapOvr>
-    <a:masterClrMapping/>
-  </p:clrMapOvr>
-</p:sld>
-</file>
-
-<file path=ppt/slides/slide20.xml><?xml version="1.0" encoding="utf-8"?>
+<file path=ppt/slides/slide22.xml><?xml version="1.0" encoding="utf-8"?>
 <p:sld xmlns:a="http://schemas.openxmlformats.org/drawingml/2006/main" xmlns:r="http://schemas.openxmlformats.org/officeDocument/2006/relationships" xmlns:p="http://schemas.openxmlformats.org/presentationml/2006/main">
   <p:cSld>
     <p:spTree>
@@ -11194,10 +12384,17 @@
   <p:clrMapOvr>
     <a:masterClrMapping/>
   </p:clrMapOvr>
+  <p:timing>
+    <p:tnLst>
+      <p:par>
+        <p:cTn id="1" dur="indefinite" restart="never" nodeType="tmRoot"/>
+      </p:par>
+    </p:tnLst>
+  </p:timing>
 </p:sld>
 </file>
 
-<file path=ppt/slides/slide21.xml><?xml version="1.0" encoding="utf-8"?>
+<file path=ppt/slides/slide23.xml><?xml version="1.0" encoding="utf-8"?>
 <p:sld xmlns:a="http://schemas.openxmlformats.org/drawingml/2006/main" xmlns:r="http://schemas.openxmlformats.org/officeDocument/2006/relationships" xmlns:p="http://schemas.openxmlformats.org/presentationml/2006/main">
   <p:cSld>
     <p:spTree>
@@ -11448,10 +12645,17 @@
   <p:clrMapOvr>
     <a:masterClrMapping/>
   </p:clrMapOvr>
+  <p:timing>
+    <p:tnLst>
+      <p:par>
+        <p:cTn id="1" dur="indefinite" restart="never" nodeType="tmRoot"/>
+      </p:par>
+    </p:tnLst>
+  </p:timing>
 </p:sld>
 </file>
 
-<file path=ppt/slides/slide22.xml><?xml version="1.0" encoding="utf-8"?>
+<file path=ppt/slides/slide24.xml><?xml version="1.0" encoding="utf-8"?>
 <p:sld xmlns:a="http://schemas.openxmlformats.org/drawingml/2006/main" xmlns:r="http://schemas.openxmlformats.org/officeDocument/2006/relationships" xmlns:p="http://schemas.openxmlformats.org/presentationml/2006/main">
   <p:cSld>
     <p:spTree>
@@ -11614,10 +12818,17 @@
   <p:clrMapOvr>
     <a:masterClrMapping/>
   </p:clrMapOvr>
+  <p:timing>
+    <p:tnLst>
+      <p:par>
+        <p:cTn id="1" dur="indefinite" restart="never" nodeType="tmRoot"/>
+      </p:par>
+    </p:tnLst>
+  </p:timing>
 </p:sld>
 </file>
 
-<file path=ppt/slides/slide23.xml><?xml version="1.0" encoding="utf-8"?>
+<file path=ppt/slides/slide25.xml><?xml version="1.0" encoding="utf-8"?>
 <p:sld xmlns:a="http://schemas.openxmlformats.org/drawingml/2006/main" xmlns:r="http://schemas.openxmlformats.org/officeDocument/2006/relationships" xmlns:p="http://schemas.openxmlformats.org/presentationml/2006/main">
   <p:cSld>
     <p:spTree>
@@ -12059,647 +13270,13 @@
   <p:clrMapOvr>
     <a:masterClrMapping/>
   </p:clrMapOvr>
-</p:sld>
-</file>
-
-<file path=ppt/slides/slide24.xml><?xml version="1.0" encoding="utf-8"?>
-<p:sld xmlns:a="http://schemas.openxmlformats.org/drawingml/2006/main" xmlns:r="http://schemas.openxmlformats.org/officeDocument/2006/relationships" xmlns:p="http://schemas.openxmlformats.org/presentationml/2006/main">
-  <p:cSld>
-    <p:spTree>
-      <p:nvGrpSpPr>
-        <p:cNvPr id="1" name=""/>
-        <p:cNvGrpSpPr/>
-        <p:nvPr/>
-      </p:nvGrpSpPr>
-      <p:grpSpPr>
-        <a:xfrm>
-          <a:off x="0" y="0"/>
-          <a:ext cx="0" cy="0"/>
-          <a:chOff x="0" y="0"/>
-          <a:chExt cx="0" cy="0"/>
-        </a:xfrm>
-      </p:grpSpPr>
-      <p:sp>
-        <p:nvSpPr>
-          <p:cNvPr id="3" name="コンテンツ プレースホルダー 2"/>
-          <p:cNvSpPr>
-            <a:spLocks noGrp="1"/>
-          </p:cNvSpPr>
-          <p:nvPr>
-            <p:ph sz="quarter" idx="1"/>
-          </p:nvPr>
-        </p:nvSpPr>
-        <p:spPr>
-          <a:xfrm>
-            <a:off x="457200" y="476672"/>
-            <a:ext cx="7467600" cy="5997280"/>
-          </a:xfrm>
-        </p:spPr>
-        <p:txBody>
-          <a:bodyPr/>
-          <a:lstStyle/>
-          <a:p>
-            <a:r>
-              <a:rPr kumimoji="1" lang="ja-JP" altLang="en-US" dirty="0" smtClean="0"/>
-              <a:t>重み係数を当てはめる</a:t>
-            </a:r>
-            <a:endParaRPr kumimoji="1" lang="en-US" altLang="ja-JP" dirty="0" smtClean="0"/>
-          </a:p>
-          <a:p>
-            <a:pPr marL="0" indent="0">
-              <a:buNone/>
-            </a:pPr>
-            <a:r>
-              <a:rPr lang="ja-JP" altLang="en-US" dirty="0" smtClean="0"/>
-              <a:t>　　　　　　　　　　　</a:t>
-            </a:r>
-            <a:r>
-              <a:rPr lang="en-US" altLang="ja-JP" dirty="0" smtClean="0"/>
-              <a:t> </a:t>
-            </a:r>
-            <a:r>
-              <a:rPr lang="ja-JP" altLang="en-US" dirty="0" smtClean="0"/>
-              <a:t>　　　</a:t>
-            </a:r>
-            <a:r>
-              <a:rPr lang="en-US" altLang="ja-JP" dirty="0" smtClean="0"/>
-              <a:t>PC1            </a:t>
-            </a:r>
-            <a:r>
-              <a:rPr lang="en-US" altLang="ja-JP" dirty="0"/>
-              <a:t>PC2         </a:t>
-            </a:r>
-            <a:endParaRPr lang="en-US" altLang="ja-JP" dirty="0" smtClean="0"/>
-          </a:p>
-          <a:p>
-            <a:pPr marL="0" indent="0">
-              <a:buNone/>
-            </a:pPr>
-            <a:r>
-              <a:rPr lang="en-US" altLang="ja-JP" dirty="0" err="1" smtClean="0"/>
-              <a:t>market.price</a:t>
-            </a:r>
-            <a:r>
-              <a:rPr lang="en-US" altLang="ja-JP" dirty="0" smtClean="0"/>
-              <a:t>  </a:t>
-            </a:r>
-            <a:r>
-              <a:rPr lang="en-US" altLang="ja-JP" dirty="0"/>
-              <a:t>-0.6672553 -</a:t>
-            </a:r>
-            <a:r>
-              <a:rPr lang="en-US" altLang="ja-JP" dirty="0" smtClean="0"/>
-              <a:t>0.7448291</a:t>
-            </a:r>
-            <a:r>
-              <a:rPr lang="ja-JP" altLang="en-US" dirty="0" smtClean="0"/>
-              <a:t>　　時価総額</a:t>
-            </a:r>
-            <a:endParaRPr lang="en-US" altLang="ja-JP" dirty="0"/>
-          </a:p>
-          <a:p>
-            <a:pPr marL="0" indent="0">
-              <a:buNone/>
-            </a:pPr>
-            <a:r>
-              <a:rPr lang="en-US" altLang="ja-JP" dirty="0" err="1"/>
-              <a:t>book.value</a:t>
-            </a:r>
-            <a:r>
-              <a:rPr lang="en-US" altLang="ja-JP" dirty="0"/>
-              <a:t>     -0.7448291   </a:t>
-            </a:r>
-            <a:r>
-              <a:rPr lang="en-US" altLang="ja-JP" dirty="0" smtClean="0"/>
-              <a:t>0.6672553</a:t>
-            </a:r>
-            <a:r>
-              <a:rPr lang="ja-JP" altLang="en-US" dirty="0" smtClean="0"/>
-              <a:t>　　純資産</a:t>
-            </a:r>
-            <a:endParaRPr lang="en-US" altLang="ja-JP" dirty="0"/>
-          </a:p>
-          <a:p>
-            <a:pPr marL="0" indent="0">
-              <a:buNone/>
-            </a:pPr>
-            <a:r>
-              <a:rPr lang="ja-JP" altLang="en-US" dirty="0"/>
-              <a:t>一般式　</a:t>
-            </a:r>
-            <a:r>
-              <a:rPr lang="en-US" altLang="ja-JP" dirty="0" smtClean="0"/>
-              <a:t>Z </a:t>
-            </a:r>
-            <a:r>
-              <a:rPr lang="en-US" altLang="ja-JP" dirty="0"/>
-              <a:t>= </a:t>
-            </a:r>
-            <a:r>
-              <a:rPr lang="en-US" altLang="ja-JP" sz="3600" dirty="0"/>
-              <a:t>a</a:t>
-            </a:r>
-            <a:r>
-              <a:rPr lang="en-US" altLang="ja-JP" sz="1400" dirty="0"/>
-              <a:t>1</a:t>
-            </a:r>
-            <a:r>
-              <a:rPr lang="en-US" altLang="ja-JP" sz="3600" dirty="0"/>
-              <a:t>x</a:t>
-            </a:r>
-            <a:r>
-              <a:rPr lang="en-US" altLang="ja-JP" sz="1600" dirty="0"/>
-              <a:t>1</a:t>
-            </a:r>
-            <a:r>
-              <a:rPr lang="en-US" altLang="ja-JP" dirty="0"/>
-              <a:t> + </a:t>
-            </a:r>
-            <a:r>
-              <a:rPr lang="en-US" altLang="ja-JP" sz="3600" dirty="0" smtClean="0"/>
-              <a:t>a</a:t>
-            </a:r>
-            <a:r>
-              <a:rPr lang="en-US" altLang="ja-JP" sz="1600" dirty="0" smtClean="0"/>
-              <a:t>2</a:t>
-            </a:r>
-            <a:r>
-              <a:rPr lang="en-US" altLang="ja-JP" sz="3600" dirty="0" smtClean="0"/>
-              <a:t>x</a:t>
-            </a:r>
-            <a:r>
-              <a:rPr lang="en-US" altLang="ja-JP" sz="1600" dirty="0" smtClean="0"/>
-              <a:t>2                    </a:t>
-            </a:r>
-          </a:p>
-          <a:p>
-            <a:pPr marL="0" indent="0">
-              <a:buNone/>
-            </a:pPr>
-            <a:r>
-              <a:rPr lang="en-US" altLang="ja-JP" sz="1600" dirty="0"/>
-              <a:t> </a:t>
-            </a:r>
-            <a:r>
-              <a:rPr lang="en-US" altLang="ja-JP" sz="1600" dirty="0" smtClean="0"/>
-              <a:t>  Z=</a:t>
-            </a:r>
-            <a:r>
-              <a:rPr lang="ja-JP" altLang="en-US" sz="1600" dirty="0" smtClean="0"/>
-              <a:t>主成分が高いほど、企業規模が大きい。第一生命が第１位となる。</a:t>
-            </a:r>
-            <a:endParaRPr kumimoji="1" lang="ja-JP" altLang="en-US" dirty="0"/>
-          </a:p>
-        </p:txBody>
-      </p:sp>
-      <p:pic>
-        <p:nvPicPr>
-          <p:cNvPr id="12290" name="Picture 2"/>
-          <p:cNvPicPr>
-            <a:picLocks noChangeAspect="1" noChangeArrowheads="1"/>
-          </p:cNvPicPr>
-          <p:nvPr/>
-        </p:nvPicPr>
-        <p:blipFill>
-          <a:blip r:embed="rId2">
-            <a:extLst>
-              <a:ext uri="{28A0092B-C50C-407E-A947-70E740481C1C}">
-                <a14:useLocalDpi xmlns:a14="http://schemas.microsoft.com/office/drawing/2010/main" val="0"/>
-              </a:ext>
-            </a:extLst>
-          </a:blip>
-          <a:srcRect/>
-          <a:stretch>
-            <a:fillRect/>
-          </a:stretch>
-        </p:blipFill>
-        <p:spPr bwMode="auto">
-          <a:xfrm>
-            <a:off x="492899" y="3284984"/>
-            <a:ext cx="5610225" cy="2895600"/>
-          </a:xfrm>
-          <a:prstGeom prst="rect">
-            <a:avLst/>
-          </a:prstGeom>
-          <a:noFill/>
-          <a:ln>
-            <a:noFill/>
-          </a:ln>
-          <a:extLst>
-            <a:ext uri="{909E8E84-426E-40DD-AFC4-6F175D3DCCD1}">
-              <a14:hiddenFill xmlns:a14="http://schemas.microsoft.com/office/drawing/2010/main">
-                <a:solidFill>
-                  <a:schemeClr val="accent1"/>
-                </a:solidFill>
-              </a14:hiddenFill>
-            </a:ext>
-            <a:ext uri="{91240B29-F687-4F45-9708-019B960494DF}">
-              <a14:hiddenLine xmlns:a14="http://schemas.microsoft.com/office/drawing/2010/main" w="9525">
-                <a:solidFill>
-                  <a:schemeClr val="tx1"/>
-                </a:solidFill>
-                <a:miter lim="800000"/>
-                <a:headEnd/>
-                <a:tailEnd/>
-              </a14:hiddenLine>
-            </a:ext>
-          </a:extLst>
-        </p:spPr>
-      </p:pic>
-    </p:spTree>
-    <p:extLst>
-      <p:ext uri="{BB962C8B-B14F-4D97-AF65-F5344CB8AC3E}">
-        <p14:creationId xmlns:p14="http://schemas.microsoft.com/office/powerpoint/2010/main" val="116793899"/>
-      </p:ext>
-    </p:extLst>
-  </p:cSld>
-  <p:clrMapOvr>
-    <a:masterClrMapping/>
-  </p:clrMapOvr>
-</p:sld>
-</file>
-
-<file path=ppt/slides/slide25.xml><?xml version="1.0" encoding="utf-8"?>
-<p:sld xmlns:a="http://schemas.openxmlformats.org/drawingml/2006/main" xmlns:r="http://schemas.openxmlformats.org/officeDocument/2006/relationships" xmlns:p="http://schemas.openxmlformats.org/presentationml/2006/main">
-  <p:cSld>
-    <p:spTree>
-      <p:nvGrpSpPr>
-        <p:cNvPr id="1" name=""/>
-        <p:cNvGrpSpPr/>
-        <p:nvPr/>
-      </p:nvGrpSpPr>
-      <p:grpSpPr>
-        <a:xfrm>
-          <a:off x="0" y="0"/>
-          <a:ext cx="0" cy="0"/>
-          <a:chOff x="0" y="0"/>
-          <a:chExt cx="0" cy="0"/>
-        </a:xfrm>
-      </p:grpSpPr>
-      <p:sp>
-        <p:nvSpPr>
-          <p:cNvPr id="3" name="コンテンツ プレースホルダー 2"/>
-          <p:cNvSpPr>
-            <a:spLocks noGrp="1"/>
-          </p:cNvSpPr>
-          <p:nvPr>
-            <p:ph sz="quarter" idx="1"/>
-          </p:nvPr>
-        </p:nvSpPr>
-        <p:spPr>
-          <a:xfrm>
-            <a:off x="457200" y="620688"/>
-            <a:ext cx="7467600" cy="5853264"/>
-          </a:xfrm>
-        </p:spPr>
-        <p:txBody>
-          <a:bodyPr>
-            <a:normAutofit/>
-          </a:bodyPr>
-          <a:lstStyle/>
-          <a:p>
-            <a:r>
-              <a:rPr kumimoji="1" lang="ja-JP" altLang="en-US" dirty="0" smtClean="0"/>
-              <a:t>寄与率とは</a:t>
-            </a:r>
-            <a:endParaRPr kumimoji="1" lang="en-US" altLang="ja-JP" dirty="0" smtClean="0"/>
-          </a:p>
-          <a:p>
-            <a:pPr marL="0" indent="0">
-              <a:buNone/>
-            </a:pPr>
-            <a:r>
-              <a:rPr lang="en-US" altLang="ja-JP" dirty="0"/>
-              <a:t>&gt;</a:t>
-            </a:r>
-            <a:r>
-              <a:rPr lang="en-US" altLang="ja-JP" dirty="0">
-                <a:solidFill>
-                  <a:srgbClr val="009900"/>
-                </a:solidFill>
-              </a:rPr>
-              <a:t>summary(</a:t>
-            </a:r>
-            <a:r>
-              <a:rPr lang="en-US" altLang="ja-JP" dirty="0" err="1">
-                <a:solidFill>
-                  <a:srgbClr val="009900"/>
-                </a:solidFill>
-              </a:rPr>
-              <a:t>pca</a:t>
-            </a:r>
-            <a:r>
-              <a:rPr lang="en-US" altLang="ja-JP" dirty="0">
-                <a:solidFill>
-                  <a:srgbClr val="009900"/>
-                </a:solidFill>
-              </a:rPr>
-              <a:t>)</a:t>
-            </a:r>
-            <a:r>
-              <a:rPr lang="en-US" altLang="ja-JP" dirty="0"/>
-              <a:t/>
-            </a:r>
-            <a:br>
-              <a:rPr lang="en-US" altLang="ja-JP" dirty="0"/>
-            </a:br>
-            <a:r>
-              <a:rPr lang="en-US" altLang="ja-JP" sz="1800" dirty="0"/>
-              <a:t>                                           PC1          PC2 </a:t>
-            </a:r>
-          </a:p>
-          <a:p>
-            <a:pPr marL="0" indent="0">
-              <a:buNone/>
-            </a:pPr>
-            <a:r>
-              <a:rPr lang="en-US" altLang="ja-JP" sz="1800" dirty="0"/>
-              <a:t>Standard deviation       781.160   313.810 </a:t>
-            </a:r>
-          </a:p>
-          <a:p>
-            <a:pPr marL="0" indent="0">
-              <a:buNone/>
-            </a:pPr>
-            <a:r>
-              <a:rPr lang="en-US" altLang="ja-JP" sz="1800" dirty="0"/>
-              <a:t>Proportion of Variance     0.861        0.139   </a:t>
-            </a:r>
-            <a:r>
-              <a:rPr lang="ja-JP" altLang="en-US" sz="1800" dirty="0"/>
-              <a:t>「</a:t>
-            </a:r>
-            <a:r>
-              <a:rPr lang="ja-JP" altLang="en-US" sz="1800" dirty="0">
-                <a:latin typeface="ＭＳ 明朝" pitchFamily="17" charset="-128"/>
-                <a:ea typeface="ＭＳ 明朝" pitchFamily="17" charset="-128"/>
-              </a:rPr>
-              <a:t>寄与率」</a:t>
-            </a:r>
-            <a:endParaRPr lang="en-US" altLang="ja-JP" sz="1800" dirty="0">
-              <a:latin typeface="ＭＳ 明朝" pitchFamily="17" charset="-128"/>
-              <a:ea typeface="ＭＳ 明朝" pitchFamily="17" charset="-128"/>
-            </a:endParaRPr>
-          </a:p>
-          <a:p>
-            <a:pPr marL="0" indent="0">
-              <a:buNone/>
-            </a:pPr>
-            <a:r>
-              <a:rPr lang="en-US" altLang="ja-JP" sz="1800" dirty="0"/>
-              <a:t>Cumulative Proportion     0.861       1.000  </a:t>
-            </a:r>
-            <a:r>
-              <a:rPr lang="zh-TW" altLang="en-US" sz="1800" dirty="0">
-                <a:latin typeface="ＭＳ 明朝" pitchFamily="17" charset="-128"/>
-                <a:ea typeface="ＭＳ 明朝" pitchFamily="17" charset="-128"/>
-              </a:rPr>
-              <a:t>「累積寄与率」</a:t>
-            </a:r>
-            <a:endParaRPr lang="ja-JP" altLang="en-US" sz="1800" dirty="0">
-              <a:latin typeface="ＭＳ 明朝" pitchFamily="17" charset="-128"/>
-              <a:ea typeface="ＭＳ 明朝" pitchFamily="17" charset="-128"/>
-            </a:endParaRPr>
-          </a:p>
-          <a:p>
-            <a:pPr marL="0" indent="0">
-              <a:buNone/>
-            </a:pPr>
-            <a:r>
-              <a:rPr lang="en-US" altLang="ja-JP" sz="1800" dirty="0" smtClean="0">
-                <a:latin typeface="ＭＳ 明朝" pitchFamily="17" charset="-128"/>
-                <a:ea typeface="ＭＳ 明朝" pitchFamily="17" charset="-128"/>
-              </a:rPr>
-              <a:t/>
-            </a:r>
-            <a:br>
-              <a:rPr lang="en-US" altLang="ja-JP" sz="1800" dirty="0" smtClean="0">
-                <a:latin typeface="ＭＳ 明朝" pitchFamily="17" charset="-128"/>
-                <a:ea typeface="ＭＳ 明朝" pitchFamily="17" charset="-128"/>
-              </a:rPr>
-            </a:br>
-            <a:r>
-              <a:rPr lang="ja-JP" altLang="en-US" sz="1800" dirty="0" smtClean="0">
-                <a:latin typeface="ＭＳ 明朝" pitchFamily="17" charset="-128"/>
-                <a:ea typeface="ＭＳ 明朝" pitchFamily="17" charset="-128"/>
-              </a:rPr>
-              <a:t>■寄与率</a:t>
-            </a:r>
-            <a:r>
-              <a:rPr kumimoji="1" lang="en-US" altLang="ja-JP" dirty="0" smtClean="0"/>
-              <a:t/>
-            </a:r>
-            <a:br>
-              <a:rPr kumimoji="1" lang="en-US" altLang="ja-JP" dirty="0" smtClean="0"/>
-            </a:br>
-            <a:r>
-              <a:rPr lang="ja-JP" altLang="en-US" sz="1800" dirty="0"/>
-              <a:t>主成分</a:t>
-            </a:r>
-            <a:r>
-              <a:rPr lang="en-US" altLang="ja-JP" sz="1800" dirty="0"/>
-              <a:t>1</a:t>
-            </a:r>
-            <a:r>
-              <a:rPr lang="ja-JP" altLang="en-US" sz="1800" dirty="0" smtClean="0"/>
-              <a:t>つだけで、どの</a:t>
-            </a:r>
-            <a:r>
-              <a:rPr lang="ja-JP" altLang="en-US" sz="1800" dirty="0"/>
-              <a:t>くらいの割合の情報を説明しているかを表している</a:t>
-            </a:r>
-            <a:r>
-              <a:rPr lang="ja-JP" altLang="en-US" sz="1800" dirty="0" smtClean="0"/>
-              <a:t>。</a:t>
-            </a:r>
-            <a:endParaRPr lang="en-US" altLang="ja-JP" sz="1800" dirty="0" smtClean="0"/>
-          </a:p>
-          <a:p>
-            <a:pPr marL="0" indent="0">
-              <a:buNone/>
-            </a:pPr>
-            <a:r>
-              <a:rPr lang="ja-JP" altLang="en-US" sz="1800" dirty="0"/>
-              <a:t>第</a:t>
-            </a:r>
-            <a:r>
-              <a:rPr lang="en-US" altLang="ja-JP" sz="1800" dirty="0"/>
-              <a:t>1</a:t>
-            </a:r>
-            <a:r>
-              <a:rPr lang="ja-JP" altLang="en-US" sz="1800" dirty="0"/>
-              <a:t>主成分</a:t>
-            </a:r>
-            <a:r>
-              <a:rPr lang="en-US" altLang="ja-JP" sz="1800" dirty="0" smtClean="0"/>
-              <a:t>(PC1)</a:t>
-            </a:r>
-            <a:r>
-              <a:rPr lang="ja-JP" altLang="en-US" sz="1800" dirty="0" smtClean="0"/>
-              <a:t>が</a:t>
-            </a:r>
-            <a:r>
-              <a:rPr lang="en-US" altLang="ja-JP" sz="1800" dirty="0" smtClean="0"/>
-              <a:t>0.86</a:t>
-            </a:r>
-            <a:r>
-              <a:rPr lang="ja-JP" altLang="en-US" sz="1800" dirty="0"/>
-              <a:t>あるため、</a:t>
-            </a:r>
-            <a:r>
-              <a:rPr lang="ja-JP" altLang="en-US" sz="1800" dirty="0" smtClean="0"/>
-              <a:t>第</a:t>
-            </a:r>
-            <a:r>
-              <a:rPr lang="en-US" altLang="ja-JP" sz="1800" dirty="0" smtClean="0"/>
-              <a:t>1</a:t>
-            </a:r>
-            <a:r>
-              <a:rPr lang="ja-JP" altLang="en-US" sz="1800" dirty="0" smtClean="0"/>
-              <a:t>主成分</a:t>
-            </a:r>
-            <a:r>
-              <a:rPr lang="ja-JP" altLang="en-US" sz="1800" dirty="0"/>
-              <a:t>だけ</a:t>
-            </a:r>
-            <a:r>
-              <a:rPr lang="ja-JP" altLang="en-US" sz="1800" dirty="0" smtClean="0"/>
-              <a:t>で、元データ</a:t>
-            </a:r>
-            <a:r>
-              <a:rPr lang="ja-JP" altLang="en-US" sz="1800" dirty="0"/>
-              <a:t>が持つ情報の</a:t>
-            </a:r>
-            <a:r>
-              <a:rPr lang="ja-JP" altLang="en-US" sz="1800" dirty="0" smtClean="0"/>
-              <a:t>約</a:t>
-            </a:r>
-            <a:r>
-              <a:rPr lang="en-US" altLang="ja-JP" sz="1800" dirty="0"/>
-              <a:t>86</a:t>
-            </a:r>
-            <a:r>
-              <a:rPr lang="en-US" altLang="ja-JP" sz="1800" dirty="0" smtClean="0"/>
-              <a:t>%</a:t>
-            </a:r>
-            <a:r>
-              <a:rPr lang="ja-JP" altLang="en-US" sz="1800" dirty="0"/>
-              <a:t>を説明していると</a:t>
-            </a:r>
-            <a:r>
-              <a:rPr lang="ja-JP" altLang="en-US" sz="1800" dirty="0" smtClean="0"/>
-              <a:t>読み取れる。</a:t>
-            </a:r>
-            <a:endParaRPr lang="en-US" altLang="ja-JP" sz="1800" dirty="0" smtClean="0"/>
-          </a:p>
-          <a:p>
-            <a:pPr marL="0" indent="0">
-              <a:buNone/>
-            </a:pPr>
-            <a:r>
-              <a:rPr lang="en-US" altLang="ja-JP" sz="1800" dirty="0" smtClean="0">
-                <a:latin typeface="ＭＳ 明朝" pitchFamily="17" charset="-128"/>
-                <a:ea typeface="ＭＳ 明朝" pitchFamily="17" charset="-128"/>
-              </a:rPr>
-              <a:t/>
-            </a:r>
-            <a:br>
-              <a:rPr lang="en-US" altLang="ja-JP" sz="1800" dirty="0" smtClean="0">
-                <a:latin typeface="ＭＳ 明朝" pitchFamily="17" charset="-128"/>
-                <a:ea typeface="ＭＳ 明朝" pitchFamily="17" charset="-128"/>
-              </a:rPr>
-            </a:br>
-            <a:r>
-              <a:rPr lang="ja-JP" altLang="en-US" sz="1800" dirty="0" smtClean="0">
-                <a:latin typeface="ＭＳ 明朝" pitchFamily="17" charset="-128"/>
-                <a:ea typeface="ＭＳ 明朝" pitchFamily="17" charset="-128"/>
-              </a:rPr>
-              <a:t>■</a:t>
-            </a:r>
-            <a:r>
-              <a:rPr lang="zh-TW" altLang="en-US" sz="1800" dirty="0" smtClean="0">
-                <a:latin typeface="ＭＳ 明朝" pitchFamily="17" charset="-128"/>
-                <a:ea typeface="ＭＳ 明朝" pitchFamily="17" charset="-128"/>
-              </a:rPr>
-              <a:t>累積寄与率</a:t>
-            </a:r>
-            <a:endParaRPr lang="en-US" altLang="zh-TW" sz="1800" dirty="0" smtClean="0">
-              <a:latin typeface="ＭＳ 明朝" pitchFamily="17" charset="-128"/>
-              <a:ea typeface="ＭＳ 明朝" pitchFamily="17" charset="-128"/>
-            </a:endParaRPr>
-          </a:p>
-          <a:p>
-            <a:pPr marL="0" indent="0">
-              <a:buNone/>
-            </a:pPr>
-            <a:r>
-              <a:rPr lang="ja-JP" altLang="en-US" sz="1800" dirty="0"/>
-              <a:t>変数を縮約</a:t>
-            </a:r>
-            <a:r>
-              <a:rPr lang="ja-JP" altLang="en-US" sz="1800" dirty="0" smtClean="0"/>
-              <a:t>し</a:t>
-            </a:r>
-            <a:r>
-              <a:rPr lang="ja-JP" altLang="en-US" sz="1800" dirty="0"/>
-              <a:t>、</a:t>
-            </a:r>
-            <a:r>
-              <a:rPr lang="ja-JP" altLang="en-US" sz="1800" dirty="0" smtClean="0"/>
-              <a:t>少ない</a:t>
-            </a:r>
-            <a:r>
-              <a:rPr lang="ja-JP" altLang="en-US" sz="1800" dirty="0"/>
-              <a:t>数の主成分でデータを見ようとしたとき</a:t>
-            </a:r>
-            <a:r>
-              <a:rPr lang="ja-JP" altLang="en-US" sz="1800" dirty="0" smtClean="0"/>
-              <a:t>に、 </a:t>
-            </a:r>
-            <a:r>
-              <a:rPr lang="ja-JP" altLang="en-US" sz="1800" dirty="0"/>
-              <a:t>元データの情報をほとんど含んでないまま分析を進めることを防ぐため</a:t>
-            </a:r>
-            <a:r>
-              <a:rPr lang="ja-JP" altLang="en-US" sz="1800" dirty="0" smtClean="0"/>
-              <a:t>と、すべて</a:t>
-            </a:r>
-            <a:r>
-              <a:rPr lang="ja-JP" altLang="en-US" sz="1800" dirty="0"/>
-              <a:t>の変数を分析に投入</a:t>
-            </a:r>
-            <a:r>
-              <a:rPr lang="ja-JP" altLang="en-US" sz="1800" dirty="0" smtClean="0"/>
-              <a:t>して、変数</a:t>
-            </a:r>
-            <a:r>
-              <a:rPr lang="ja-JP" altLang="en-US" sz="1800" dirty="0"/>
-              <a:t>を縮約した意味がなくなってしまうことを防ぐための基準で</a:t>
-            </a:r>
-            <a:r>
-              <a:rPr lang="ja-JP" altLang="en-US" sz="1800" dirty="0" smtClean="0"/>
-              <a:t>ある。</a:t>
-            </a:r>
-            <a:endParaRPr kumimoji="1" lang="en-US" altLang="ja-JP" dirty="0" smtClean="0"/>
-          </a:p>
-          <a:p>
-            <a:pPr marL="0" indent="0">
-              <a:buNone/>
-            </a:pPr>
-            <a:endParaRPr kumimoji="1" lang="ja-JP" altLang="en-US" dirty="0"/>
-          </a:p>
-        </p:txBody>
-      </p:sp>
-    </p:spTree>
-    <p:extLst>
-      <p:ext uri="{BB962C8B-B14F-4D97-AF65-F5344CB8AC3E}">
-        <p14:creationId xmlns:p14="http://schemas.microsoft.com/office/powerpoint/2010/main" val="3621607988"/>
-      </p:ext>
-    </p:extLst>
-  </p:cSld>
-  <p:clrMapOvr>
-    <a:masterClrMapping/>
-  </p:clrMapOvr>
+  <p:timing>
+    <p:tnLst>
+      <p:par>
+        <p:cTn id="1" dur="indefinite" restart="never" nodeType="tmRoot"/>
+      </p:par>
+    </p:tnLst>
+  </p:timing>
 </p:sld>
 </file>
 
@@ -12742,6 +13319,661 @@
           <a:p>
             <a:r>
               <a:rPr kumimoji="1" lang="ja-JP" altLang="en-US" dirty="0" smtClean="0"/>
+              <a:t>重み係数を当てはめる</a:t>
+            </a:r>
+            <a:endParaRPr kumimoji="1" lang="en-US" altLang="ja-JP" dirty="0" smtClean="0"/>
+          </a:p>
+          <a:p>
+            <a:pPr marL="0" indent="0">
+              <a:buNone/>
+            </a:pPr>
+            <a:r>
+              <a:rPr lang="ja-JP" altLang="en-US" dirty="0" smtClean="0"/>
+              <a:t>　　　　　　　　　　　</a:t>
+            </a:r>
+            <a:r>
+              <a:rPr lang="en-US" altLang="ja-JP" dirty="0" smtClean="0"/>
+              <a:t> </a:t>
+            </a:r>
+            <a:r>
+              <a:rPr lang="ja-JP" altLang="en-US" dirty="0" smtClean="0"/>
+              <a:t>　　　</a:t>
+            </a:r>
+            <a:r>
+              <a:rPr lang="en-US" altLang="ja-JP" dirty="0" smtClean="0"/>
+              <a:t>PC1            </a:t>
+            </a:r>
+            <a:r>
+              <a:rPr lang="en-US" altLang="ja-JP" dirty="0"/>
+              <a:t>PC2         </a:t>
+            </a:r>
+            <a:endParaRPr lang="en-US" altLang="ja-JP" dirty="0" smtClean="0"/>
+          </a:p>
+          <a:p>
+            <a:pPr marL="0" indent="0">
+              <a:buNone/>
+            </a:pPr>
+            <a:r>
+              <a:rPr lang="en-US" altLang="ja-JP" dirty="0" err="1" smtClean="0"/>
+              <a:t>market.price</a:t>
+            </a:r>
+            <a:r>
+              <a:rPr lang="en-US" altLang="ja-JP" dirty="0" smtClean="0"/>
+              <a:t>  </a:t>
+            </a:r>
+            <a:r>
+              <a:rPr lang="en-US" altLang="ja-JP" dirty="0"/>
+              <a:t>-0.6672553 -</a:t>
+            </a:r>
+            <a:r>
+              <a:rPr lang="en-US" altLang="ja-JP" dirty="0" smtClean="0"/>
+              <a:t>0.7448291</a:t>
+            </a:r>
+            <a:r>
+              <a:rPr lang="ja-JP" altLang="en-US" dirty="0" smtClean="0"/>
+              <a:t>　　時価総額</a:t>
+            </a:r>
+            <a:endParaRPr lang="en-US" altLang="ja-JP" dirty="0"/>
+          </a:p>
+          <a:p>
+            <a:pPr marL="0" indent="0">
+              <a:buNone/>
+            </a:pPr>
+            <a:r>
+              <a:rPr lang="en-US" altLang="ja-JP" dirty="0" err="1"/>
+              <a:t>book.value</a:t>
+            </a:r>
+            <a:r>
+              <a:rPr lang="en-US" altLang="ja-JP" dirty="0"/>
+              <a:t>     -0.7448291   </a:t>
+            </a:r>
+            <a:r>
+              <a:rPr lang="en-US" altLang="ja-JP" dirty="0" smtClean="0"/>
+              <a:t>0.6672553</a:t>
+            </a:r>
+            <a:r>
+              <a:rPr lang="ja-JP" altLang="en-US" dirty="0" smtClean="0"/>
+              <a:t>　　純資産</a:t>
+            </a:r>
+            <a:endParaRPr lang="en-US" altLang="ja-JP" dirty="0"/>
+          </a:p>
+          <a:p>
+            <a:pPr marL="0" indent="0">
+              <a:buNone/>
+            </a:pPr>
+            <a:r>
+              <a:rPr lang="ja-JP" altLang="en-US" dirty="0"/>
+              <a:t>一般式　</a:t>
+            </a:r>
+            <a:r>
+              <a:rPr lang="en-US" altLang="ja-JP" dirty="0" smtClean="0"/>
+              <a:t>Z </a:t>
+            </a:r>
+            <a:r>
+              <a:rPr lang="en-US" altLang="ja-JP" dirty="0"/>
+              <a:t>= </a:t>
+            </a:r>
+            <a:r>
+              <a:rPr lang="en-US" altLang="ja-JP" sz="3600" dirty="0"/>
+              <a:t>a</a:t>
+            </a:r>
+            <a:r>
+              <a:rPr lang="en-US" altLang="ja-JP" sz="1400" dirty="0"/>
+              <a:t>1</a:t>
+            </a:r>
+            <a:r>
+              <a:rPr lang="en-US" altLang="ja-JP" sz="3600" dirty="0"/>
+              <a:t>x</a:t>
+            </a:r>
+            <a:r>
+              <a:rPr lang="en-US" altLang="ja-JP" sz="1600" dirty="0"/>
+              <a:t>1</a:t>
+            </a:r>
+            <a:r>
+              <a:rPr lang="en-US" altLang="ja-JP" dirty="0"/>
+              <a:t> + </a:t>
+            </a:r>
+            <a:r>
+              <a:rPr lang="en-US" altLang="ja-JP" sz="3600" dirty="0" smtClean="0"/>
+              <a:t>a</a:t>
+            </a:r>
+            <a:r>
+              <a:rPr lang="en-US" altLang="ja-JP" sz="1600" dirty="0" smtClean="0"/>
+              <a:t>2</a:t>
+            </a:r>
+            <a:r>
+              <a:rPr lang="en-US" altLang="ja-JP" sz="3600" dirty="0" smtClean="0"/>
+              <a:t>x</a:t>
+            </a:r>
+            <a:r>
+              <a:rPr lang="en-US" altLang="ja-JP" sz="1600" dirty="0" smtClean="0"/>
+              <a:t>2                    </a:t>
+            </a:r>
+          </a:p>
+          <a:p>
+            <a:pPr marL="0" indent="0">
+              <a:buNone/>
+            </a:pPr>
+            <a:r>
+              <a:rPr lang="en-US" altLang="ja-JP" sz="1600" dirty="0"/>
+              <a:t> </a:t>
+            </a:r>
+            <a:r>
+              <a:rPr lang="en-US" altLang="ja-JP" sz="1600" dirty="0" smtClean="0"/>
+              <a:t>  Z=</a:t>
+            </a:r>
+            <a:r>
+              <a:rPr lang="ja-JP" altLang="en-US" sz="1600" dirty="0" smtClean="0"/>
+              <a:t>主成分が高いほど、企業規模が大きい。第一生命が第１位となる。</a:t>
+            </a:r>
+            <a:endParaRPr kumimoji="1" lang="ja-JP" altLang="en-US" dirty="0"/>
+          </a:p>
+        </p:txBody>
+      </p:sp>
+      <p:pic>
+        <p:nvPicPr>
+          <p:cNvPr id="12290" name="Picture 2"/>
+          <p:cNvPicPr>
+            <a:picLocks noChangeAspect="1" noChangeArrowheads="1"/>
+          </p:cNvPicPr>
+          <p:nvPr/>
+        </p:nvPicPr>
+        <p:blipFill>
+          <a:blip r:embed="rId2">
+            <a:extLst>
+              <a:ext uri="{28A0092B-C50C-407E-A947-70E740481C1C}">
+                <a14:useLocalDpi xmlns:a14="http://schemas.microsoft.com/office/drawing/2010/main" val="0"/>
+              </a:ext>
+            </a:extLst>
+          </a:blip>
+          <a:srcRect/>
+          <a:stretch>
+            <a:fillRect/>
+          </a:stretch>
+        </p:blipFill>
+        <p:spPr bwMode="auto">
+          <a:xfrm>
+            <a:off x="492899" y="3284984"/>
+            <a:ext cx="5610225" cy="2895600"/>
+          </a:xfrm>
+          <a:prstGeom prst="rect">
+            <a:avLst/>
+          </a:prstGeom>
+          <a:noFill/>
+          <a:ln>
+            <a:noFill/>
+          </a:ln>
+          <a:extLst>
+            <a:ext uri="{909E8E84-426E-40DD-AFC4-6F175D3DCCD1}">
+              <a14:hiddenFill xmlns:a14="http://schemas.microsoft.com/office/drawing/2010/main">
+                <a:solidFill>
+                  <a:schemeClr val="accent1"/>
+                </a:solidFill>
+              </a14:hiddenFill>
+            </a:ext>
+            <a:ext uri="{91240B29-F687-4F45-9708-019B960494DF}">
+              <a14:hiddenLine xmlns:a14="http://schemas.microsoft.com/office/drawing/2010/main" w="9525">
+                <a:solidFill>
+                  <a:schemeClr val="tx1"/>
+                </a:solidFill>
+                <a:miter lim="800000"/>
+                <a:headEnd/>
+                <a:tailEnd/>
+              </a14:hiddenLine>
+            </a:ext>
+          </a:extLst>
+        </p:spPr>
+      </p:pic>
+    </p:spTree>
+    <p:extLst>
+      <p:ext uri="{BB962C8B-B14F-4D97-AF65-F5344CB8AC3E}">
+        <p14:creationId xmlns:p14="http://schemas.microsoft.com/office/powerpoint/2010/main" val="116793899"/>
+      </p:ext>
+    </p:extLst>
+  </p:cSld>
+  <p:clrMapOvr>
+    <a:masterClrMapping/>
+  </p:clrMapOvr>
+  <p:timing>
+    <p:tnLst>
+      <p:par>
+        <p:cTn id="1" dur="indefinite" restart="never" nodeType="tmRoot"/>
+      </p:par>
+    </p:tnLst>
+  </p:timing>
+</p:sld>
+</file>
+
+<file path=ppt/slides/slide27.xml><?xml version="1.0" encoding="utf-8"?>
+<p:sld xmlns:a="http://schemas.openxmlformats.org/drawingml/2006/main" xmlns:r="http://schemas.openxmlformats.org/officeDocument/2006/relationships" xmlns:p="http://schemas.openxmlformats.org/presentationml/2006/main">
+  <p:cSld>
+    <p:spTree>
+      <p:nvGrpSpPr>
+        <p:cNvPr id="1" name=""/>
+        <p:cNvGrpSpPr/>
+        <p:nvPr/>
+      </p:nvGrpSpPr>
+      <p:grpSpPr>
+        <a:xfrm>
+          <a:off x="0" y="0"/>
+          <a:ext cx="0" cy="0"/>
+          <a:chOff x="0" y="0"/>
+          <a:chExt cx="0" cy="0"/>
+        </a:xfrm>
+      </p:grpSpPr>
+      <p:sp>
+        <p:nvSpPr>
+          <p:cNvPr id="3" name="コンテンツ プレースホルダー 2"/>
+          <p:cNvSpPr>
+            <a:spLocks noGrp="1"/>
+          </p:cNvSpPr>
+          <p:nvPr>
+            <p:ph sz="quarter" idx="1"/>
+          </p:nvPr>
+        </p:nvSpPr>
+        <p:spPr>
+          <a:xfrm>
+            <a:off x="457200" y="620688"/>
+            <a:ext cx="7467600" cy="5853264"/>
+          </a:xfrm>
+        </p:spPr>
+        <p:txBody>
+          <a:bodyPr>
+            <a:normAutofit/>
+          </a:bodyPr>
+          <a:lstStyle/>
+          <a:p>
+            <a:r>
+              <a:rPr kumimoji="1" lang="ja-JP" altLang="en-US" dirty="0" smtClean="0"/>
+              <a:t>寄与率とは</a:t>
+            </a:r>
+            <a:endParaRPr kumimoji="1" lang="en-US" altLang="ja-JP" dirty="0" smtClean="0"/>
+          </a:p>
+          <a:p>
+            <a:pPr marL="0" indent="0">
+              <a:buNone/>
+            </a:pPr>
+            <a:r>
+              <a:rPr lang="en-US" altLang="ja-JP" dirty="0"/>
+              <a:t>&gt;</a:t>
+            </a:r>
+            <a:r>
+              <a:rPr lang="en-US" altLang="ja-JP" dirty="0">
+                <a:solidFill>
+                  <a:srgbClr val="009900"/>
+                </a:solidFill>
+              </a:rPr>
+              <a:t>summary(</a:t>
+            </a:r>
+            <a:r>
+              <a:rPr lang="en-US" altLang="ja-JP" dirty="0" err="1">
+                <a:solidFill>
+                  <a:srgbClr val="009900"/>
+                </a:solidFill>
+              </a:rPr>
+              <a:t>pca</a:t>
+            </a:r>
+            <a:r>
+              <a:rPr lang="en-US" altLang="ja-JP" dirty="0">
+                <a:solidFill>
+                  <a:srgbClr val="009900"/>
+                </a:solidFill>
+              </a:rPr>
+              <a:t>)</a:t>
+            </a:r>
+            <a:r>
+              <a:rPr lang="en-US" altLang="ja-JP" dirty="0"/>
+              <a:t/>
+            </a:r>
+            <a:br>
+              <a:rPr lang="en-US" altLang="ja-JP" dirty="0"/>
+            </a:br>
+            <a:r>
+              <a:rPr lang="en-US" altLang="ja-JP" sz="1800" dirty="0"/>
+              <a:t>                                           PC1          PC2 </a:t>
+            </a:r>
+          </a:p>
+          <a:p>
+            <a:pPr marL="0" indent="0">
+              <a:buNone/>
+            </a:pPr>
+            <a:r>
+              <a:rPr lang="en-US" altLang="ja-JP" sz="1800" dirty="0"/>
+              <a:t>Standard deviation       781.160   313.810 </a:t>
+            </a:r>
+          </a:p>
+          <a:p>
+            <a:pPr marL="0" indent="0">
+              <a:buNone/>
+            </a:pPr>
+            <a:r>
+              <a:rPr lang="en-US" altLang="ja-JP" sz="1800" dirty="0"/>
+              <a:t>Proportion of Variance     0.861        0.139   </a:t>
+            </a:r>
+            <a:r>
+              <a:rPr lang="ja-JP" altLang="en-US" sz="1800" dirty="0"/>
+              <a:t>「</a:t>
+            </a:r>
+            <a:r>
+              <a:rPr lang="ja-JP" altLang="en-US" sz="1800" dirty="0">
+                <a:latin typeface="ＭＳ 明朝" pitchFamily="17" charset="-128"/>
+                <a:ea typeface="ＭＳ 明朝" pitchFamily="17" charset="-128"/>
+              </a:rPr>
+              <a:t>寄与率」</a:t>
+            </a:r>
+            <a:endParaRPr lang="en-US" altLang="ja-JP" sz="1800" dirty="0">
+              <a:latin typeface="ＭＳ 明朝" pitchFamily="17" charset="-128"/>
+              <a:ea typeface="ＭＳ 明朝" pitchFamily="17" charset="-128"/>
+            </a:endParaRPr>
+          </a:p>
+          <a:p>
+            <a:pPr marL="0" indent="0">
+              <a:buNone/>
+            </a:pPr>
+            <a:r>
+              <a:rPr lang="en-US" altLang="ja-JP" sz="1800" dirty="0"/>
+              <a:t>Cumulative Proportion     0.861       1.000  </a:t>
+            </a:r>
+            <a:r>
+              <a:rPr lang="zh-TW" altLang="en-US" sz="1800" dirty="0">
+                <a:latin typeface="ＭＳ 明朝" pitchFamily="17" charset="-128"/>
+                <a:ea typeface="ＭＳ 明朝" pitchFamily="17" charset="-128"/>
+              </a:rPr>
+              <a:t>「累積寄与率」</a:t>
+            </a:r>
+            <a:endParaRPr lang="ja-JP" altLang="en-US" sz="1800" dirty="0">
+              <a:latin typeface="ＭＳ 明朝" pitchFamily="17" charset="-128"/>
+              <a:ea typeface="ＭＳ 明朝" pitchFamily="17" charset="-128"/>
+            </a:endParaRPr>
+          </a:p>
+          <a:p>
+            <a:pPr marL="0" indent="0">
+              <a:buNone/>
+            </a:pPr>
+            <a:r>
+              <a:rPr lang="en-US" altLang="ja-JP" sz="1800" dirty="0" smtClean="0">
+                <a:latin typeface="ＭＳ 明朝" pitchFamily="17" charset="-128"/>
+                <a:ea typeface="ＭＳ 明朝" pitchFamily="17" charset="-128"/>
+              </a:rPr>
+              <a:t/>
+            </a:r>
+            <a:br>
+              <a:rPr lang="en-US" altLang="ja-JP" sz="1800" dirty="0" smtClean="0">
+                <a:latin typeface="ＭＳ 明朝" pitchFamily="17" charset="-128"/>
+                <a:ea typeface="ＭＳ 明朝" pitchFamily="17" charset="-128"/>
+              </a:rPr>
+            </a:br>
+            <a:r>
+              <a:rPr lang="ja-JP" altLang="en-US" sz="1800" dirty="0" smtClean="0">
+                <a:latin typeface="ＭＳ 明朝" pitchFamily="17" charset="-128"/>
+                <a:ea typeface="ＭＳ 明朝" pitchFamily="17" charset="-128"/>
+              </a:rPr>
+              <a:t>■寄与率</a:t>
+            </a:r>
+            <a:r>
+              <a:rPr kumimoji="1" lang="en-US" altLang="ja-JP" dirty="0" smtClean="0"/>
+              <a:t/>
+            </a:r>
+            <a:br>
+              <a:rPr kumimoji="1" lang="en-US" altLang="ja-JP" dirty="0" smtClean="0"/>
+            </a:br>
+            <a:r>
+              <a:rPr lang="ja-JP" altLang="en-US" sz="1800" dirty="0"/>
+              <a:t>主成分</a:t>
+            </a:r>
+            <a:r>
+              <a:rPr lang="en-US" altLang="ja-JP" sz="1800" dirty="0"/>
+              <a:t>1</a:t>
+            </a:r>
+            <a:r>
+              <a:rPr lang="ja-JP" altLang="en-US" sz="1800" dirty="0" smtClean="0"/>
+              <a:t>つだけで、どの</a:t>
+            </a:r>
+            <a:r>
+              <a:rPr lang="ja-JP" altLang="en-US" sz="1800" dirty="0"/>
+              <a:t>くらいの割合の情報を説明しているかを表している</a:t>
+            </a:r>
+            <a:r>
+              <a:rPr lang="ja-JP" altLang="en-US" sz="1800" dirty="0" smtClean="0"/>
+              <a:t>。</a:t>
+            </a:r>
+            <a:endParaRPr lang="en-US" altLang="ja-JP" sz="1800" dirty="0" smtClean="0"/>
+          </a:p>
+          <a:p>
+            <a:pPr marL="0" indent="0">
+              <a:buNone/>
+            </a:pPr>
+            <a:r>
+              <a:rPr lang="ja-JP" altLang="en-US" sz="1800" dirty="0"/>
+              <a:t>第</a:t>
+            </a:r>
+            <a:r>
+              <a:rPr lang="en-US" altLang="ja-JP" sz="1800" dirty="0"/>
+              <a:t>1</a:t>
+            </a:r>
+            <a:r>
+              <a:rPr lang="ja-JP" altLang="en-US" sz="1800" dirty="0"/>
+              <a:t>主成分</a:t>
+            </a:r>
+            <a:r>
+              <a:rPr lang="en-US" altLang="ja-JP" sz="1800" dirty="0" smtClean="0"/>
+              <a:t>(PC1)</a:t>
+            </a:r>
+            <a:r>
+              <a:rPr lang="ja-JP" altLang="en-US" sz="1800" dirty="0" smtClean="0"/>
+              <a:t>が</a:t>
+            </a:r>
+            <a:r>
+              <a:rPr lang="en-US" altLang="ja-JP" sz="1800" dirty="0" smtClean="0"/>
+              <a:t>0.86</a:t>
+            </a:r>
+            <a:r>
+              <a:rPr lang="ja-JP" altLang="en-US" sz="1800" dirty="0"/>
+              <a:t>あるため、</a:t>
+            </a:r>
+            <a:r>
+              <a:rPr lang="ja-JP" altLang="en-US" sz="1800" dirty="0" smtClean="0"/>
+              <a:t>第</a:t>
+            </a:r>
+            <a:r>
+              <a:rPr lang="en-US" altLang="ja-JP" sz="1800" dirty="0" smtClean="0"/>
+              <a:t>1</a:t>
+            </a:r>
+            <a:r>
+              <a:rPr lang="ja-JP" altLang="en-US" sz="1800" dirty="0" smtClean="0"/>
+              <a:t>主成分</a:t>
+            </a:r>
+            <a:r>
+              <a:rPr lang="ja-JP" altLang="en-US" sz="1800" dirty="0"/>
+              <a:t>だけ</a:t>
+            </a:r>
+            <a:r>
+              <a:rPr lang="ja-JP" altLang="en-US" sz="1800" dirty="0" smtClean="0"/>
+              <a:t>で、元データ</a:t>
+            </a:r>
+            <a:r>
+              <a:rPr lang="ja-JP" altLang="en-US" sz="1800" dirty="0"/>
+              <a:t>が持つ情報の</a:t>
+            </a:r>
+            <a:r>
+              <a:rPr lang="ja-JP" altLang="en-US" sz="1800" dirty="0" smtClean="0"/>
+              <a:t>約</a:t>
+            </a:r>
+            <a:r>
+              <a:rPr lang="en-US" altLang="ja-JP" sz="1800" dirty="0"/>
+              <a:t>86</a:t>
+            </a:r>
+            <a:r>
+              <a:rPr lang="en-US" altLang="ja-JP" sz="1800" dirty="0" smtClean="0"/>
+              <a:t>%</a:t>
+            </a:r>
+            <a:r>
+              <a:rPr lang="ja-JP" altLang="en-US" sz="1800" dirty="0"/>
+              <a:t>を説明していると</a:t>
+            </a:r>
+            <a:r>
+              <a:rPr lang="ja-JP" altLang="en-US" sz="1800" dirty="0" smtClean="0"/>
+              <a:t>読み取れる。</a:t>
+            </a:r>
+            <a:endParaRPr lang="en-US" altLang="ja-JP" sz="1800" dirty="0" smtClean="0"/>
+          </a:p>
+          <a:p>
+            <a:pPr marL="0" indent="0">
+              <a:buNone/>
+            </a:pPr>
+            <a:r>
+              <a:rPr lang="en-US" altLang="ja-JP" sz="1800" dirty="0" smtClean="0">
+                <a:latin typeface="ＭＳ 明朝" pitchFamily="17" charset="-128"/>
+                <a:ea typeface="ＭＳ 明朝" pitchFamily="17" charset="-128"/>
+              </a:rPr>
+              <a:t/>
+            </a:r>
+            <a:br>
+              <a:rPr lang="en-US" altLang="ja-JP" sz="1800" dirty="0" smtClean="0">
+                <a:latin typeface="ＭＳ 明朝" pitchFamily="17" charset="-128"/>
+                <a:ea typeface="ＭＳ 明朝" pitchFamily="17" charset="-128"/>
+              </a:rPr>
+            </a:br>
+            <a:r>
+              <a:rPr lang="ja-JP" altLang="en-US" sz="1800" dirty="0" smtClean="0">
+                <a:latin typeface="ＭＳ 明朝" pitchFamily="17" charset="-128"/>
+                <a:ea typeface="ＭＳ 明朝" pitchFamily="17" charset="-128"/>
+              </a:rPr>
+              <a:t>■</a:t>
+            </a:r>
+            <a:r>
+              <a:rPr lang="zh-TW" altLang="en-US" sz="1800" dirty="0" smtClean="0">
+                <a:latin typeface="ＭＳ 明朝" pitchFamily="17" charset="-128"/>
+                <a:ea typeface="ＭＳ 明朝" pitchFamily="17" charset="-128"/>
+              </a:rPr>
+              <a:t>累積寄与率</a:t>
+            </a:r>
+            <a:endParaRPr lang="en-US" altLang="zh-TW" sz="1800" dirty="0" smtClean="0">
+              <a:latin typeface="ＭＳ 明朝" pitchFamily="17" charset="-128"/>
+              <a:ea typeface="ＭＳ 明朝" pitchFamily="17" charset="-128"/>
+            </a:endParaRPr>
+          </a:p>
+          <a:p>
+            <a:pPr marL="0" indent="0">
+              <a:buNone/>
+            </a:pPr>
+            <a:r>
+              <a:rPr lang="ja-JP" altLang="en-US" sz="1800" dirty="0"/>
+              <a:t>変数を縮約</a:t>
+            </a:r>
+            <a:r>
+              <a:rPr lang="ja-JP" altLang="en-US" sz="1800" dirty="0" smtClean="0"/>
+              <a:t>し</a:t>
+            </a:r>
+            <a:r>
+              <a:rPr lang="ja-JP" altLang="en-US" sz="1800" dirty="0"/>
+              <a:t>、</a:t>
+            </a:r>
+            <a:r>
+              <a:rPr lang="ja-JP" altLang="en-US" sz="1800" dirty="0" smtClean="0"/>
+              <a:t>少ない</a:t>
+            </a:r>
+            <a:r>
+              <a:rPr lang="ja-JP" altLang="en-US" sz="1800" dirty="0"/>
+              <a:t>数の主成分でデータを見ようとしたとき</a:t>
+            </a:r>
+            <a:r>
+              <a:rPr lang="ja-JP" altLang="en-US" sz="1800" dirty="0" smtClean="0"/>
+              <a:t>に、 </a:t>
+            </a:r>
+            <a:r>
+              <a:rPr lang="ja-JP" altLang="en-US" sz="1800" dirty="0"/>
+              <a:t>元データの情報をほとんど含んでないまま分析を進めることを防ぐため</a:t>
+            </a:r>
+            <a:r>
+              <a:rPr lang="ja-JP" altLang="en-US" sz="1800" dirty="0" smtClean="0"/>
+              <a:t>と、すべて</a:t>
+            </a:r>
+            <a:r>
+              <a:rPr lang="ja-JP" altLang="en-US" sz="1800" dirty="0"/>
+              <a:t>の変数を分析に投入</a:t>
+            </a:r>
+            <a:r>
+              <a:rPr lang="ja-JP" altLang="en-US" sz="1800" dirty="0" smtClean="0"/>
+              <a:t>して、変数</a:t>
+            </a:r>
+            <a:r>
+              <a:rPr lang="ja-JP" altLang="en-US" sz="1800" dirty="0"/>
+              <a:t>を縮約した意味がなくなってしまうことを防ぐための基準で</a:t>
+            </a:r>
+            <a:r>
+              <a:rPr lang="ja-JP" altLang="en-US" sz="1800" dirty="0" smtClean="0"/>
+              <a:t>ある。</a:t>
+            </a:r>
+            <a:endParaRPr kumimoji="1" lang="en-US" altLang="ja-JP" dirty="0" smtClean="0"/>
+          </a:p>
+          <a:p>
+            <a:pPr marL="0" indent="0">
+              <a:buNone/>
+            </a:pPr>
+            <a:endParaRPr kumimoji="1" lang="ja-JP" altLang="en-US" dirty="0"/>
+          </a:p>
+        </p:txBody>
+      </p:sp>
+    </p:spTree>
+    <p:extLst>
+      <p:ext uri="{BB962C8B-B14F-4D97-AF65-F5344CB8AC3E}">
+        <p14:creationId xmlns:p14="http://schemas.microsoft.com/office/powerpoint/2010/main" val="3621607988"/>
+      </p:ext>
+    </p:extLst>
+  </p:cSld>
+  <p:clrMapOvr>
+    <a:masterClrMapping/>
+  </p:clrMapOvr>
+  <p:timing>
+    <p:tnLst>
+      <p:par>
+        <p:cTn id="1" dur="indefinite" restart="never" nodeType="tmRoot"/>
+      </p:par>
+    </p:tnLst>
+  </p:timing>
+</p:sld>
+</file>
+
+<file path=ppt/slides/slide28.xml><?xml version="1.0" encoding="utf-8"?>
+<p:sld xmlns:a="http://schemas.openxmlformats.org/drawingml/2006/main" xmlns:r="http://schemas.openxmlformats.org/officeDocument/2006/relationships" xmlns:p="http://schemas.openxmlformats.org/presentationml/2006/main">
+  <p:cSld>
+    <p:spTree>
+      <p:nvGrpSpPr>
+        <p:cNvPr id="1" name=""/>
+        <p:cNvGrpSpPr/>
+        <p:nvPr/>
+      </p:nvGrpSpPr>
+      <p:grpSpPr>
+        <a:xfrm>
+          <a:off x="0" y="0"/>
+          <a:ext cx="0" cy="0"/>
+          <a:chOff x="0" y="0"/>
+          <a:chExt cx="0" cy="0"/>
+        </a:xfrm>
+      </p:grpSpPr>
+      <p:sp>
+        <p:nvSpPr>
+          <p:cNvPr id="3" name="コンテンツ プレースホルダー 2"/>
+          <p:cNvSpPr>
+            <a:spLocks noGrp="1"/>
+          </p:cNvSpPr>
+          <p:nvPr>
+            <p:ph sz="quarter" idx="1"/>
+          </p:nvPr>
+        </p:nvSpPr>
+        <p:spPr>
+          <a:xfrm>
+            <a:off x="457200" y="476672"/>
+            <a:ext cx="7467600" cy="5997280"/>
+          </a:xfrm>
+        </p:spPr>
+        <p:txBody>
+          <a:bodyPr/>
+          <a:lstStyle/>
+          <a:p>
+            <a:r>
+              <a:rPr kumimoji="1" lang="ja-JP" altLang="en-US" dirty="0" smtClean="0"/>
               <a:t>主成分の解釈</a:t>
             </a:r>
             <a:endParaRPr kumimoji="1" lang="en-US" altLang="ja-JP" dirty="0" smtClean="0"/>
@@ -12982,10 +14214,17 @@
   <p:clrMapOvr>
     <a:masterClrMapping/>
   </p:clrMapOvr>
+  <p:timing>
+    <p:tnLst>
+      <p:par>
+        <p:cTn id="1" dur="indefinite" restart="never" nodeType="tmRoot"/>
+      </p:par>
+    </p:tnLst>
+  </p:timing>
 </p:sld>
 </file>
 
-<file path=ppt/slides/slide27.xml><?xml version="1.0" encoding="utf-8"?>
+<file path=ppt/slides/slide29.xml><?xml version="1.0" encoding="utf-8"?>
 <p:sld xmlns:a="http://schemas.openxmlformats.org/drawingml/2006/main" xmlns:r="http://schemas.openxmlformats.org/officeDocument/2006/relationships" xmlns:p="http://schemas.openxmlformats.org/presentationml/2006/main">
   <p:cSld>
     <p:spTree>
@@ -13136,10 +14375,236 @@
   <p:clrMapOvr>
     <a:masterClrMapping/>
   </p:clrMapOvr>
+  <p:timing>
+    <p:tnLst>
+      <p:par>
+        <p:cTn id="1" dur="indefinite" restart="never" nodeType="tmRoot"/>
+      </p:par>
+    </p:tnLst>
+  </p:timing>
 </p:sld>
 </file>
 
-<file path=ppt/slides/slide28.xml><?xml version="1.0" encoding="utf-8"?>
+<file path=ppt/slides/slide3.xml><?xml version="1.0" encoding="utf-8"?>
+<p:sld xmlns:a="http://schemas.openxmlformats.org/drawingml/2006/main" xmlns:r="http://schemas.openxmlformats.org/officeDocument/2006/relationships" xmlns:p="http://schemas.openxmlformats.org/presentationml/2006/main">
+  <p:cSld>
+    <p:spTree>
+      <p:nvGrpSpPr>
+        <p:cNvPr id="1" name=""/>
+        <p:cNvGrpSpPr/>
+        <p:nvPr/>
+      </p:nvGrpSpPr>
+      <p:grpSpPr>
+        <a:xfrm>
+          <a:off x="0" y="0"/>
+          <a:ext cx="0" cy="0"/>
+          <a:chOff x="0" y="0"/>
+          <a:chExt cx="0" cy="0"/>
+        </a:xfrm>
+      </p:grpSpPr>
+      <p:sp>
+        <p:nvSpPr>
+          <p:cNvPr id="2" name="タイトル 1"/>
+          <p:cNvSpPr>
+            <a:spLocks noGrp="1"/>
+          </p:cNvSpPr>
+          <p:nvPr>
+            <p:ph type="title"/>
+          </p:nvPr>
+        </p:nvSpPr>
+        <p:spPr/>
+        <p:txBody>
+          <a:bodyPr/>
+          <a:lstStyle/>
+          <a:p>
+            <a:r>
+              <a:rPr kumimoji="1" lang="ja-JP" altLang="en-US" dirty="0" smtClean="0"/>
+              <a:t>自己紹介／資料場所</a:t>
+            </a:r>
+            <a:endParaRPr kumimoji="1" lang="ja-JP" altLang="en-US" dirty="0"/>
+          </a:p>
+        </p:txBody>
+      </p:sp>
+      <p:sp>
+        <p:nvSpPr>
+          <p:cNvPr id="3" name="コンテンツ プレースホルダー 2"/>
+          <p:cNvSpPr>
+            <a:spLocks noGrp="1"/>
+          </p:cNvSpPr>
+          <p:nvPr>
+            <p:ph sz="quarter" idx="1"/>
+          </p:nvPr>
+        </p:nvSpPr>
+        <p:spPr/>
+        <p:txBody>
+          <a:bodyPr>
+            <a:normAutofit/>
+          </a:bodyPr>
+          <a:lstStyle/>
+          <a:p>
+            <a:r>
+              <a:rPr lang="ja-JP" altLang="en-US" dirty="0" smtClean="0"/>
+              <a:t>やじゅ</a:t>
+            </a:r>
+            <a:r>
+              <a:rPr lang="ja-JP" altLang="en-US" dirty="0"/>
+              <a:t>＠静岡・・・漢字名は「八寿」 </a:t>
+            </a:r>
+          </a:p>
+          <a:p>
+            <a:pPr marL="0" indent="0">
+              <a:buNone/>
+            </a:pPr>
+            <a:r>
+              <a:rPr lang="ja-JP" altLang="en-US" dirty="0" smtClean="0"/>
+              <a:t>アラフォーエンジニア、元ＭＳＭＶＰ</a:t>
+            </a:r>
+            <a:endParaRPr lang="en-US" altLang="ja-JP" dirty="0" smtClean="0"/>
+          </a:p>
+          <a:p>
+            <a:pPr marL="0" indent="0">
+              <a:buNone/>
+            </a:pPr>
+            <a:r>
+              <a:rPr lang="ja-JP" altLang="en-US" dirty="0" smtClean="0"/>
+              <a:t>ＳＬ</a:t>
+            </a:r>
+            <a:r>
+              <a:rPr lang="en-US" altLang="ja-JP" dirty="0"/>
+              <a:t>(</a:t>
+            </a:r>
+            <a:r>
+              <a:rPr lang="ja-JP" altLang="en-US" dirty="0"/>
+              <a:t>大井川鉄道</a:t>
+            </a:r>
+            <a:r>
+              <a:rPr lang="en-US" altLang="ja-JP" dirty="0"/>
+              <a:t>)</a:t>
+            </a:r>
+            <a:r>
+              <a:rPr lang="ja-JP" altLang="en-US" dirty="0"/>
+              <a:t>が走っている所に在住。 </a:t>
+            </a:r>
+            <a:endParaRPr lang="en-US" altLang="ja-JP" dirty="0" smtClean="0"/>
+          </a:p>
+          <a:p>
+            <a:pPr marL="0" indent="0">
+              <a:buNone/>
+            </a:pPr>
+            <a:endParaRPr lang="ja-JP" altLang="en-US" dirty="0"/>
+          </a:p>
+          <a:p>
+            <a:pPr marL="0" indent="0">
+              <a:buNone/>
+            </a:pPr>
+            <a:r>
+              <a:rPr lang="en-US" altLang="ja-JP" dirty="0" smtClean="0"/>
+              <a:t>Twitter</a:t>
+            </a:r>
+            <a:r>
+              <a:rPr lang="ja-JP" altLang="en-US" dirty="0"/>
+              <a:t>：</a:t>
+            </a:r>
+            <a:r>
+              <a:rPr lang="en-US" altLang="ja-JP" dirty="0" err="1"/>
+              <a:t>yaju</a:t>
+            </a:r>
+            <a:r>
+              <a:rPr lang="en-US" altLang="ja-JP" dirty="0"/>
+              <a:t> </a:t>
+            </a:r>
+          </a:p>
+          <a:p>
+            <a:pPr marL="0" indent="0">
+              <a:buNone/>
+            </a:pPr>
+            <a:r>
+              <a:rPr lang="en-US" altLang="ja-JP" dirty="0"/>
+              <a:t>http://blogs.wankuma.com/yaju/ </a:t>
+            </a:r>
+          </a:p>
+          <a:p>
+            <a:pPr marL="0" indent="0">
+              <a:buNone/>
+            </a:pPr>
+            <a:r>
+              <a:rPr lang="en-US" altLang="ja-JP" dirty="0">
+                <a:hlinkClick r:id="rId2"/>
+              </a:rPr>
+              <a:t>http://yaju3d.hatenablog.jp</a:t>
+            </a:r>
+            <a:r>
+              <a:rPr lang="en-US" altLang="ja-JP" dirty="0" smtClean="0">
+                <a:hlinkClick r:id="rId2"/>
+              </a:rPr>
+              <a:t>/</a:t>
+            </a:r>
+            <a:endParaRPr lang="en-US" altLang="ja-JP" dirty="0" smtClean="0"/>
+          </a:p>
+          <a:p>
+            <a:pPr marL="0" indent="0">
+              <a:buNone/>
+            </a:pPr>
+            <a:endParaRPr lang="en-US" altLang="ja-JP" dirty="0"/>
+          </a:p>
+          <a:p>
+            <a:r>
+              <a:rPr lang="ja-JP" altLang="en-US" dirty="0"/>
+              <a:t>資料</a:t>
+            </a:r>
+            <a:r>
+              <a:rPr lang="ja-JP" altLang="en-US" dirty="0" smtClean="0"/>
+              <a:t>場所</a:t>
+            </a:r>
+            <a:endParaRPr lang="en-US" altLang="ja-JP" dirty="0" smtClean="0"/>
+          </a:p>
+          <a:p>
+            <a:pPr marL="0" indent="0">
+              <a:buNone/>
+            </a:pPr>
+            <a:r>
+              <a:rPr lang="en-US" altLang="ja-JP" dirty="0" smtClean="0">
+                <a:hlinkClick r:id="rId3"/>
+              </a:rPr>
+              <a:t>https</a:t>
+            </a:r>
+            <a:r>
+              <a:rPr lang="en-US" altLang="ja-JP" dirty="0">
+                <a:hlinkClick r:id="rId3"/>
+              </a:rPr>
+              <a:t>://</a:t>
+            </a:r>
+            <a:r>
+              <a:rPr lang="en-US" altLang="ja-JP" dirty="0" smtClean="0">
+                <a:hlinkClick r:id="rId3"/>
+              </a:rPr>
+              <a:t>github.com/yaju/ShizuDev_R</a:t>
+            </a:r>
+            <a:endParaRPr kumimoji="1" lang="ja-JP" altLang="en-US" dirty="0"/>
+          </a:p>
+        </p:txBody>
+      </p:sp>
+    </p:spTree>
+    <p:extLst>
+      <p:ext uri="{BB962C8B-B14F-4D97-AF65-F5344CB8AC3E}">
+        <p14:creationId xmlns:p14="http://schemas.microsoft.com/office/powerpoint/2010/main" val="597165314"/>
+      </p:ext>
+    </p:extLst>
+  </p:cSld>
+  <p:clrMapOvr>
+    <a:masterClrMapping/>
+  </p:clrMapOvr>
+  <p:timing>
+    <p:tnLst>
+      <p:par>
+        <p:cTn id="1" dur="indefinite" restart="never" nodeType="tmRoot"/>
+      </p:par>
+    </p:tnLst>
+  </p:timing>
+</p:sld>
+</file>
+
+<file path=ppt/slides/slide30.xml><?xml version="1.0" encoding="utf-8"?>
 <p:sld xmlns:a="http://schemas.openxmlformats.org/drawingml/2006/main" xmlns:r="http://schemas.openxmlformats.org/officeDocument/2006/relationships" xmlns:p="http://schemas.openxmlformats.org/presentationml/2006/main">
   <p:cSld>
     <p:spTree>
@@ -13970,10 +15435,17 @@
   <p:clrMapOvr>
     <a:masterClrMapping/>
   </p:clrMapOvr>
+  <p:timing>
+    <p:tnLst>
+      <p:par>
+        <p:cTn id="1" dur="indefinite" restart="never" nodeType="tmRoot"/>
+      </p:par>
+    </p:tnLst>
+  </p:timing>
 </p:sld>
 </file>
 
-<file path=ppt/slides/slide29.xml><?xml version="1.0" encoding="utf-8"?>
+<file path=ppt/slides/slide31.xml><?xml version="1.0" encoding="utf-8"?>
 <p:sld xmlns:a="http://schemas.openxmlformats.org/drawingml/2006/main" xmlns:r="http://schemas.openxmlformats.org/officeDocument/2006/relationships" xmlns:p="http://schemas.openxmlformats.org/presentationml/2006/main">
   <p:cSld>
     <p:spTree>
@@ -14515,146 +15987,17 @@
   <p:clrMapOvr>
     <a:masterClrMapping/>
   </p:clrMapOvr>
+  <p:timing>
+    <p:tnLst>
+      <p:par>
+        <p:cTn id="1" dur="indefinite" restart="never" nodeType="tmRoot"/>
+      </p:par>
+    </p:tnLst>
+  </p:timing>
 </p:sld>
 </file>
 
-<file path=ppt/slides/slide3.xml><?xml version="1.0" encoding="utf-8"?>
-<p:sld xmlns:a="http://schemas.openxmlformats.org/drawingml/2006/main" xmlns:r="http://schemas.openxmlformats.org/officeDocument/2006/relationships" xmlns:p="http://schemas.openxmlformats.org/presentationml/2006/main">
-  <p:cSld>
-    <p:spTree>
-      <p:nvGrpSpPr>
-        <p:cNvPr id="1" name=""/>
-        <p:cNvGrpSpPr/>
-        <p:nvPr/>
-      </p:nvGrpSpPr>
-      <p:grpSpPr>
-        <a:xfrm>
-          <a:off x="0" y="0"/>
-          <a:ext cx="0" cy="0"/>
-          <a:chOff x="0" y="0"/>
-          <a:chExt cx="0" cy="0"/>
-        </a:xfrm>
-      </p:grpSpPr>
-      <p:sp>
-        <p:nvSpPr>
-          <p:cNvPr id="2" name="タイトル 1"/>
-          <p:cNvSpPr>
-            <a:spLocks noGrp="1"/>
-          </p:cNvSpPr>
-          <p:nvPr>
-            <p:ph type="title"/>
-          </p:nvPr>
-        </p:nvSpPr>
-        <p:spPr/>
-        <p:txBody>
-          <a:bodyPr/>
-          <a:lstStyle/>
-          <a:p>
-            <a:r>
-              <a:rPr kumimoji="1" lang="ja-JP" altLang="en-US" dirty="0" smtClean="0"/>
-              <a:t>アジェンダ</a:t>
-            </a:r>
-            <a:endParaRPr kumimoji="1" lang="ja-JP" altLang="en-US" dirty="0"/>
-          </a:p>
-        </p:txBody>
-      </p:sp>
-      <p:sp>
-        <p:nvSpPr>
-          <p:cNvPr id="3" name="コンテンツ プレースホルダー 2"/>
-          <p:cNvSpPr>
-            <a:spLocks noGrp="1"/>
-          </p:cNvSpPr>
-          <p:nvPr>
-            <p:ph sz="quarter" idx="1"/>
-          </p:nvPr>
-        </p:nvSpPr>
-        <p:spPr/>
-        <p:txBody>
-          <a:bodyPr/>
-          <a:lstStyle/>
-          <a:p>
-            <a:r>
-              <a:rPr lang="ja-JP" altLang="en-US" dirty="0"/>
-              <a:t>株の基本</a:t>
-            </a:r>
-            <a:r>
-              <a:rPr lang="ja-JP" altLang="en-US" dirty="0" smtClean="0"/>
-              <a:t>知識</a:t>
-            </a:r>
-            <a:endParaRPr lang="en-US" altLang="ja-JP" dirty="0" smtClean="0"/>
-          </a:p>
-          <a:p>
-            <a:endParaRPr lang="ja-JP" altLang="en-US" dirty="0"/>
-          </a:p>
-          <a:p>
-            <a:r>
-              <a:rPr lang="ja-JP" altLang="en-US" dirty="0"/>
-              <a:t>株価を取得して</a:t>
-            </a:r>
-            <a:r>
-              <a:rPr lang="ja-JP" altLang="en-US" dirty="0" smtClean="0"/>
-              <a:t>みよう</a:t>
-            </a:r>
-            <a:endParaRPr lang="en-US" altLang="ja-JP" dirty="0" smtClean="0"/>
-          </a:p>
-          <a:p>
-            <a:endParaRPr lang="ja-JP" altLang="en-US" dirty="0"/>
-          </a:p>
-          <a:p>
-            <a:r>
-              <a:rPr lang="ja-JP" altLang="en-US" dirty="0"/>
-              <a:t>相関</a:t>
-            </a:r>
-            <a:r>
-              <a:rPr lang="ja-JP" altLang="en-US" dirty="0" smtClean="0"/>
-              <a:t>係数について</a:t>
-            </a:r>
-            <a:endParaRPr lang="en-US" altLang="ja-JP" dirty="0" smtClean="0"/>
-          </a:p>
-          <a:p>
-            <a:endParaRPr lang="ja-JP" altLang="en-US" dirty="0"/>
-          </a:p>
-          <a:p>
-            <a:r>
-              <a:rPr kumimoji="1" lang="ja-JP" altLang="en-US" dirty="0" smtClean="0"/>
-              <a:t>主成分分析</a:t>
-            </a:r>
-            <a:r>
-              <a:rPr kumimoji="1" lang="en-US" altLang="ja-JP" dirty="0" smtClean="0"/>
-              <a:t>(PCA)</a:t>
-            </a:r>
-            <a:r>
-              <a:rPr kumimoji="1" lang="ja-JP" altLang="en-US" dirty="0" smtClean="0"/>
-              <a:t>について</a:t>
-            </a:r>
-            <a:endParaRPr kumimoji="1" lang="en-US" altLang="ja-JP" dirty="0" smtClean="0"/>
-          </a:p>
-          <a:p>
-            <a:endParaRPr lang="en-US" altLang="ja-JP" dirty="0"/>
-          </a:p>
-          <a:p>
-            <a:r>
-              <a:rPr kumimoji="1" lang="ja-JP" altLang="en-US" dirty="0" smtClean="0"/>
-              <a:t>その他</a:t>
-            </a:r>
-            <a:endParaRPr kumimoji="1" lang="ja-JP" altLang="en-US" dirty="0"/>
-          </a:p>
-        </p:txBody>
-      </p:sp>
-    </p:spTree>
-    <p:extLst>
-      <p:ext uri="{BB962C8B-B14F-4D97-AF65-F5344CB8AC3E}">
-        <p14:creationId xmlns:p14="http://schemas.microsoft.com/office/powerpoint/2010/main" val="2189895060"/>
-      </p:ext>
-    </p:extLst>
-  </p:cSld>
-  <p:clrMapOvr>
-    <a:masterClrMapping/>
-  </p:clrMapOvr>
-</p:sld>
-</file>
-
-<file path=ppt/slides/slide30.xml><?xml version="1.0" encoding="utf-8"?>
+<file path=ppt/slides/slide32.xml><?xml version="1.0" encoding="utf-8"?>
 <p:sld xmlns:a="http://schemas.openxmlformats.org/drawingml/2006/main" xmlns:r="http://schemas.openxmlformats.org/officeDocument/2006/relationships" xmlns:p="http://schemas.openxmlformats.org/presentationml/2006/main">
   <p:cSld>
     <p:spTree>
@@ -14935,10 +16278,17 @@
   <p:clrMapOvr>
     <a:masterClrMapping/>
   </p:clrMapOvr>
+  <p:timing>
+    <p:tnLst>
+      <p:par>
+        <p:cTn id="1" dur="indefinite" restart="never" nodeType="tmRoot"/>
+      </p:par>
+    </p:tnLst>
+  </p:timing>
 </p:sld>
 </file>
 
-<file path=ppt/slides/slide31.xml><?xml version="1.0" encoding="utf-8"?>
+<file path=ppt/slides/slide33.xml><?xml version="1.0" encoding="utf-8"?>
 <p:sld xmlns:a="http://schemas.openxmlformats.org/drawingml/2006/main" xmlns:r="http://schemas.openxmlformats.org/officeDocument/2006/relationships" xmlns:p="http://schemas.openxmlformats.org/presentationml/2006/main">
   <p:cSld>
     <p:spTree>
@@ -15283,10 +16633,17 @@
   <p:clrMapOvr>
     <a:masterClrMapping/>
   </p:clrMapOvr>
+  <p:timing>
+    <p:tnLst>
+      <p:par>
+        <p:cTn id="1" dur="indefinite" restart="never" nodeType="tmRoot"/>
+      </p:par>
+    </p:tnLst>
+  </p:timing>
 </p:sld>
 </file>
 
-<file path=ppt/slides/slide32.xml><?xml version="1.0" encoding="utf-8"?>
+<file path=ppt/slides/slide34.xml><?xml version="1.0" encoding="utf-8"?>
 <p:sld xmlns:a="http://schemas.openxmlformats.org/drawingml/2006/main" xmlns:r="http://schemas.openxmlformats.org/officeDocument/2006/relationships" xmlns:p="http://schemas.openxmlformats.org/presentationml/2006/main">
   <p:cSld>
     <p:spTree>
@@ -15346,10 +16703,472 @@
   <p:clrMapOvr>
     <a:masterClrMapping/>
   </p:clrMapOvr>
+  <p:timing>
+    <p:tnLst>
+      <p:par>
+        <p:cTn id="1" dur="indefinite" restart="never" nodeType="tmRoot"/>
+      </p:par>
+    </p:tnLst>
+  </p:timing>
 </p:sld>
 </file>
 
 <file path=ppt/slides/slide4.xml><?xml version="1.0" encoding="utf-8"?>
+<p:sld xmlns:a="http://schemas.openxmlformats.org/drawingml/2006/main" xmlns:r="http://schemas.openxmlformats.org/officeDocument/2006/relationships" xmlns:p="http://schemas.openxmlformats.org/presentationml/2006/main">
+  <p:cSld>
+    <p:spTree>
+      <p:nvGrpSpPr>
+        <p:cNvPr id="1" name=""/>
+        <p:cNvGrpSpPr/>
+        <p:nvPr/>
+      </p:nvGrpSpPr>
+      <p:grpSpPr>
+        <a:xfrm>
+          <a:off x="0" y="0"/>
+          <a:ext cx="0" cy="0"/>
+          <a:chOff x="0" y="0"/>
+          <a:chExt cx="0" cy="0"/>
+        </a:xfrm>
+      </p:grpSpPr>
+      <p:sp>
+        <p:nvSpPr>
+          <p:cNvPr id="2" name="タイトル 1"/>
+          <p:cNvSpPr>
+            <a:spLocks noGrp="1"/>
+          </p:cNvSpPr>
+          <p:nvPr>
+            <p:ph type="title"/>
+          </p:nvPr>
+        </p:nvSpPr>
+        <p:spPr/>
+        <p:txBody>
+          <a:bodyPr/>
+          <a:lstStyle/>
+          <a:p>
+            <a:r>
+              <a:rPr kumimoji="1" lang="ja-JP" altLang="en-US" dirty="0" smtClean="0"/>
+              <a:t>Ｒ</a:t>
+            </a:r>
+            <a:r>
+              <a:rPr lang="ja-JP" altLang="en-US" dirty="0" smtClean="0"/>
+              <a:t>言語について</a:t>
+            </a:r>
+            <a:endParaRPr kumimoji="1" lang="ja-JP" altLang="en-US" dirty="0"/>
+          </a:p>
+        </p:txBody>
+      </p:sp>
+      <p:sp>
+        <p:nvSpPr>
+          <p:cNvPr id="3" name="コンテンツ プレースホルダー 2"/>
+          <p:cNvSpPr>
+            <a:spLocks noGrp="1"/>
+          </p:cNvSpPr>
+          <p:nvPr>
+            <p:ph sz="quarter" idx="1"/>
+          </p:nvPr>
+        </p:nvSpPr>
+        <p:spPr/>
+        <p:txBody>
+          <a:bodyPr>
+            <a:normAutofit fontScale="85000" lnSpcReduction="20000"/>
+          </a:bodyPr>
+          <a:lstStyle/>
+          <a:p>
+            <a:r>
+              <a:rPr lang="ja-JP" altLang="en-US" dirty="0" smtClean="0"/>
+              <a:t>Ｒ言語って何？</a:t>
+            </a:r>
+            <a:endParaRPr lang="en-US" altLang="ja-JP" dirty="0" smtClean="0"/>
+          </a:p>
+          <a:p>
+            <a:pPr marL="0" indent="0">
+              <a:buNone/>
+            </a:pPr>
+            <a:r>
+              <a:rPr lang="ja-JP" altLang="en-US" dirty="0"/>
+              <a:t>誰でも無料で、自由に利用できるデータ分析のための言語です</a:t>
+            </a:r>
+            <a:r>
+              <a:rPr lang="ja-JP" altLang="en-US" dirty="0" smtClean="0"/>
+              <a:t>。</a:t>
+            </a:r>
+            <a:r>
+              <a:rPr lang="en-US" altLang="ja-JP" dirty="0" smtClean="0"/>
+              <a:t/>
+            </a:r>
+            <a:br>
+              <a:rPr lang="en-US" altLang="ja-JP" dirty="0" smtClean="0"/>
+            </a:br>
+            <a:r>
+              <a:rPr lang="ja-JP" altLang="en-US" dirty="0"/>
+              <a:t>どんなＯＳ（</a:t>
+            </a:r>
+            <a:r>
+              <a:rPr lang="en-US" altLang="ja-JP" dirty="0"/>
+              <a:t>Windows, Macintosh, Linux</a:t>
+            </a:r>
+            <a:r>
+              <a:rPr lang="ja-JP" altLang="en-US" dirty="0"/>
+              <a:t>）でも動作します。</a:t>
+            </a:r>
+          </a:p>
+          <a:p>
+            <a:pPr marL="0" indent="0">
+              <a:buNone/>
+            </a:pPr>
+            <a:r>
+              <a:rPr lang="ja-JP" altLang="en-US" dirty="0" smtClean="0"/>
+              <a:t>利用</a:t>
+            </a:r>
+            <a:r>
+              <a:rPr lang="ja-JP" altLang="en-US" dirty="0"/>
+              <a:t>可能な分析手法や</a:t>
+            </a:r>
+            <a:r>
+              <a:rPr lang="ja-JP" altLang="en-US" dirty="0" smtClean="0"/>
+              <a:t>ツールを、</a:t>
+            </a:r>
+            <a:r>
+              <a:rPr lang="ja-JP" altLang="en-US" dirty="0"/>
+              <a:t>世界中のユーザーが開発</a:t>
+            </a:r>
+            <a:r>
+              <a:rPr lang="ja-JP" altLang="en-US" dirty="0" smtClean="0"/>
+              <a:t>し公開</a:t>
+            </a:r>
+            <a:r>
+              <a:rPr lang="ja-JP" altLang="en-US" dirty="0"/>
+              <a:t>している</a:t>
+            </a:r>
+            <a:r>
+              <a:rPr lang="ja-JP" altLang="en-US" dirty="0" smtClean="0"/>
+              <a:t>ため、極めて</a:t>
+            </a:r>
+            <a:r>
+              <a:rPr lang="ja-JP" altLang="en-US" dirty="0"/>
+              <a:t>豊富です</a:t>
+            </a:r>
+            <a:r>
+              <a:rPr lang="ja-JP" altLang="en-US" dirty="0" smtClean="0"/>
+              <a:t>。</a:t>
+            </a:r>
+            <a:endParaRPr lang="en-US" altLang="ja-JP" dirty="0" smtClean="0"/>
+          </a:p>
+          <a:p>
+            <a:pPr marL="0" indent="0">
+              <a:buNone/>
+            </a:pPr>
+            <a:endParaRPr lang="ja-JP" altLang="en-US" dirty="0"/>
+          </a:p>
+          <a:p>
+            <a:pPr marL="0" indent="0">
+              <a:buNone/>
+            </a:pPr>
+            <a:r>
+              <a:rPr lang="ja-JP" altLang="en-US" dirty="0" smtClean="0"/>
+              <a:t>ダウンロード（</a:t>
+            </a:r>
+            <a:r>
+              <a:rPr lang="en-US" altLang="ja-JP" dirty="0" smtClean="0"/>
+              <a:t>Windows</a:t>
+            </a:r>
+            <a:r>
+              <a:rPr lang="ja-JP" altLang="en-US" dirty="0" smtClean="0"/>
+              <a:t>版）は</a:t>
+            </a:r>
+            <a:r>
+              <a:rPr lang="ja-JP" altLang="en-US" dirty="0"/>
+              <a:t>こちらから </a:t>
+            </a:r>
+            <a:r>
+              <a:rPr lang="en-US" altLang="ja-JP" dirty="0" smtClean="0">
+                <a:hlinkClick r:id="rId2"/>
+              </a:rPr>
+              <a:t>http://cran.md.tsukuba.ac.jp/bin/windows/base/</a:t>
+            </a:r>
+            <a:r>
+              <a:rPr lang="en-US" altLang="ja-JP" dirty="0"/>
+              <a:t/>
+            </a:r>
+            <a:br>
+              <a:rPr lang="en-US" altLang="ja-JP" dirty="0"/>
+            </a:br>
+            <a:endParaRPr lang="ja-JP" altLang="en-US" dirty="0"/>
+          </a:p>
+          <a:p>
+            <a:r>
+              <a:rPr lang="ja-JP" altLang="en-US" dirty="0" smtClean="0"/>
+              <a:t>Ｒ </a:t>
+            </a:r>
+            <a:r>
+              <a:rPr lang="en-US" altLang="ja-JP" dirty="0" smtClean="0"/>
+              <a:t>Studio</a:t>
+            </a:r>
+            <a:r>
+              <a:rPr lang="ja-JP" altLang="en-US" dirty="0" err="1" smtClean="0"/>
+              <a:t>って</a:t>
+            </a:r>
+            <a:r>
+              <a:rPr lang="ja-JP" altLang="en-US" dirty="0" smtClean="0"/>
+              <a:t>何？</a:t>
+            </a:r>
+            <a:endParaRPr lang="en-US" altLang="ja-JP" dirty="0" smtClean="0"/>
+          </a:p>
+          <a:p>
+            <a:pPr marL="0" indent="0">
+              <a:buNone/>
+            </a:pPr>
+            <a:r>
+              <a:rPr lang="ja-JP" altLang="en-US" dirty="0"/>
+              <a:t>統計ソフト</a:t>
+            </a:r>
+            <a:r>
+              <a:rPr lang="en-US" altLang="ja-JP" dirty="0"/>
+              <a:t>R</a:t>
+            </a:r>
+            <a:r>
+              <a:rPr lang="ja-JP" altLang="en-US" dirty="0"/>
+              <a:t>用の統合開発環境</a:t>
+            </a:r>
+            <a:r>
+              <a:rPr lang="en-US" altLang="ja-JP" dirty="0"/>
+              <a:t>(IDE) </a:t>
+            </a:r>
+            <a:r>
+              <a:rPr lang="ja-JP" altLang="en-US" dirty="0"/>
+              <a:t>です。</a:t>
+            </a:r>
+            <a:endParaRPr lang="en-US" altLang="ja-JP" dirty="0"/>
+          </a:p>
+          <a:p>
+            <a:pPr marL="0" indent="0">
+              <a:buNone/>
+            </a:pPr>
+            <a:r>
+              <a:rPr lang="en-US" altLang="ja-JP" dirty="0"/>
+              <a:t>R</a:t>
+            </a:r>
+            <a:r>
+              <a:rPr lang="ja-JP" altLang="en-US" dirty="0"/>
+              <a:t>をもっと 便利に使うためのフリーソフト</a:t>
+            </a:r>
+            <a:endParaRPr lang="en-US" altLang="ja-JP" dirty="0"/>
+          </a:p>
+          <a:p>
+            <a:endParaRPr lang="en-US" altLang="ja-JP" dirty="0" smtClean="0"/>
+          </a:p>
+          <a:p>
+            <a:r>
+              <a:rPr lang="ja-JP" altLang="en-US" dirty="0" smtClean="0"/>
+              <a:t>Ｒ </a:t>
+            </a:r>
+            <a:r>
+              <a:rPr lang="en-US" altLang="ja-JP" dirty="0" smtClean="0"/>
+              <a:t>Studio</a:t>
+            </a:r>
+            <a:r>
+              <a:rPr lang="ja-JP" altLang="en-US" dirty="0" smtClean="0"/>
+              <a:t>のインストール</a:t>
+            </a:r>
+            <a:endParaRPr lang="en-US" altLang="ja-JP" dirty="0" smtClean="0"/>
+          </a:p>
+          <a:p>
+            <a:pPr marL="0" indent="0">
+              <a:buNone/>
+            </a:pPr>
+            <a:r>
+              <a:rPr lang="ja-JP" altLang="en-US" dirty="0" smtClean="0"/>
+              <a:t>ダウンロードは</a:t>
+            </a:r>
+            <a:r>
+              <a:rPr lang="ja-JP" altLang="en-US" dirty="0"/>
+              <a:t>こちらから </a:t>
+            </a:r>
+            <a:r>
+              <a:rPr lang="en-US" altLang="ja-JP" dirty="0" smtClean="0">
+                <a:hlinkClick r:id="rId3"/>
+              </a:rPr>
+              <a:t>http://www.rstudio.com/ide/</a:t>
+            </a:r>
+            <a:r>
+              <a:rPr lang="en-US" altLang="ja-JP" dirty="0" smtClean="0"/>
+              <a:t/>
+            </a:r>
+            <a:br>
+              <a:rPr lang="en-US" altLang="ja-JP" dirty="0" smtClean="0"/>
+            </a:br>
+            <a:r>
+              <a:rPr lang="ja-JP" altLang="en-US" dirty="0" smtClean="0"/>
+              <a:t>使い方は、Ｇｏｏｇｌｅ先生に尋ねてください。</a:t>
+            </a:r>
+            <a:endParaRPr kumimoji="1" lang="ja-JP" altLang="en-US" dirty="0"/>
+          </a:p>
+        </p:txBody>
+      </p:sp>
+    </p:spTree>
+    <p:extLst>
+      <p:ext uri="{BB962C8B-B14F-4D97-AF65-F5344CB8AC3E}">
+        <p14:creationId xmlns:p14="http://schemas.microsoft.com/office/powerpoint/2010/main" val="1866466430"/>
+      </p:ext>
+    </p:extLst>
+  </p:cSld>
+  <p:clrMapOvr>
+    <a:masterClrMapping/>
+  </p:clrMapOvr>
+  <p:timing>
+    <p:tnLst>
+      <p:par>
+        <p:cTn id="1" dur="indefinite" restart="never" nodeType="tmRoot"/>
+      </p:par>
+    </p:tnLst>
+  </p:timing>
+</p:sld>
+</file>
+
+<file path=ppt/slides/slide5.xml><?xml version="1.0" encoding="utf-8"?>
+<p:sld xmlns:a="http://schemas.openxmlformats.org/drawingml/2006/main" xmlns:r="http://schemas.openxmlformats.org/officeDocument/2006/relationships" xmlns:p="http://schemas.openxmlformats.org/presentationml/2006/main">
+  <p:cSld>
+    <p:spTree>
+      <p:nvGrpSpPr>
+        <p:cNvPr id="1" name=""/>
+        <p:cNvGrpSpPr/>
+        <p:nvPr/>
+      </p:nvGrpSpPr>
+      <p:grpSpPr>
+        <a:xfrm>
+          <a:off x="0" y="0"/>
+          <a:ext cx="0" cy="0"/>
+          <a:chOff x="0" y="0"/>
+          <a:chExt cx="0" cy="0"/>
+        </a:xfrm>
+      </p:grpSpPr>
+      <p:sp>
+        <p:nvSpPr>
+          <p:cNvPr id="2" name="タイトル 1"/>
+          <p:cNvSpPr>
+            <a:spLocks noGrp="1"/>
+          </p:cNvSpPr>
+          <p:nvPr>
+            <p:ph type="title"/>
+          </p:nvPr>
+        </p:nvSpPr>
+        <p:spPr/>
+        <p:txBody>
+          <a:bodyPr/>
+          <a:lstStyle/>
+          <a:p>
+            <a:r>
+              <a:rPr kumimoji="1" lang="ja-JP" altLang="en-US" dirty="0" smtClean="0"/>
+              <a:t>アジェンダ</a:t>
+            </a:r>
+            <a:endParaRPr kumimoji="1" lang="ja-JP" altLang="en-US" dirty="0"/>
+          </a:p>
+        </p:txBody>
+      </p:sp>
+      <p:sp>
+        <p:nvSpPr>
+          <p:cNvPr id="3" name="コンテンツ プレースホルダー 2"/>
+          <p:cNvSpPr>
+            <a:spLocks noGrp="1"/>
+          </p:cNvSpPr>
+          <p:nvPr>
+            <p:ph sz="quarter" idx="1"/>
+          </p:nvPr>
+        </p:nvSpPr>
+        <p:spPr/>
+        <p:txBody>
+          <a:bodyPr/>
+          <a:lstStyle/>
+          <a:p>
+            <a:r>
+              <a:rPr lang="ja-JP" altLang="en-US" dirty="0"/>
+              <a:t>株の基本</a:t>
+            </a:r>
+            <a:r>
+              <a:rPr lang="ja-JP" altLang="en-US" dirty="0" smtClean="0"/>
+              <a:t>知識</a:t>
+            </a:r>
+            <a:endParaRPr lang="en-US" altLang="ja-JP" dirty="0" smtClean="0"/>
+          </a:p>
+          <a:p>
+            <a:endParaRPr lang="ja-JP" altLang="en-US" dirty="0"/>
+          </a:p>
+          <a:p>
+            <a:r>
+              <a:rPr lang="ja-JP" altLang="en-US" dirty="0"/>
+              <a:t>株価を取得して</a:t>
+            </a:r>
+            <a:r>
+              <a:rPr lang="ja-JP" altLang="en-US" dirty="0" smtClean="0"/>
+              <a:t>みよう</a:t>
+            </a:r>
+            <a:endParaRPr lang="en-US" altLang="ja-JP" dirty="0" smtClean="0"/>
+          </a:p>
+          <a:p>
+            <a:endParaRPr lang="ja-JP" altLang="en-US" dirty="0"/>
+          </a:p>
+          <a:p>
+            <a:r>
+              <a:rPr lang="ja-JP" altLang="en-US" dirty="0"/>
+              <a:t>相関</a:t>
+            </a:r>
+            <a:r>
+              <a:rPr lang="ja-JP" altLang="en-US" dirty="0" smtClean="0"/>
+              <a:t>係数について</a:t>
+            </a:r>
+            <a:endParaRPr lang="en-US" altLang="ja-JP" dirty="0" smtClean="0"/>
+          </a:p>
+          <a:p>
+            <a:endParaRPr lang="ja-JP" altLang="en-US" dirty="0"/>
+          </a:p>
+          <a:p>
+            <a:r>
+              <a:rPr kumimoji="1" lang="ja-JP" altLang="en-US" dirty="0" smtClean="0"/>
+              <a:t>主成分分析</a:t>
+            </a:r>
+            <a:r>
+              <a:rPr kumimoji="1" lang="en-US" altLang="ja-JP" dirty="0" smtClean="0"/>
+              <a:t>(PCA)</a:t>
+            </a:r>
+            <a:r>
+              <a:rPr kumimoji="1" lang="ja-JP" altLang="en-US" dirty="0" smtClean="0"/>
+              <a:t>について</a:t>
+            </a:r>
+            <a:endParaRPr kumimoji="1" lang="en-US" altLang="ja-JP" dirty="0" smtClean="0"/>
+          </a:p>
+          <a:p>
+            <a:endParaRPr lang="en-US" altLang="ja-JP" dirty="0"/>
+          </a:p>
+          <a:p>
+            <a:r>
+              <a:rPr kumimoji="1" lang="ja-JP" altLang="en-US" dirty="0" smtClean="0"/>
+              <a:t>その他</a:t>
+            </a:r>
+            <a:endParaRPr kumimoji="1" lang="ja-JP" altLang="en-US" dirty="0"/>
+          </a:p>
+        </p:txBody>
+      </p:sp>
+    </p:spTree>
+    <p:extLst>
+      <p:ext uri="{BB962C8B-B14F-4D97-AF65-F5344CB8AC3E}">
+        <p14:creationId xmlns:p14="http://schemas.microsoft.com/office/powerpoint/2010/main" val="2189895060"/>
+      </p:ext>
+    </p:extLst>
+  </p:cSld>
+  <p:clrMapOvr>
+    <a:masterClrMapping/>
+  </p:clrMapOvr>
+  <p:timing>
+    <p:tnLst>
+      <p:par>
+        <p:cTn id="1" dur="indefinite" restart="never" nodeType="tmRoot"/>
+      </p:par>
+    </p:tnLst>
+  </p:timing>
+</p:sld>
+</file>
+
+<file path=ppt/slides/slide6.xml><?xml version="1.0" encoding="utf-8"?>
 <p:sld xmlns:a="http://schemas.openxmlformats.org/drawingml/2006/main" xmlns:r="http://schemas.openxmlformats.org/officeDocument/2006/relationships" xmlns:p="http://schemas.openxmlformats.org/presentationml/2006/main">
   <p:cSld>
     <p:spTree>
@@ -17283,10 +19102,17 @@
   <p:clrMapOvr>
     <a:masterClrMapping/>
   </p:clrMapOvr>
+  <p:timing>
+    <p:tnLst>
+      <p:par>
+        <p:cTn id="1" dur="indefinite" restart="never" nodeType="tmRoot"/>
+      </p:par>
+    </p:tnLst>
+  </p:timing>
 </p:sld>
 </file>
 
-<file path=ppt/slides/slide5.xml><?xml version="1.0" encoding="utf-8"?>
+<file path=ppt/slides/slide7.xml><?xml version="1.0" encoding="utf-8"?>
 <p:sld xmlns:a="http://schemas.openxmlformats.org/drawingml/2006/main" xmlns:r="http://schemas.openxmlformats.org/officeDocument/2006/relationships" xmlns:p="http://schemas.openxmlformats.org/presentationml/2006/main">
   <p:cSld>
     <p:spTree>
@@ -19982,10 +21808,17 @@
   <p:clrMapOvr>
     <a:masterClrMapping/>
   </p:clrMapOvr>
+  <p:timing>
+    <p:tnLst>
+      <p:par>
+        <p:cTn id="1" dur="indefinite" restart="never" nodeType="tmRoot"/>
+      </p:par>
+    </p:tnLst>
+  </p:timing>
 </p:sld>
 </file>
 
-<file path=ppt/slides/slide6.xml><?xml version="1.0" encoding="utf-8"?>
+<file path=ppt/slides/slide8.xml><?xml version="1.0" encoding="utf-8"?>
 <p:sld xmlns:a="http://schemas.openxmlformats.org/drawingml/2006/main" xmlns:r="http://schemas.openxmlformats.org/officeDocument/2006/relationships" xmlns:p="http://schemas.openxmlformats.org/presentationml/2006/main">
   <p:cSld>
     <p:spTree>
@@ -20175,10 +22008,6 @@
             <a:r>
               <a:rPr lang="ja-JP" altLang="en-US" sz="1800" dirty="0"/>
               <a:t>分遅れで表示されていた株価が、リアルタイムになりました。</a:t>
-            </a:r>
-            <a:r>
-              <a:rPr lang="ja-JP" altLang="en-US" sz="1800" dirty="0"/>
-              <a:t/>
             </a:r>
             <a:br>
               <a:rPr lang="ja-JP" altLang="en-US" sz="1800" dirty="0"/>
@@ -20404,10 +22233,17 @@
   <p:clrMapOvr>
     <a:masterClrMapping/>
   </p:clrMapOvr>
+  <p:timing>
+    <p:tnLst>
+      <p:par>
+        <p:cTn id="1" dur="indefinite" restart="never" nodeType="tmRoot"/>
+      </p:par>
+    </p:tnLst>
+  </p:timing>
 </p:sld>
 </file>
 
-<file path=ppt/slides/slide7.xml><?xml version="1.0" encoding="utf-8"?>
+<file path=ppt/slides/slide9.xml><?xml version="1.0" encoding="utf-8"?>
 <p:sld xmlns:a="http://schemas.openxmlformats.org/drawingml/2006/main" xmlns:r="http://schemas.openxmlformats.org/officeDocument/2006/relationships" xmlns:p="http://schemas.openxmlformats.org/presentationml/2006/main">
   <p:cSld>
     <p:spTree>
@@ -20576,10 +22412,6 @@
               <a:rPr lang="ja-JP" altLang="en-US" sz="1800" dirty="0"/>
               <a:t>を開設している。</a:t>
             </a:r>
-            <a:r>
-              <a:rPr lang="ja-JP" altLang="en-US" sz="1800" dirty="0"/>
-              <a:t/>
-            </a:r>
             <a:br>
               <a:rPr lang="ja-JP" altLang="en-US" sz="1800" dirty="0"/>
             </a:br>
@@ -20762,1112 +22594,13 @@
   <p:clrMapOvr>
     <a:masterClrMapping/>
   </p:clrMapOvr>
-</p:sld>
-</file>
-
-<file path=ppt/slides/slide8.xml><?xml version="1.0" encoding="utf-8"?>
-<p:sld xmlns:a="http://schemas.openxmlformats.org/drawingml/2006/main" xmlns:r="http://schemas.openxmlformats.org/officeDocument/2006/relationships" xmlns:p="http://schemas.openxmlformats.org/presentationml/2006/main">
-  <p:cSld>
-    <p:spTree>
-      <p:nvGrpSpPr>
-        <p:cNvPr id="1" name=""/>
-        <p:cNvGrpSpPr/>
-        <p:nvPr/>
-      </p:nvGrpSpPr>
-      <p:grpSpPr>
-        <a:xfrm>
-          <a:off x="0" y="0"/>
-          <a:ext cx="0" cy="0"/>
-          <a:chOff x="0" y="0"/>
-          <a:chExt cx="0" cy="0"/>
-        </a:xfrm>
-      </p:grpSpPr>
-      <p:sp>
-        <p:nvSpPr>
-          <p:cNvPr id="2" name="タイトル 1"/>
-          <p:cNvSpPr>
-            <a:spLocks noGrp="1"/>
-          </p:cNvSpPr>
-          <p:nvPr>
-            <p:ph type="title"/>
-          </p:nvPr>
-        </p:nvSpPr>
-        <p:spPr/>
-        <p:txBody>
-          <a:bodyPr/>
-          <a:lstStyle/>
-          <a:p>
-            <a:r>
-              <a:rPr lang="ja-JP" altLang="en-US" dirty="0"/>
-              <a:t>株価を取得して</a:t>
-            </a:r>
-            <a:r>
-              <a:rPr lang="ja-JP" altLang="en-US" dirty="0" smtClean="0"/>
-              <a:t>みよう</a:t>
-            </a:r>
-            <a:endParaRPr kumimoji="1" lang="ja-JP" altLang="en-US" dirty="0"/>
-          </a:p>
-        </p:txBody>
-      </p:sp>
-      <p:sp>
-        <p:nvSpPr>
-          <p:cNvPr id="3" name="コンテンツ プレースホルダー 2"/>
-          <p:cNvSpPr>
-            <a:spLocks noGrp="1"/>
-          </p:cNvSpPr>
-          <p:nvPr>
-            <p:ph sz="quarter" idx="1"/>
-          </p:nvPr>
-        </p:nvSpPr>
-        <p:spPr/>
-        <p:txBody>
-          <a:bodyPr>
-            <a:normAutofit fontScale="92500" lnSpcReduction="20000"/>
-          </a:bodyPr>
-          <a:lstStyle/>
-          <a:p>
-            <a:r>
-              <a:rPr lang="en-US" altLang="ja-JP" dirty="0" err="1" smtClean="0"/>
-              <a:t>RFinanceYJ</a:t>
-            </a:r>
-            <a:endParaRPr lang="en-US" altLang="ja-JP" dirty="0" smtClean="0"/>
-          </a:p>
-          <a:p>
-            <a:pPr marL="0" indent="0">
-              <a:buNone/>
-            </a:pPr>
-            <a:r>
-              <a:rPr lang="ja-JP" altLang="en-US" sz="1800" dirty="0" smtClean="0"/>
-              <a:t>ヤフーファイナンス</a:t>
-            </a:r>
-            <a:r>
-              <a:rPr lang="ja-JP" altLang="en-US" sz="1800" dirty="0"/>
-              <a:t>から株価を取得することができる「</a:t>
-            </a:r>
-            <a:r>
-              <a:rPr lang="en-US" altLang="ja-JP" sz="1800" dirty="0" err="1"/>
-              <a:t>RFinanceYJ</a:t>
-            </a:r>
-            <a:r>
-              <a:rPr lang="ja-JP" altLang="en-US" sz="1800" dirty="0"/>
-              <a:t>」を使います</a:t>
-            </a:r>
-            <a:r>
-              <a:rPr lang="ja-JP" altLang="en-US" sz="1800" dirty="0" smtClean="0"/>
-              <a:t>。作者</a:t>
-            </a:r>
-            <a:r>
-              <a:rPr lang="ja-JP" altLang="en-US" sz="1800" dirty="0"/>
-              <a:t>は里 洋平</a:t>
-            </a:r>
-            <a:r>
-              <a:rPr lang="en-US" altLang="ja-JP" sz="1800" dirty="0"/>
-              <a:t>(</a:t>
-            </a:r>
-            <a:r>
-              <a:rPr lang="en-US" altLang="ja-JP" sz="1800" dirty="0" err="1"/>
-              <a:t>yokkuns</a:t>
-            </a:r>
-            <a:r>
-              <a:rPr lang="en-US" altLang="ja-JP" sz="1800" dirty="0"/>
-              <a:t>)</a:t>
-            </a:r>
-            <a:r>
-              <a:rPr lang="ja-JP" altLang="en-US" sz="1800" dirty="0" smtClean="0"/>
-              <a:t>さん。マニュアル</a:t>
-            </a:r>
-            <a:r>
-              <a:rPr lang="ja-JP" altLang="en-US" sz="1800" dirty="0"/>
-              <a:t>は</a:t>
-            </a:r>
-            <a:r>
-              <a:rPr lang="ja-JP" altLang="en-US" sz="1800" dirty="0">
-                <a:hlinkClick r:id="rId2"/>
-              </a:rPr>
-              <a:t>ここ</a:t>
-            </a:r>
-            <a:r>
-              <a:rPr lang="ja-JP" altLang="en-US" sz="1800" dirty="0"/>
-              <a:t>から。</a:t>
-            </a:r>
-            <a:r>
-              <a:rPr lang="ja-JP" altLang="en-US" sz="1800" dirty="0"/>
-              <a:t/>
-            </a:r>
-            <a:br>
-              <a:rPr lang="ja-JP" altLang="en-US" sz="1800" dirty="0"/>
-            </a:br>
-            <a:endParaRPr lang="en-US" altLang="ja-JP" sz="1800" dirty="0" smtClean="0"/>
-          </a:p>
-          <a:p>
-            <a:pPr marL="0" indent="0">
-              <a:buNone/>
-            </a:pPr>
-            <a:r>
-              <a:rPr lang="en-US" altLang="ja-JP" sz="1800" dirty="0" err="1" smtClean="0"/>
-              <a:t>Rstudio</a:t>
-            </a:r>
-            <a:r>
-              <a:rPr lang="ja-JP" altLang="en-US" sz="1800" dirty="0" smtClean="0"/>
-              <a:t>を使います。</a:t>
-            </a:r>
-            <a:endParaRPr lang="en-US" altLang="ja-JP" sz="1800" dirty="0" smtClean="0"/>
-          </a:p>
-          <a:p>
-            <a:pPr marL="0" indent="0">
-              <a:buNone/>
-            </a:pPr>
-            <a:r>
-              <a:rPr lang="en-US" altLang="ja-JP" sz="1800" dirty="0" err="1">
-                <a:solidFill>
-                  <a:srgbClr val="009900"/>
-                </a:solidFill>
-              </a:rPr>
-              <a:t>install.packages</a:t>
-            </a:r>
-            <a:r>
-              <a:rPr lang="en-US" altLang="ja-JP" sz="1800" dirty="0" smtClean="0">
-                <a:solidFill>
-                  <a:srgbClr val="009900"/>
-                </a:solidFill>
-              </a:rPr>
-              <a:t>(“</a:t>
-            </a:r>
-            <a:r>
-              <a:rPr lang="en-US" altLang="ja-JP" sz="1800" dirty="0" err="1" smtClean="0">
-                <a:solidFill>
-                  <a:srgbClr val="009900"/>
-                </a:solidFill>
-              </a:rPr>
-              <a:t>RFinanceYJ</a:t>
-            </a:r>
-            <a:r>
-              <a:rPr lang="en-US" altLang="ja-JP" sz="1800" dirty="0" smtClean="0">
-                <a:solidFill>
-                  <a:srgbClr val="009900"/>
-                </a:solidFill>
-              </a:rPr>
-              <a:t>”)</a:t>
-            </a:r>
-            <a:r>
-              <a:rPr lang="en-US" altLang="ja-JP" sz="1800" dirty="0">
-                <a:solidFill>
-                  <a:srgbClr val="009900"/>
-                </a:solidFill>
-              </a:rPr>
-              <a:t/>
-            </a:r>
-            <a:br>
-              <a:rPr lang="en-US" altLang="ja-JP" sz="1800" dirty="0">
-                <a:solidFill>
-                  <a:srgbClr val="009900"/>
-                </a:solidFill>
-              </a:rPr>
-            </a:br>
-            <a:r>
-              <a:rPr lang="en-US" altLang="ja-JP" sz="1800" dirty="0">
-                <a:solidFill>
-                  <a:srgbClr val="009900"/>
-                </a:solidFill>
-              </a:rPr>
-              <a:t>library(</a:t>
-            </a:r>
-            <a:r>
-              <a:rPr lang="en-US" altLang="ja-JP" sz="1800" dirty="0" err="1">
-                <a:solidFill>
-                  <a:srgbClr val="009900"/>
-                </a:solidFill>
-              </a:rPr>
-              <a:t>RFinanceYJ</a:t>
-            </a:r>
-            <a:r>
-              <a:rPr lang="en-US" altLang="ja-JP" sz="1800" dirty="0">
-                <a:solidFill>
-                  <a:srgbClr val="009900"/>
-                </a:solidFill>
-              </a:rPr>
-              <a:t>)</a:t>
-            </a:r>
-            <a:r>
-              <a:rPr lang="en-US" altLang="ja-JP" sz="1800" dirty="0">
-                <a:solidFill>
-                  <a:srgbClr val="009900"/>
-                </a:solidFill>
-              </a:rPr>
-              <a:t/>
-            </a:r>
-            <a:br>
-              <a:rPr lang="en-US" altLang="ja-JP" sz="1800" dirty="0">
-                <a:solidFill>
-                  <a:srgbClr val="009900"/>
-                </a:solidFill>
-              </a:rPr>
-            </a:br>
-            <a:r>
-              <a:rPr lang="en-US" altLang="ja-JP" sz="1800" dirty="0">
-                <a:solidFill>
-                  <a:srgbClr val="009900"/>
-                </a:solidFill>
-              </a:rPr>
-              <a:t/>
-            </a:r>
-            <a:br>
-              <a:rPr lang="en-US" altLang="ja-JP" sz="1800" dirty="0">
-                <a:solidFill>
-                  <a:srgbClr val="009900"/>
-                </a:solidFill>
-              </a:rPr>
-            </a:br>
-            <a:r>
-              <a:rPr lang="en-US" altLang="ja-JP" sz="1800" dirty="0" err="1">
-                <a:solidFill>
-                  <a:srgbClr val="009900"/>
-                </a:solidFill>
-              </a:rPr>
-              <a:t>sony</a:t>
-            </a:r>
-            <a:r>
-              <a:rPr lang="en-US" altLang="ja-JP" sz="1800" dirty="0">
-                <a:solidFill>
-                  <a:srgbClr val="009900"/>
-                </a:solidFill>
-              </a:rPr>
-              <a:t> &lt;- </a:t>
-            </a:r>
-            <a:r>
-              <a:rPr lang="en-US" altLang="ja-JP" sz="1800" dirty="0" err="1">
-                <a:solidFill>
-                  <a:srgbClr val="009900"/>
-                </a:solidFill>
-              </a:rPr>
-              <a:t>quoteStockTsData</a:t>
-            </a:r>
-            <a:r>
-              <a:rPr lang="en-US" altLang="ja-JP" sz="1800" dirty="0" smtClean="0">
-                <a:solidFill>
-                  <a:srgbClr val="009900"/>
-                </a:solidFill>
-              </a:rPr>
-              <a:t>(‘6758.t’, </a:t>
-            </a:r>
-            <a:r>
-              <a:rPr lang="en-US" altLang="ja-JP" sz="1800" dirty="0">
-                <a:solidFill>
-                  <a:srgbClr val="009900"/>
-                </a:solidFill>
-              </a:rPr>
-              <a:t>since</a:t>
-            </a:r>
-            <a:r>
-              <a:rPr lang="en-US" altLang="ja-JP" sz="1800" dirty="0" smtClean="0">
-                <a:solidFill>
-                  <a:srgbClr val="009900"/>
-                </a:solidFill>
-              </a:rPr>
-              <a:t>=‘2013-01-01’)</a:t>
-            </a:r>
-            <a:r>
-              <a:rPr lang="en-US" altLang="ja-JP" sz="1800" dirty="0">
-                <a:solidFill>
-                  <a:srgbClr val="009900"/>
-                </a:solidFill>
-              </a:rPr>
-              <a:t/>
-            </a:r>
-            <a:br>
-              <a:rPr lang="en-US" altLang="ja-JP" sz="1800" dirty="0">
-                <a:solidFill>
-                  <a:srgbClr val="009900"/>
-                </a:solidFill>
-              </a:rPr>
-            </a:br>
-            <a:r>
-              <a:rPr lang="en-US" altLang="ja-JP" sz="1800" dirty="0" err="1">
-                <a:solidFill>
-                  <a:srgbClr val="009900"/>
-                </a:solidFill>
-              </a:rPr>
-              <a:t>toyota</a:t>
-            </a:r>
-            <a:r>
-              <a:rPr lang="en-US" altLang="ja-JP" sz="1800" dirty="0">
-                <a:solidFill>
-                  <a:srgbClr val="009900"/>
-                </a:solidFill>
-              </a:rPr>
-              <a:t> &lt;- </a:t>
-            </a:r>
-            <a:r>
-              <a:rPr lang="en-US" altLang="ja-JP" sz="1800" dirty="0" err="1">
-                <a:solidFill>
-                  <a:srgbClr val="009900"/>
-                </a:solidFill>
-              </a:rPr>
-              <a:t>quoteStockTsData</a:t>
-            </a:r>
-            <a:r>
-              <a:rPr lang="en-US" altLang="ja-JP" sz="1800" dirty="0" smtClean="0">
-                <a:solidFill>
-                  <a:srgbClr val="009900"/>
-                </a:solidFill>
-              </a:rPr>
-              <a:t>(‘7203.t’, </a:t>
-            </a:r>
-            <a:r>
-              <a:rPr lang="en-US" altLang="ja-JP" sz="1800" dirty="0">
-                <a:solidFill>
-                  <a:srgbClr val="009900"/>
-                </a:solidFill>
-              </a:rPr>
-              <a:t>since</a:t>
-            </a:r>
-            <a:r>
-              <a:rPr lang="en-US" altLang="ja-JP" sz="1800" dirty="0" smtClean="0">
-                <a:solidFill>
-                  <a:srgbClr val="009900"/>
-                </a:solidFill>
-              </a:rPr>
-              <a:t>=‘2013-01-01’)</a:t>
-            </a:r>
-            <a:r>
-              <a:rPr lang="en-US" altLang="ja-JP" sz="1800" dirty="0">
-                <a:solidFill>
-                  <a:srgbClr val="009900"/>
-                </a:solidFill>
-              </a:rPr>
-              <a:t/>
-            </a:r>
-            <a:br>
-              <a:rPr lang="en-US" altLang="ja-JP" sz="1800" dirty="0">
-                <a:solidFill>
-                  <a:srgbClr val="009900"/>
-                </a:solidFill>
-              </a:rPr>
-            </a:br>
-            <a:r>
-              <a:rPr lang="en-US" altLang="ja-JP" sz="1800" dirty="0" err="1">
-                <a:solidFill>
-                  <a:srgbClr val="009900"/>
-                </a:solidFill>
-              </a:rPr>
-              <a:t>nikkei_h</a:t>
-            </a:r>
-            <a:r>
-              <a:rPr lang="en-US" altLang="ja-JP" sz="1800" dirty="0">
-                <a:solidFill>
-                  <a:srgbClr val="009900"/>
-                </a:solidFill>
-              </a:rPr>
-              <a:t> &lt;- </a:t>
-            </a:r>
-            <a:r>
-              <a:rPr lang="en-US" altLang="ja-JP" sz="1800" dirty="0" err="1">
-                <a:solidFill>
-                  <a:srgbClr val="009900"/>
-                </a:solidFill>
-              </a:rPr>
-              <a:t>quoteStockTsData</a:t>
-            </a:r>
-            <a:r>
-              <a:rPr lang="en-US" altLang="ja-JP" sz="1800" dirty="0" smtClean="0">
-                <a:solidFill>
-                  <a:srgbClr val="009900"/>
-                </a:solidFill>
-              </a:rPr>
-              <a:t>(‘998407.O’, </a:t>
-            </a:r>
-            <a:r>
-              <a:rPr lang="en-US" altLang="ja-JP" sz="1800" dirty="0">
-                <a:solidFill>
-                  <a:srgbClr val="009900"/>
-                </a:solidFill>
-              </a:rPr>
-              <a:t>since</a:t>
-            </a:r>
-            <a:r>
-              <a:rPr lang="en-US" altLang="ja-JP" sz="1800" dirty="0" smtClean="0">
-                <a:solidFill>
-                  <a:srgbClr val="009900"/>
-                </a:solidFill>
-              </a:rPr>
-              <a:t>=‘2013-01-01’)</a:t>
-            </a:r>
-            <a:r>
-              <a:rPr lang="en-US" altLang="ja-JP" sz="1800" dirty="0">
-                <a:solidFill>
-                  <a:srgbClr val="009900"/>
-                </a:solidFill>
-              </a:rPr>
-              <a:t/>
-            </a:r>
-            <a:br>
-              <a:rPr lang="en-US" altLang="ja-JP" sz="1800" dirty="0">
-                <a:solidFill>
-                  <a:srgbClr val="009900"/>
-                </a:solidFill>
-              </a:rPr>
-            </a:br>
-            <a:r>
-              <a:rPr lang="en-US" altLang="ja-JP" sz="1800" dirty="0"/>
-              <a:t/>
-            </a:r>
-            <a:br>
-              <a:rPr lang="en-US" altLang="ja-JP" sz="1800" dirty="0"/>
-            </a:br>
-            <a:r>
-              <a:rPr lang="en-US" altLang="ja-JP" sz="1800" dirty="0" smtClean="0">
-                <a:solidFill>
-                  <a:srgbClr val="009900"/>
-                </a:solidFill>
-              </a:rPr>
-              <a:t>head(</a:t>
-            </a:r>
-            <a:r>
-              <a:rPr lang="en-US" altLang="ja-JP" sz="1800" dirty="0" err="1" smtClean="0">
-                <a:solidFill>
-                  <a:srgbClr val="FF0000"/>
-                </a:solidFill>
-              </a:rPr>
-              <a:t>sony</a:t>
-            </a:r>
-            <a:r>
-              <a:rPr lang="en-US" altLang="ja-JP" sz="1800" dirty="0">
-                <a:solidFill>
-                  <a:srgbClr val="009900"/>
-                </a:solidFill>
-              </a:rPr>
-              <a:t>) </a:t>
-            </a:r>
-            <a:r>
-              <a:rPr lang="ja-JP" altLang="en-US" sz="1800" dirty="0" smtClean="0">
-                <a:solidFill>
-                  <a:srgbClr val="009900"/>
-                </a:solidFill>
-              </a:rPr>
-              <a:t>　</a:t>
-            </a:r>
-            <a:r>
-              <a:rPr lang="en-US" altLang="ja-JP" sz="1800" dirty="0" smtClean="0"/>
-              <a:t>#</a:t>
-            </a:r>
-            <a:r>
-              <a:rPr lang="ja-JP" altLang="en-US" sz="1800" dirty="0"/>
-              <a:t>データの最初の１５行くらいを出力することができる。</a:t>
-            </a:r>
-            <a:r>
-              <a:rPr lang="ja-JP" altLang="en-US" sz="1800" dirty="0"/>
-              <a:t/>
-            </a:r>
-            <a:br>
-              <a:rPr lang="ja-JP" altLang="en-US" sz="1800" dirty="0"/>
-            </a:br>
-            <a:r>
-              <a:rPr lang="ja-JP" altLang="en-US" sz="1800" dirty="0"/>
-              <a:t/>
-            </a:r>
-            <a:br>
-              <a:rPr lang="ja-JP" altLang="en-US" sz="1800" dirty="0"/>
-            </a:br>
-            <a:r>
-              <a:rPr lang="ja-JP" altLang="en-US" sz="1800" dirty="0"/>
-              <a:t>データの定義は</a:t>
-            </a:r>
-            <a:r>
-              <a:rPr lang="ja-JP" altLang="en-US" sz="1800" dirty="0" smtClean="0"/>
-              <a:t>下記</a:t>
-            </a:r>
-            <a:r>
-              <a:rPr lang="ja-JP" altLang="en-US" sz="1800" dirty="0"/>
-              <a:t/>
-            </a:r>
-            <a:br>
-              <a:rPr lang="ja-JP" altLang="en-US" sz="1800" dirty="0"/>
-            </a:br>
-            <a:r>
-              <a:rPr lang="en-US" altLang="ja-JP" sz="1800" dirty="0"/>
-              <a:t>date:</a:t>
-            </a:r>
-            <a:r>
-              <a:rPr lang="ja-JP" altLang="en-US" sz="1800" dirty="0"/>
-              <a:t>日付 </a:t>
-            </a:r>
-            <a:r>
-              <a:rPr lang="en-US" altLang="ja-JP" sz="1800" dirty="0"/>
-              <a:t>open</a:t>
-            </a:r>
-            <a:r>
-              <a:rPr lang="ja-JP" altLang="en-US" sz="1800" dirty="0"/>
-              <a:t>：始値 </a:t>
-            </a:r>
-            <a:r>
-              <a:rPr lang="en-US" altLang="ja-JP" sz="1800" dirty="0"/>
-              <a:t>height</a:t>
-            </a:r>
-            <a:r>
-              <a:rPr lang="ja-JP" altLang="en-US" sz="1800" dirty="0"/>
-              <a:t>：高値 </a:t>
-            </a:r>
-            <a:r>
-              <a:rPr lang="en-US" altLang="ja-JP" sz="1800" dirty="0"/>
-              <a:t>low</a:t>
-            </a:r>
-            <a:r>
-              <a:rPr lang="ja-JP" altLang="en-US" sz="1800" dirty="0"/>
-              <a:t>：低値 </a:t>
-            </a:r>
-            <a:r>
-              <a:rPr lang="en-US" altLang="ja-JP" sz="1800" dirty="0"/>
-              <a:t>close</a:t>
-            </a:r>
-            <a:r>
-              <a:rPr lang="ja-JP" altLang="en-US" sz="1800" dirty="0"/>
-              <a:t>：終値 </a:t>
-            </a:r>
-            <a:r>
-              <a:rPr lang="en-US" altLang="ja-JP" sz="1800" dirty="0"/>
-              <a:t>volume</a:t>
-            </a:r>
-            <a:r>
-              <a:rPr lang="ja-JP" altLang="en-US" sz="1800" dirty="0"/>
-              <a:t>：出来高 </a:t>
-            </a:r>
-            <a:r>
-              <a:rPr lang="en-US" altLang="ja-JP" sz="1800" dirty="0" err="1"/>
-              <a:t>adj_close</a:t>
-            </a:r>
-            <a:r>
-              <a:rPr lang="ja-JP" altLang="en-US" sz="1800" dirty="0"/>
-              <a:t>：調整後終値</a:t>
-            </a:r>
-            <a:r>
-              <a:rPr lang="ja-JP" altLang="en-US" sz="1800" dirty="0"/>
-              <a:t/>
-            </a:r>
-            <a:br>
-              <a:rPr lang="ja-JP" altLang="en-US" sz="1800" dirty="0"/>
-            </a:br>
-            <a:endParaRPr lang="en-US" altLang="ja-JP" sz="1800" dirty="0" smtClean="0"/>
-          </a:p>
-          <a:p>
-            <a:pPr marL="0" indent="0">
-              <a:buNone/>
-            </a:pPr>
-            <a:r>
-              <a:rPr lang="en-US" altLang="ja-JP" sz="1800" dirty="0" smtClean="0"/>
-              <a:t>plot</a:t>
-            </a:r>
-            <a:r>
-              <a:rPr lang="en-US" altLang="ja-JP" sz="1800" dirty="0"/>
-              <a:t>()</a:t>
-            </a:r>
-            <a:r>
-              <a:rPr lang="ja-JP" altLang="en-US" sz="1800" dirty="0"/>
-              <a:t>関数</a:t>
-            </a:r>
-            <a:r>
-              <a:rPr lang="ja-JP" altLang="en-US" sz="1800" dirty="0" smtClean="0"/>
-              <a:t>でグラフを作成</a:t>
-            </a:r>
-            <a:r>
-              <a:rPr lang="ja-JP" altLang="en-US" sz="1800" dirty="0"/>
-              <a:t/>
-            </a:r>
-            <a:br>
-              <a:rPr lang="ja-JP" altLang="en-US" sz="1800" dirty="0"/>
-            </a:br>
-            <a:r>
-              <a:rPr lang="en-US" altLang="ja-JP" sz="1800" dirty="0" smtClean="0">
-                <a:solidFill>
-                  <a:srgbClr val="009900"/>
-                </a:solidFill>
-              </a:rPr>
-              <a:t>plot(</a:t>
-            </a:r>
-            <a:r>
-              <a:rPr lang="en-US" altLang="ja-JP" sz="1800" dirty="0" err="1" smtClean="0">
-                <a:solidFill>
-                  <a:srgbClr val="FF0000"/>
-                </a:solidFill>
-              </a:rPr>
-              <a:t>sony</a:t>
-            </a:r>
-            <a:r>
-              <a:rPr lang="en-US" altLang="ja-JP" sz="1800" dirty="0">
-                <a:solidFill>
-                  <a:srgbClr val="009900"/>
-                </a:solidFill>
-              </a:rPr>
-              <a:t>[,1],</a:t>
-            </a:r>
-            <a:r>
-              <a:rPr lang="en-US" altLang="ja-JP" sz="1800" dirty="0" err="1">
-                <a:solidFill>
-                  <a:srgbClr val="FF0000"/>
-                </a:solidFill>
-              </a:rPr>
-              <a:t>sony</a:t>
-            </a:r>
-            <a:r>
-              <a:rPr lang="en-US" altLang="ja-JP" sz="1800" dirty="0">
-                <a:solidFill>
-                  <a:srgbClr val="009900"/>
-                </a:solidFill>
-              </a:rPr>
-              <a:t>[,5],type="l",</a:t>
-            </a:r>
-            <a:r>
-              <a:rPr lang="en-US" altLang="ja-JP" sz="1800" dirty="0" err="1">
-                <a:solidFill>
-                  <a:srgbClr val="009900"/>
-                </a:solidFill>
-              </a:rPr>
-              <a:t>xlab</a:t>
-            </a:r>
-            <a:r>
-              <a:rPr lang="en-US" altLang="ja-JP" sz="1800" dirty="0">
-                <a:solidFill>
-                  <a:srgbClr val="009900"/>
-                </a:solidFill>
-              </a:rPr>
-              <a:t>="</a:t>
-            </a:r>
-            <a:r>
-              <a:rPr lang="ja-JP" altLang="en-US" sz="1800" dirty="0">
-                <a:solidFill>
-                  <a:srgbClr val="009900"/>
-                </a:solidFill>
-              </a:rPr>
-              <a:t>月</a:t>
-            </a:r>
-            <a:r>
-              <a:rPr lang="en-US" altLang="ja-JP" sz="1800" dirty="0">
-                <a:solidFill>
-                  <a:srgbClr val="009900"/>
-                </a:solidFill>
-              </a:rPr>
-              <a:t>",</a:t>
-            </a:r>
-            <a:r>
-              <a:rPr lang="en-US" altLang="ja-JP" sz="1800" dirty="0" err="1">
-                <a:solidFill>
-                  <a:srgbClr val="009900"/>
-                </a:solidFill>
-              </a:rPr>
-              <a:t>ylab</a:t>
-            </a:r>
-            <a:r>
-              <a:rPr lang="en-US" altLang="ja-JP" sz="1800" dirty="0">
-                <a:solidFill>
-                  <a:srgbClr val="009900"/>
-                </a:solidFill>
-              </a:rPr>
-              <a:t>="</a:t>
-            </a:r>
-            <a:r>
-              <a:rPr lang="ja-JP" altLang="en-US" sz="1800" dirty="0">
-                <a:solidFill>
-                  <a:srgbClr val="009900"/>
-                </a:solidFill>
-              </a:rPr>
-              <a:t>終値</a:t>
-            </a:r>
-            <a:r>
-              <a:rPr lang="en-US" altLang="ja-JP" sz="1800" dirty="0" smtClean="0">
-                <a:solidFill>
-                  <a:srgbClr val="009900"/>
-                </a:solidFill>
-              </a:rPr>
-              <a:t>")</a:t>
-            </a:r>
-            <a:endParaRPr kumimoji="1" lang="ja-JP" altLang="en-US" dirty="0">
-              <a:solidFill>
-                <a:srgbClr val="009900"/>
-              </a:solidFill>
-            </a:endParaRPr>
-          </a:p>
-        </p:txBody>
-      </p:sp>
-    </p:spTree>
-    <p:extLst>
-      <p:ext uri="{BB962C8B-B14F-4D97-AF65-F5344CB8AC3E}">
-        <p14:creationId xmlns:p14="http://schemas.microsoft.com/office/powerpoint/2010/main" val="192822024"/>
-      </p:ext>
-    </p:extLst>
-  </p:cSld>
-  <p:clrMapOvr>
-    <a:masterClrMapping/>
-  </p:clrMapOvr>
-</p:sld>
-</file>
-
-<file path=ppt/slides/slide9.xml><?xml version="1.0" encoding="utf-8"?>
-<p:sld xmlns:a="http://schemas.openxmlformats.org/drawingml/2006/main" xmlns:r="http://schemas.openxmlformats.org/officeDocument/2006/relationships" xmlns:p="http://schemas.openxmlformats.org/presentationml/2006/main">
-  <p:cSld>
-    <p:spTree>
-      <p:nvGrpSpPr>
-        <p:cNvPr id="1" name=""/>
-        <p:cNvGrpSpPr/>
-        <p:nvPr/>
-      </p:nvGrpSpPr>
-      <p:grpSpPr>
-        <a:xfrm>
-          <a:off x="0" y="0"/>
-          <a:ext cx="0" cy="0"/>
-          <a:chOff x="0" y="0"/>
-          <a:chExt cx="0" cy="0"/>
-        </a:xfrm>
-      </p:grpSpPr>
-      <p:sp>
-        <p:nvSpPr>
-          <p:cNvPr id="2" name="タイトル 1"/>
-          <p:cNvSpPr>
-            <a:spLocks noGrp="1"/>
-          </p:cNvSpPr>
-          <p:nvPr>
-            <p:ph type="title"/>
-          </p:nvPr>
-        </p:nvSpPr>
-        <p:spPr/>
-        <p:txBody>
-          <a:bodyPr/>
-          <a:lstStyle/>
-          <a:p>
-            <a:r>
-              <a:rPr kumimoji="1" lang="ja-JP" altLang="en-US" dirty="0" smtClean="0"/>
-              <a:t>相関係数について</a:t>
-            </a:r>
-            <a:endParaRPr kumimoji="1" lang="ja-JP" altLang="en-US" dirty="0"/>
-          </a:p>
-        </p:txBody>
-      </p:sp>
-      <p:sp>
-        <p:nvSpPr>
-          <p:cNvPr id="3" name="コンテンツ プレースホルダー 2"/>
-          <p:cNvSpPr>
-            <a:spLocks noGrp="1"/>
-          </p:cNvSpPr>
-          <p:nvPr>
-            <p:ph sz="quarter" idx="1"/>
-          </p:nvPr>
-        </p:nvSpPr>
-        <p:spPr/>
-        <p:txBody>
-          <a:bodyPr/>
-          <a:lstStyle/>
-          <a:p>
-            <a:r>
-              <a:rPr lang="ja-JP" altLang="en-US" dirty="0"/>
-              <a:t>相関係数の概念</a:t>
-            </a:r>
-            <a:endParaRPr lang="ja-JP" altLang="en-US" dirty="0"/>
-          </a:p>
-          <a:p>
-            <a:pPr marL="0" indent="0">
-              <a:buNone/>
-            </a:pPr>
-            <a:r>
-              <a:rPr lang="ja-JP" altLang="en-US" sz="1800" dirty="0"/>
-              <a:t>２つの要因についてどれくらい関係が強いか？</a:t>
-            </a:r>
-            <a:r>
-              <a:rPr lang="ja-JP" altLang="en-US" sz="1800" dirty="0"/>
-              <a:t/>
-            </a:r>
-            <a:br>
-              <a:rPr lang="ja-JP" altLang="en-US" sz="1800" dirty="0"/>
-            </a:br>
-            <a:r>
-              <a:rPr lang="ja-JP" altLang="en-US" sz="1800" dirty="0"/>
-              <a:t>というものを示す１つの数値データになります。</a:t>
-            </a:r>
-            <a:r>
-              <a:rPr lang="ja-JP" altLang="en-US" dirty="0"/>
-              <a:t/>
-            </a:r>
-            <a:br>
-              <a:rPr lang="ja-JP" altLang="en-US" dirty="0"/>
-            </a:br>
-            <a:r>
-              <a:rPr lang="ja-JP" altLang="en-US" dirty="0"/>
-              <a:t/>
-            </a:r>
-            <a:br>
-              <a:rPr lang="ja-JP" altLang="en-US" dirty="0"/>
-            </a:br>
-            <a:endParaRPr kumimoji="1" lang="ja-JP" altLang="en-US" dirty="0"/>
-          </a:p>
-        </p:txBody>
-      </p:sp>
-      <p:graphicFrame>
-        <p:nvGraphicFramePr>
-          <p:cNvPr id="4" name="表 3"/>
-          <p:cNvGraphicFramePr>
-            <a:graphicFrameLocks noGrp="1"/>
-          </p:cNvGraphicFramePr>
-          <p:nvPr>
-            <p:extLst>
-              <p:ext uri="{D42A27DB-BD31-4B8C-83A1-F6EECF244321}">
-                <p14:modId xmlns:p14="http://schemas.microsoft.com/office/powerpoint/2010/main" val="3302262850"/>
-              </p:ext>
-            </p:extLst>
-          </p:nvPr>
-        </p:nvGraphicFramePr>
-        <p:xfrm>
-          <a:off x="539552" y="2924944"/>
-          <a:ext cx="4968552" cy="2194560"/>
-        </p:xfrm>
-        <a:graphic>
-          <a:graphicData uri="http://schemas.openxmlformats.org/drawingml/2006/table">
-            <a:tbl>
-              <a:tblPr firstRow="1" bandRow="1">
-                <a:tableStyleId>{5C22544A-7EE6-4342-B048-85BDC9FD1C3A}</a:tableStyleId>
-              </a:tblPr>
-              <a:tblGrid>
-                <a:gridCol w="1728192"/>
-                <a:gridCol w="3240360"/>
-              </a:tblGrid>
-              <a:tr h="238825">
-                <a:tc>
-                  <a:txBody>
-                    <a:bodyPr/>
-                    <a:lstStyle/>
-                    <a:p>
-                      <a:r>
-                        <a:rPr kumimoji="1" lang="ja-JP" altLang="en-US" dirty="0" smtClean="0"/>
-                        <a:t>相関係数</a:t>
-                      </a:r>
-                      <a:endParaRPr kumimoji="1" lang="ja-JP" altLang="en-US" dirty="0"/>
-                    </a:p>
-                  </a:txBody>
-                  <a:tcPr/>
-                </a:tc>
-                <a:tc>
-                  <a:txBody>
-                    <a:bodyPr/>
-                    <a:lstStyle/>
-                    <a:p>
-                      <a:r>
-                        <a:rPr kumimoji="1" lang="ja-JP" altLang="en-US" dirty="0" smtClean="0"/>
-                        <a:t>相関関係</a:t>
-                      </a:r>
-                      <a:endParaRPr kumimoji="1" lang="ja-JP" altLang="en-US" dirty="0"/>
-                    </a:p>
-                  </a:txBody>
-                  <a:tcPr/>
-                </a:tc>
-              </a:tr>
-              <a:tr h="238825">
-                <a:tc>
-                  <a:txBody>
-                    <a:bodyPr/>
-                    <a:lstStyle/>
-                    <a:p>
-                      <a:r>
-                        <a:rPr kumimoji="1" lang="ja-JP" altLang="en-US" dirty="0" smtClean="0"/>
-                        <a:t>　</a:t>
-                      </a:r>
-                      <a:r>
-                        <a:rPr kumimoji="1" lang="ja-JP" altLang="en-US" baseline="0" dirty="0" smtClean="0"/>
-                        <a:t> </a:t>
-                      </a:r>
-                      <a:r>
-                        <a:rPr kumimoji="1" lang="en-US" altLang="ja-JP" dirty="0" smtClean="0"/>
-                        <a:t>0.0</a:t>
-                      </a:r>
-                      <a:r>
-                        <a:rPr kumimoji="1" lang="ja-JP" altLang="en-US" dirty="0" smtClean="0"/>
-                        <a:t>～</a:t>
-                      </a:r>
-                      <a:r>
-                        <a:rPr kumimoji="1" lang="en-US" altLang="ja-JP" dirty="0" smtClean="0"/>
-                        <a:t>±0.2</a:t>
-                      </a:r>
-                      <a:endParaRPr kumimoji="1" lang="ja-JP" altLang="en-US" dirty="0"/>
-                    </a:p>
-                  </a:txBody>
-                  <a:tcPr/>
-                </a:tc>
-                <a:tc>
-                  <a:txBody>
-                    <a:bodyPr/>
-                    <a:lstStyle/>
-                    <a:p>
-                      <a:r>
-                        <a:rPr kumimoji="1" lang="ja-JP" altLang="en-US" dirty="0" smtClean="0"/>
-                        <a:t>ほとんど相関がない</a:t>
-                      </a:r>
-                      <a:endParaRPr kumimoji="1" lang="ja-JP" altLang="en-US" dirty="0"/>
-                    </a:p>
-                  </a:txBody>
-                  <a:tcPr/>
-                </a:tc>
-              </a:tr>
-              <a:tr h="238825">
-                <a:tc>
-                  <a:txBody>
-                    <a:bodyPr/>
-                    <a:lstStyle/>
-                    <a:p>
-                      <a:r>
-                        <a:rPr kumimoji="1" lang="en-US" altLang="ja-JP" dirty="0" smtClean="0"/>
-                        <a:t>±0.2</a:t>
-                      </a:r>
-                      <a:r>
-                        <a:rPr kumimoji="1" lang="ja-JP" altLang="en-US" dirty="0" smtClean="0"/>
-                        <a:t>～</a:t>
-                      </a:r>
-                      <a:r>
-                        <a:rPr kumimoji="1" lang="en-US" altLang="ja-JP" dirty="0" smtClean="0"/>
-                        <a:t>±0.4</a:t>
-                      </a:r>
-                      <a:endParaRPr kumimoji="1" lang="ja-JP" altLang="en-US" dirty="0"/>
-                    </a:p>
-                  </a:txBody>
-                  <a:tcPr/>
-                </a:tc>
-                <a:tc>
-                  <a:txBody>
-                    <a:bodyPr/>
-                    <a:lstStyle/>
-                    <a:p>
-                      <a:r>
-                        <a:rPr kumimoji="1" lang="ja-JP" altLang="en-US" dirty="0" smtClean="0"/>
-                        <a:t>やや相関がある</a:t>
-                      </a:r>
-                      <a:endParaRPr kumimoji="1" lang="ja-JP" altLang="en-US" dirty="0"/>
-                    </a:p>
-                  </a:txBody>
-                  <a:tcPr/>
-                </a:tc>
-              </a:tr>
-              <a:tr h="238825">
-                <a:tc>
-                  <a:txBody>
-                    <a:bodyPr/>
-                    <a:lstStyle/>
-                    <a:p>
-                      <a:r>
-                        <a:rPr kumimoji="1" lang="en-US" altLang="ja-JP" dirty="0" smtClean="0"/>
-                        <a:t>±0.4</a:t>
-                      </a:r>
-                      <a:r>
-                        <a:rPr kumimoji="1" lang="ja-JP" altLang="en-US" dirty="0" smtClean="0"/>
-                        <a:t>～</a:t>
-                      </a:r>
-                      <a:r>
-                        <a:rPr kumimoji="1" lang="en-US" altLang="ja-JP" dirty="0" smtClean="0"/>
-                        <a:t>±0.7</a:t>
-                      </a:r>
-                      <a:endParaRPr kumimoji="1" lang="ja-JP" altLang="en-US" dirty="0"/>
-                    </a:p>
-                  </a:txBody>
-                  <a:tcPr/>
-                </a:tc>
-                <a:tc>
-                  <a:txBody>
-                    <a:bodyPr/>
-                    <a:lstStyle/>
-                    <a:p>
-                      <a:r>
-                        <a:rPr kumimoji="1" lang="ja-JP" altLang="en-US" dirty="0" smtClean="0"/>
-                        <a:t>相関がある</a:t>
-                      </a:r>
-                      <a:endParaRPr kumimoji="1" lang="ja-JP" altLang="en-US" dirty="0"/>
-                    </a:p>
-                  </a:txBody>
-                  <a:tcPr/>
-                </a:tc>
-              </a:tr>
-              <a:tr h="238825">
-                <a:tc>
-                  <a:txBody>
-                    <a:bodyPr/>
-                    <a:lstStyle/>
-                    <a:p>
-                      <a:r>
-                        <a:rPr kumimoji="1" lang="en-US" altLang="ja-JP" dirty="0" smtClean="0"/>
-                        <a:t>±0.7</a:t>
-                      </a:r>
-                      <a:r>
-                        <a:rPr kumimoji="1" lang="ja-JP" altLang="en-US" dirty="0" smtClean="0"/>
-                        <a:t>～</a:t>
-                      </a:r>
-                      <a:r>
-                        <a:rPr kumimoji="1" lang="en-US" altLang="ja-JP" dirty="0" smtClean="0"/>
-                        <a:t>±0.9</a:t>
-                      </a:r>
-                      <a:endParaRPr kumimoji="1" lang="ja-JP" altLang="en-US" dirty="0"/>
-                    </a:p>
-                  </a:txBody>
-                  <a:tcPr/>
-                </a:tc>
-                <a:tc>
-                  <a:txBody>
-                    <a:bodyPr/>
-                    <a:lstStyle/>
-                    <a:p>
-                      <a:r>
-                        <a:rPr kumimoji="1" lang="ja-JP" altLang="en-US" dirty="0" smtClean="0"/>
-                        <a:t>強い相関がある</a:t>
-                      </a:r>
-                      <a:endParaRPr kumimoji="1" lang="ja-JP" altLang="en-US" dirty="0"/>
-                    </a:p>
-                  </a:txBody>
-                  <a:tcPr/>
-                </a:tc>
-              </a:tr>
-              <a:tr h="238825">
-                <a:tc>
-                  <a:txBody>
-                    <a:bodyPr/>
-                    <a:lstStyle/>
-                    <a:p>
-                      <a:r>
-                        <a:rPr kumimoji="1" lang="en-US" altLang="ja-JP" dirty="0" smtClean="0"/>
-                        <a:t>±0.9</a:t>
-                      </a:r>
-                      <a:r>
-                        <a:rPr kumimoji="1" lang="ja-JP" altLang="en-US" dirty="0" smtClean="0"/>
-                        <a:t>～</a:t>
-                      </a:r>
-                      <a:r>
-                        <a:rPr kumimoji="1" lang="en-US" altLang="ja-JP" dirty="0" smtClean="0"/>
-                        <a:t>±1.0</a:t>
-                      </a:r>
-                      <a:endParaRPr kumimoji="1" lang="ja-JP" altLang="en-US" dirty="0"/>
-                    </a:p>
-                  </a:txBody>
-                  <a:tcPr/>
-                </a:tc>
-                <a:tc>
-                  <a:txBody>
-                    <a:bodyPr/>
-                    <a:lstStyle/>
-                    <a:p>
-                      <a:r>
-                        <a:rPr kumimoji="1" lang="ja-JP" altLang="en-US" dirty="0" smtClean="0"/>
-                        <a:t>きわめて強い相関がある</a:t>
-                      </a:r>
-                      <a:endParaRPr kumimoji="1" lang="ja-JP" altLang="en-US" dirty="0"/>
-                    </a:p>
-                  </a:txBody>
-                  <a:tcPr/>
-                </a:tc>
-              </a:tr>
-            </a:tbl>
-          </a:graphicData>
-        </a:graphic>
-      </p:graphicFrame>
-    </p:spTree>
-    <p:extLst>
-      <p:ext uri="{BB962C8B-B14F-4D97-AF65-F5344CB8AC3E}">
-        <p14:creationId xmlns:p14="http://schemas.microsoft.com/office/powerpoint/2010/main" val="2528192187"/>
-      </p:ext>
-    </p:extLst>
-  </p:cSld>
-  <p:clrMapOvr>
-    <a:masterClrMapping/>
-  </p:clrMapOvr>
+  <p:timing>
+    <p:tnLst>
+      <p:par>
+        <p:cTn id="1" dur="indefinite" restart="never" nodeType="tmRoot"/>
+      </p:par>
+    </p:tnLst>
+  </p:timing>
 </p:sld>
 </file>
 
